--- a/PPT.pptx
+++ b/PPT.pptx
@@ -1,6 +1,6 @@
 
 <file path=ppt/presentation.xml><?xml version="1.0" encoding="utf-8"?>
-<p:presentation xmlns:a="http://schemas.openxmlformats.org/drawingml/2006/main" xmlns:r="http://schemas.openxmlformats.org/officeDocument/2006/relationships" xmlns:mc="http://schemas.openxmlformats.org/markup-compatibility/2006" xmlns:mv="urn:schemas-microsoft-com:mac:vml" xmlns:p="http://schemas.openxmlformats.org/presentationml/2006/main" xmlns:c="http://schemas.openxmlformats.org/drawingml/2006/chart" xmlns:dgm="http://schemas.openxmlformats.org/drawingml/2006/diagram" xmlns:o="urn:schemas-microsoft-com:office:office" xmlns:v="urn:schemas-microsoft-com:vml" xmlns:pvml="urn:schemas-microsoft-com:office:powerpoint" xmlns:com="http://schemas.openxmlformats.org/drawingml/2006/compatibility" xmlns:p14="http://schemas.microsoft.com/office/powerpoint/2010/main" xmlns:p15="http://schemas.microsoft.com/office/powerpoint/2012/main" xmlns:ahyp="http://schemas.microsoft.com/office/drawing/2018/hyperlinkcolor" autoCompressPictures="0" strictFirstAndLastChars="0" saveSubsetFonts="1">
+<p:presentation xmlns:a="http://schemas.openxmlformats.org/drawingml/2006/main" xmlns:r="http://schemas.openxmlformats.org/officeDocument/2006/relationships" xmlns:mc="http://schemas.openxmlformats.org/markup-compatibility/2006" xmlns:mv="urn:schemas-microsoft-com:mac:vml" xmlns:p="http://schemas.openxmlformats.org/presentationml/2006/main" xmlns:c="http://schemas.openxmlformats.org/drawingml/2006/chart" xmlns:dgm="http://schemas.openxmlformats.org/drawingml/2006/diagram" xmlns:o="urn:schemas-microsoft-com:office:office" xmlns:v="urn:schemas-microsoft-com:vml" xmlns:pvml="urn:schemas-microsoft-com:office:powerpoint" xmlns:com="http://schemas.openxmlformats.org/drawingml/2006/compatibility" xmlns:p14="http://schemas.microsoft.com/office/powerpoint/2010/main" xmlns:p15="http://schemas.microsoft.com/office/powerpoint/2012/main" xmlns:ahyp="http://schemas.microsoft.com/office/drawing/2018/hyperlinkcolor" autoCompressPictures="0" embedTrueTypeFonts="1" strictFirstAndLastChars="0" saveSubsetFonts="1">
   <p:sldMasterIdLst>
     <p:sldMasterId id="2147483648" r:id="rId4"/>
   </p:sldMasterIdLst>
@@ -21,9 +21,21 @@
     <p:sldId id="266" r:id="rId16"/>
     <p:sldId id="267" r:id="rId17"/>
     <p:sldId id="268" r:id="rId18"/>
+    <p:sldId id="269" r:id="rId19"/>
+    <p:sldId id="270" r:id="rId20"/>
+    <p:sldId id="271" r:id="rId21"/>
   </p:sldIdLst>
   <p:sldSz cy="5143500" cx="9144000"/>
   <p:notesSz cx="6858000" cy="9144000"/>
+  <p:embeddedFontLst>
+    <p:embeddedFont>
+      <p:font typeface="Roboto Mono"/>
+      <p:regular r:id="rId22"/>
+      <p:bold r:id="rId23"/>
+      <p:italic r:id="rId24"/>
+      <p:boldItalic r:id="rId25"/>
+    </p:embeddedFont>
+  </p:embeddedFontLst>
   <p:defaultTextStyle>
     <a:defPPr lvl="0" marR="0" rtl="0" algn="l">
       <a:lnSpc>
@@ -269,7 +281,7 @@
       </p15:sldGuideLst>
     </p:ext>
     <p:ext uri="GoogleSlidesCustomDataVersion2">
-      <go:slidesCustomData xmlns:go="http://customooxmlschemas.google.com/" r:id="rId19" roundtripDataSignature="AMtx7mibaJDAS9DOwbi0dFJ5HRjaHk8oog=="/>
+      <go:slidesCustomData xmlns:go="http://customooxmlschemas.google.com/" r:id="rId26" roundtripDataSignature="AMtx7mjw62twBuAzyP4OtW1L9IvINhTXBw=="/>
     </p:ext>
   </p:extLst>
 </p:presentation>
@@ -972,7 +984,7 @@
       </p:grpSpPr>
       <p:sp>
         <p:nvSpPr>
-          <p:cNvPr id="113" name="Google Shape;113;g2622dd681ea_1_5:notes"/>
+          <p:cNvPr id="113" name="Google Shape;113;g2622dd681ea_0_17:notes"/>
           <p:cNvSpPr/>
           <p:nvPr>
             <p:ph idx="2" type="sldImg"/>
@@ -1017,7 +1029,7 @@
       </p:sp>
       <p:sp>
         <p:nvSpPr>
-          <p:cNvPr id="114" name="Google Shape;114;g2622dd681ea_1_5:notes"/>
+          <p:cNvPr id="114" name="Google Shape;114;g2622dd681ea_0_17:notes"/>
           <p:cNvSpPr txBox="1"/>
           <p:nvPr>
             <p:ph idx="1" type="body"/>
@@ -1075,7 +1087,7 @@
   <p:cSld>
     <p:spTree>
       <p:nvGrpSpPr>
-        <p:cNvPr id="119" name="Shape 119"/>
+        <p:cNvPr id="118" name="Shape 118"/>
         <p:cNvGrpSpPr/>
         <p:nvPr/>
       </p:nvGrpSpPr>
@@ -1089,7 +1101,7 @@
       </p:grpSpPr>
       <p:sp>
         <p:nvSpPr>
-          <p:cNvPr id="120" name="Google Shape;120;g2622dd681ea_1_10:notes"/>
+          <p:cNvPr id="119" name="Google Shape;119;g29eacb4cd58_6_280:notes"/>
           <p:cNvSpPr/>
           <p:nvPr>
             <p:ph idx="2" type="sldImg"/>
@@ -1134,7 +1146,7 @@
       </p:sp>
       <p:sp>
         <p:nvSpPr>
-          <p:cNvPr id="121" name="Google Shape;121;g2622dd681ea_1_10:notes"/>
+          <p:cNvPr id="120" name="Google Shape;120;g29eacb4cd58_6_280:notes"/>
           <p:cNvSpPr txBox="1"/>
           <p:nvPr>
             <p:ph idx="1" type="body"/>
@@ -1192,7 +1204,7 @@
   <p:cSld>
     <p:spTree>
       <p:nvGrpSpPr>
-        <p:cNvPr id="125" name="Shape 125"/>
+        <p:cNvPr id="124" name="Shape 124"/>
         <p:cNvGrpSpPr/>
         <p:nvPr/>
       </p:nvGrpSpPr>
@@ -1206,7 +1218,7 @@
       </p:grpSpPr>
       <p:sp>
         <p:nvSpPr>
-          <p:cNvPr id="126" name="Google Shape;126;p24:notes"/>
+          <p:cNvPr id="125" name="Google Shape;125;g2717beefc1e_3_0:notes"/>
           <p:cNvSpPr/>
           <p:nvPr>
             <p:ph idx="2" type="sldImg"/>
@@ -1251,7 +1263,7 @@
       </p:sp>
       <p:sp>
         <p:nvSpPr>
-          <p:cNvPr id="127" name="Google Shape;127;p24:notes"/>
+          <p:cNvPr id="126" name="Google Shape;126;g2717beefc1e_3_0:notes"/>
           <p:cNvSpPr txBox="1"/>
           <p:nvPr>
             <p:ph idx="1" type="body"/>
@@ -1323,7 +1335,7 @@
       </p:grpSpPr>
       <p:sp>
         <p:nvSpPr>
-          <p:cNvPr id="132" name="Google Shape;132;g2622dd681ea_1_23:notes"/>
+          <p:cNvPr id="132" name="Google Shape;132;g2622dd681ea_1_5:notes"/>
           <p:cNvSpPr/>
           <p:nvPr>
             <p:ph idx="2" type="sldImg"/>
@@ -1368,7 +1380,358 @@
       </p:sp>
       <p:sp>
         <p:nvSpPr>
-          <p:cNvPr id="133" name="Google Shape;133;g2622dd681ea_1_23:notes"/>
+          <p:cNvPr id="133" name="Google Shape;133;g2622dd681ea_1_5:notes"/>
+          <p:cNvSpPr txBox="1"/>
+          <p:nvPr>
+            <p:ph idx="1" type="body"/>
+          </p:nvPr>
+        </p:nvSpPr>
+        <p:spPr>
+          <a:xfrm>
+            <a:off x="685800" y="4343400"/>
+            <a:ext cx="5486400" cy="4114800"/>
+          </a:xfrm>
+          <a:prstGeom prst="rect">
+            <a:avLst/>
+          </a:prstGeom>
+          <a:noFill/>
+          <a:ln>
+            <a:noFill/>
+          </a:ln>
+        </p:spPr>
+        <p:txBody>
+          <a:bodyPr anchorCtr="0" anchor="t" bIns="91425" lIns="91425" spcFirstLastPara="1" rIns="91425" wrap="square" tIns="91425">
+            <a:noAutofit/>
+          </a:bodyPr>
+          <a:lstStyle/>
+          <a:p>
+            <a:pPr indent="0" lvl="0" marL="0" rtl="0" algn="l">
+              <a:lnSpc>
+                <a:spcPct val="100000"/>
+              </a:lnSpc>
+              <a:spcBef>
+                <a:spcPts val="0"/>
+              </a:spcBef>
+              <a:spcAft>
+                <a:spcPts val="0"/>
+              </a:spcAft>
+              <a:buSzPts val="1100"/>
+              <a:buNone/>
+            </a:pPr>
+            <a:r>
+              <a:t/>
+            </a:r>
+            <a:endParaRPr/>
+          </a:p>
+        </p:txBody>
+      </p:sp>
+    </p:spTree>
+  </p:cSld>
+  <p:clrMapOvr>
+    <a:masterClrMapping/>
+  </p:clrMapOvr>
+</p:notes>
+</file>
+
+<file path=ppt/notesSlides/notesSlide14.xml><?xml version="1.0" encoding="utf-8"?>
+<p:notes xmlns:a="http://schemas.openxmlformats.org/drawingml/2006/main" xmlns:r="http://schemas.openxmlformats.org/officeDocument/2006/relationships" xmlns:mc="http://schemas.openxmlformats.org/markup-compatibility/2006" xmlns:mv="urn:schemas-microsoft-com:mac:vml" xmlns:p="http://schemas.openxmlformats.org/presentationml/2006/main" xmlns:c="http://schemas.openxmlformats.org/drawingml/2006/chart" xmlns:dgm="http://schemas.openxmlformats.org/drawingml/2006/diagram" xmlns:o="urn:schemas-microsoft-com:office:office" xmlns:v="urn:schemas-microsoft-com:vml" xmlns:pvml="urn:schemas-microsoft-com:office:powerpoint" xmlns:com="http://schemas.openxmlformats.org/drawingml/2006/compatibility" xmlns:p14="http://schemas.microsoft.com/office/powerpoint/2010/main" xmlns:p15="http://schemas.microsoft.com/office/powerpoint/2012/main" xmlns:ahyp="http://schemas.microsoft.com/office/drawing/2018/hyperlinkcolor" showMasterPhAnim="0" showMasterSp="0">
+  <p:cSld>
+    <p:spTree>
+      <p:nvGrpSpPr>
+        <p:cNvPr id="138" name="Shape 138"/>
+        <p:cNvGrpSpPr/>
+        <p:nvPr/>
+      </p:nvGrpSpPr>
+      <p:grpSpPr>
+        <a:xfrm>
+          <a:off x="0" y="0"/>
+          <a:ext cx="0" cy="0"/>
+          <a:chOff x="0" y="0"/>
+          <a:chExt cx="0" cy="0"/>
+        </a:xfrm>
+      </p:grpSpPr>
+      <p:sp>
+        <p:nvSpPr>
+          <p:cNvPr id="139" name="Google Shape;139;g2622dd681ea_1_10:notes"/>
+          <p:cNvSpPr/>
+          <p:nvPr>
+            <p:ph idx="2" type="sldImg"/>
+          </p:nvPr>
+        </p:nvSpPr>
+        <p:spPr>
+          <a:xfrm>
+            <a:off x="381300" y="685800"/>
+            <a:ext cx="6096000" cy="3429000"/>
+          </a:xfrm>
+          <a:custGeom>
+            <a:rect b="b" l="l" r="r" t="t"/>
+            <a:pathLst>
+              <a:path extrusionOk="0" h="120000" w="120000">
+                <a:moveTo>
+                  <a:pt x="0" y="0"/>
+                </a:moveTo>
+                <a:lnTo>
+                  <a:pt x="120000" y="0"/>
+                </a:lnTo>
+                <a:lnTo>
+                  <a:pt x="120000" y="120000"/>
+                </a:lnTo>
+                <a:lnTo>
+                  <a:pt x="0" y="120000"/>
+                </a:lnTo>
+                <a:close/>
+              </a:path>
+            </a:pathLst>
+          </a:custGeom>
+          <a:noFill/>
+          <a:ln cap="flat" cmpd="sng" w="9525">
+            <a:solidFill>
+              <a:srgbClr val="000000"/>
+            </a:solidFill>
+            <a:prstDash val="solid"/>
+            <a:round/>
+            <a:headEnd len="sm" w="sm" type="none"/>
+            <a:tailEnd len="sm" w="sm" type="none"/>
+          </a:ln>
+        </p:spPr>
+      </p:sp>
+      <p:sp>
+        <p:nvSpPr>
+          <p:cNvPr id="140" name="Google Shape;140;g2622dd681ea_1_10:notes"/>
+          <p:cNvSpPr txBox="1"/>
+          <p:nvPr>
+            <p:ph idx="1" type="body"/>
+          </p:nvPr>
+        </p:nvSpPr>
+        <p:spPr>
+          <a:xfrm>
+            <a:off x="685800" y="4343400"/>
+            <a:ext cx="5486400" cy="4114800"/>
+          </a:xfrm>
+          <a:prstGeom prst="rect">
+            <a:avLst/>
+          </a:prstGeom>
+          <a:noFill/>
+          <a:ln>
+            <a:noFill/>
+          </a:ln>
+        </p:spPr>
+        <p:txBody>
+          <a:bodyPr anchorCtr="0" anchor="t" bIns="91425" lIns="91425" spcFirstLastPara="1" rIns="91425" wrap="square" tIns="91425">
+            <a:noAutofit/>
+          </a:bodyPr>
+          <a:lstStyle/>
+          <a:p>
+            <a:pPr indent="0" lvl="0" marL="0" rtl="0" algn="l">
+              <a:lnSpc>
+                <a:spcPct val="100000"/>
+              </a:lnSpc>
+              <a:spcBef>
+                <a:spcPts val="0"/>
+              </a:spcBef>
+              <a:spcAft>
+                <a:spcPts val="0"/>
+              </a:spcAft>
+              <a:buSzPts val="1100"/>
+              <a:buNone/>
+            </a:pPr>
+            <a:r>
+              <a:t/>
+            </a:r>
+            <a:endParaRPr/>
+          </a:p>
+        </p:txBody>
+      </p:sp>
+    </p:spTree>
+  </p:cSld>
+  <p:clrMapOvr>
+    <a:masterClrMapping/>
+  </p:clrMapOvr>
+</p:notes>
+</file>
+
+<file path=ppt/notesSlides/notesSlide15.xml><?xml version="1.0" encoding="utf-8"?>
+<p:notes xmlns:a="http://schemas.openxmlformats.org/drawingml/2006/main" xmlns:r="http://schemas.openxmlformats.org/officeDocument/2006/relationships" xmlns:mc="http://schemas.openxmlformats.org/markup-compatibility/2006" xmlns:mv="urn:schemas-microsoft-com:mac:vml" xmlns:p="http://schemas.openxmlformats.org/presentationml/2006/main" xmlns:c="http://schemas.openxmlformats.org/drawingml/2006/chart" xmlns:dgm="http://schemas.openxmlformats.org/drawingml/2006/diagram" xmlns:o="urn:schemas-microsoft-com:office:office" xmlns:v="urn:schemas-microsoft-com:vml" xmlns:pvml="urn:schemas-microsoft-com:office:powerpoint" xmlns:com="http://schemas.openxmlformats.org/drawingml/2006/compatibility" xmlns:p14="http://schemas.microsoft.com/office/powerpoint/2010/main" xmlns:p15="http://schemas.microsoft.com/office/powerpoint/2012/main" xmlns:ahyp="http://schemas.microsoft.com/office/drawing/2018/hyperlinkcolor" showMasterPhAnim="0" showMasterSp="0">
+  <p:cSld>
+    <p:spTree>
+      <p:nvGrpSpPr>
+        <p:cNvPr id="144" name="Shape 144"/>
+        <p:cNvGrpSpPr/>
+        <p:nvPr/>
+      </p:nvGrpSpPr>
+      <p:grpSpPr>
+        <a:xfrm>
+          <a:off x="0" y="0"/>
+          <a:ext cx="0" cy="0"/>
+          <a:chOff x="0" y="0"/>
+          <a:chExt cx="0" cy="0"/>
+        </a:xfrm>
+      </p:grpSpPr>
+      <p:sp>
+        <p:nvSpPr>
+          <p:cNvPr id="145" name="Google Shape;145;g2db91db4529_1_1:notes"/>
+          <p:cNvSpPr/>
+          <p:nvPr>
+            <p:ph idx="2" type="sldImg"/>
+          </p:nvPr>
+        </p:nvSpPr>
+        <p:spPr>
+          <a:xfrm>
+            <a:off x="381300" y="685800"/>
+            <a:ext cx="6096000" cy="3429000"/>
+          </a:xfrm>
+          <a:custGeom>
+            <a:rect b="b" l="l" r="r" t="t"/>
+            <a:pathLst>
+              <a:path extrusionOk="0" h="120000" w="120000">
+                <a:moveTo>
+                  <a:pt x="0" y="0"/>
+                </a:moveTo>
+                <a:lnTo>
+                  <a:pt x="120000" y="0"/>
+                </a:lnTo>
+                <a:lnTo>
+                  <a:pt x="120000" y="120000"/>
+                </a:lnTo>
+                <a:lnTo>
+                  <a:pt x="0" y="120000"/>
+                </a:lnTo>
+                <a:close/>
+              </a:path>
+            </a:pathLst>
+          </a:custGeom>
+          <a:noFill/>
+          <a:ln cap="flat" cmpd="sng" w="9525">
+            <a:solidFill>
+              <a:srgbClr val="000000"/>
+            </a:solidFill>
+            <a:prstDash val="solid"/>
+            <a:round/>
+            <a:headEnd len="sm" w="sm" type="none"/>
+            <a:tailEnd len="sm" w="sm" type="none"/>
+          </a:ln>
+        </p:spPr>
+      </p:sp>
+      <p:sp>
+        <p:nvSpPr>
+          <p:cNvPr id="146" name="Google Shape;146;g2db91db4529_1_1:notes"/>
+          <p:cNvSpPr txBox="1"/>
+          <p:nvPr>
+            <p:ph idx="1" type="body"/>
+          </p:nvPr>
+        </p:nvSpPr>
+        <p:spPr>
+          <a:xfrm>
+            <a:off x="685800" y="4343400"/>
+            <a:ext cx="5486400" cy="4114800"/>
+          </a:xfrm>
+          <a:prstGeom prst="rect">
+            <a:avLst/>
+          </a:prstGeom>
+          <a:noFill/>
+          <a:ln>
+            <a:noFill/>
+          </a:ln>
+        </p:spPr>
+        <p:txBody>
+          <a:bodyPr anchorCtr="0" anchor="t" bIns="91425" lIns="91425" spcFirstLastPara="1" rIns="91425" wrap="square" tIns="91425">
+            <a:noAutofit/>
+          </a:bodyPr>
+          <a:lstStyle/>
+          <a:p>
+            <a:pPr indent="0" lvl="0" marL="0" rtl="0" algn="l">
+              <a:lnSpc>
+                <a:spcPct val="100000"/>
+              </a:lnSpc>
+              <a:spcBef>
+                <a:spcPts val="0"/>
+              </a:spcBef>
+              <a:spcAft>
+                <a:spcPts val="0"/>
+              </a:spcAft>
+              <a:buSzPts val="1100"/>
+              <a:buNone/>
+            </a:pPr>
+            <a:r>
+              <a:t/>
+            </a:r>
+            <a:endParaRPr/>
+          </a:p>
+        </p:txBody>
+      </p:sp>
+    </p:spTree>
+  </p:cSld>
+  <p:clrMapOvr>
+    <a:masterClrMapping/>
+  </p:clrMapOvr>
+</p:notes>
+</file>
+
+<file path=ppt/notesSlides/notesSlide16.xml><?xml version="1.0" encoding="utf-8"?>
+<p:notes xmlns:a="http://schemas.openxmlformats.org/drawingml/2006/main" xmlns:r="http://schemas.openxmlformats.org/officeDocument/2006/relationships" xmlns:mc="http://schemas.openxmlformats.org/markup-compatibility/2006" xmlns:mv="urn:schemas-microsoft-com:mac:vml" xmlns:p="http://schemas.openxmlformats.org/presentationml/2006/main" xmlns:c="http://schemas.openxmlformats.org/drawingml/2006/chart" xmlns:dgm="http://schemas.openxmlformats.org/drawingml/2006/diagram" xmlns:o="urn:schemas-microsoft-com:office:office" xmlns:v="urn:schemas-microsoft-com:vml" xmlns:pvml="urn:schemas-microsoft-com:office:powerpoint" xmlns:com="http://schemas.openxmlformats.org/drawingml/2006/compatibility" xmlns:p14="http://schemas.microsoft.com/office/powerpoint/2010/main" xmlns:p15="http://schemas.microsoft.com/office/powerpoint/2012/main" xmlns:ahyp="http://schemas.microsoft.com/office/drawing/2018/hyperlinkcolor" showMasterPhAnim="0" showMasterSp="0">
+  <p:cSld>
+    <p:spTree>
+      <p:nvGrpSpPr>
+        <p:cNvPr id="150" name="Shape 150"/>
+        <p:cNvGrpSpPr/>
+        <p:nvPr/>
+      </p:nvGrpSpPr>
+      <p:grpSpPr>
+        <a:xfrm>
+          <a:off x="0" y="0"/>
+          <a:ext cx="0" cy="0"/>
+          <a:chOff x="0" y="0"/>
+          <a:chExt cx="0" cy="0"/>
+        </a:xfrm>
+      </p:grpSpPr>
+      <p:sp>
+        <p:nvSpPr>
+          <p:cNvPr id="151" name="Google Shape;151;g2622dd681ea_1_23:notes"/>
+          <p:cNvSpPr/>
+          <p:nvPr>
+            <p:ph idx="2" type="sldImg"/>
+          </p:nvPr>
+        </p:nvSpPr>
+        <p:spPr>
+          <a:xfrm>
+            <a:off x="381300" y="685800"/>
+            <a:ext cx="6096000" cy="3429000"/>
+          </a:xfrm>
+          <a:custGeom>
+            <a:rect b="b" l="l" r="r" t="t"/>
+            <a:pathLst>
+              <a:path extrusionOk="0" h="120000" w="120000">
+                <a:moveTo>
+                  <a:pt x="0" y="0"/>
+                </a:moveTo>
+                <a:lnTo>
+                  <a:pt x="120000" y="0"/>
+                </a:lnTo>
+                <a:lnTo>
+                  <a:pt x="120000" y="120000"/>
+                </a:lnTo>
+                <a:lnTo>
+                  <a:pt x="0" y="120000"/>
+                </a:lnTo>
+                <a:close/>
+              </a:path>
+            </a:pathLst>
+          </a:custGeom>
+          <a:noFill/>
+          <a:ln cap="flat" cmpd="sng" w="9525">
+            <a:solidFill>
+              <a:srgbClr val="000000"/>
+            </a:solidFill>
+            <a:prstDash val="solid"/>
+            <a:round/>
+            <a:headEnd len="sm" w="sm" type="none"/>
+            <a:tailEnd len="sm" w="sm" type="none"/>
+          </a:ln>
+        </p:spPr>
+      </p:sp>
+      <p:sp>
+        <p:nvSpPr>
+          <p:cNvPr id="152" name="Google Shape;152;g2622dd681ea_1_23:notes"/>
           <p:cNvSpPr txBox="1"/>
           <p:nvPr>
             <p:ph idx="1" type="body"/>
@@ -1908,7 +2271,7 @@
       </p:grpSpPr>
       <p:sp>
         <p:nvSpPr>
-          <p:cNvPr id="89" name="Google Shape;89;p22:notes"/>
+          <p:cNvPr id="89" name="Google Shape;89;g271838b21c4_0_0:notes"/>
           <p:cNvSpPr/>
           <p:nvPr>
             <p:ph idx="2" type="sldImg"/>
@@ -1953,7 +2316,7 @@
       </p:sp>
       <p:sp>
         <p:nvSpPr>
-          <p:cNvPr id="90" name="Google Shape;90;p22:notes"/>
+          <p:cNvPr id="90" name="Google Shape;90;g271838b21c4_0_0:notes"/>
           <p:cNvSpPr txBox="1"/>
           <p:nvPr>
             <p:ph idx="1" type="body"/>
@@ -2025,7 +2388,7 @@
       </p:grpSpPr>
       <p:sp>
         <p:nvSpPr>
-          <p:cNvPr id="95" name="Google Shape;95;p3:notes"/>
+          <p:cNvPr id="95" name="Google Shape;95;p22:notes"/>
           <p:cNvSpPr/>
           <p:nvPr>
             <p:ph idx="2" type="sldImg"/>
@@ -2070,7 +2433,7 @@
       </p:sp>
       <p:sp>
         <p:nvSpPr>
-          <p:cNvPr id="96" name="Google Shape;96;p3:notes"/>
+          <p:cNvPr id="96" name="Google Shape;96;p22:notes"/>
           <p:cNvSpPr txBox="1"/>
           <p:nvPr>
             <p:ph idx="1" type="body"/>
@@ -2142,7 +2505,7 @@
       </p:grpSpPr>
       <p:sp>
         <p:nvSpPr>
-          <p:cNvPr id="101" name="Google Shape;101;g2622dd681ea_0_17:notes"/>
+          <p:cNvPr id="101" name="Google Shape;101;p3:notes"/>
           <p:cNvSpPr/>
           <p:nvPr>
             <p:ph idx="2" type="sldImg"/>
@@ -2187,7 +2550,7 @@
       </p:sp>
       <p:sp>
         <p:nvSpPr>
-          <p:cNvPr id="102" name="Google Shape;102;g2622dd681ea_0_17:notes"/>
+          <p:cNvPr id="102" name="Google Shape;102;p3:notes"/>
           <p:cNvSpPr txBox="1"/>
           <p:nvPr>
             <p:ph idx="1" type="body"/>
@@ -2259,7 +2622,7 @@
       </p:grpSpPr>
       <p:sp>
         <p:nvSpPr>
-          <p:cNvPr id="107" name="Google Shape;107;g29eacb4cd58_6_280:notes"/>
+          <p:cNvPr id="107" name="Google Shape;107;g2717beefc1e_1_1:notes"/>
           <p:cNvSpPr/>
           <p:nvPr>
             <p:ph idx="2" type="sldImg"/>
@@ -2304,7 +2667,7 @@
       </p:sp>
       <p:sp>
         <p:nvSpPr>
-          <p:cNvPr id="108" name="Google Shape;108;g29eacb4cd58_6_280:notes"/>
+          <p:cNvPr id="108" name="Google Shape;108;g2717beefc1e_1_1:notes"/>
           <p:cNvSpPr txBox="1"/>
           <p:nvPr>
             <p:ph idx="1" type="body"/>
@@ -2407,7 +2770,7 @@
             <a:normAutofit/>
           </a:bodyPr>
           <a:lstStyle>
-            <a:lvl1pPr lvl="0" rtl="0" algn="ctr">
+            <a:lvl1pPr lvl="0" algn="ctr">
               <a:lnSpc>
                 <a:spcPct val="100000"/>
               </a:lnSpc>
@@ -2421,7 +2784,7 @@
               <a:buNone/>
               <a:defRPr sz="5200"/>
             </a:lvl1pPr>
-            <a:lvl2pPr lvl="1" rtl="0" algn="ctr">
+            <a:lvl2pPr lvl="1" algn="ctr">
               <a:lnSpc>
                 <a:spcPct val="100000"/>
               </a:lnSpc>
@@ -2435,7 +2798,7 @@
               <a:buNone/>
               <a:defRPr sz="5200"/>
             </a:lvl2pPr>
-            <a:lvl3pPr lvl="2" rtl="0" algn="ctr">
+            <a:lvl3pPr lvl="2" algn="ctr">
               <a:lnSpc>
                 <a:spcPct val="100000"/>
               </a:lnSpc>
@@ -2449,7 +2812,7 @@
               <a:buNone/>
               <a:defRPr sz="5200"/>
             </a:lvl3pPr>
-            <a:lvl4pPr lvl="3" rtl="0" algn="ctr">
+            <a:lvl4pPr lvl="3" algn="ctr">
               <a:lnSpc>
                 <a:spcPct val="100000"/>
               </a:lnSpc>
@@ -2463,7 +2826,7 @@
               <a:buNone/>
               <a:defRPr sz="5200"/>
             </a:lvl4pPr>
-            <a:lvl5pPr lvl="4" rtl="0" algn="ctr">
+            <a:lvl5pPr lvl="4" algn="ctr">
               <a:lnSpc>
                 <a:spcPct val="100000"/>
               </a:lnSpc>
@@ -2477,7 +2840,7 @@
               <a:buNone/>
               <a:defRPr sz="5200"/>
             </a:lvl5pPr>
-            <a:lvl6pPr lvl="5" rtl="0" algn="ctr">
+            <a:lvl6pPr lvl="5" algn="ctr">
               <a:lnSpc>
                 <a:spcPct val="100000"/>
               </a:lnSpc>
@@ -2491,7 +2854,7 @@
               <a:buNone/>
               <a:defRPr sz="5200"/>
             </a:lvl6pPr>
-            <a:lvl7pPr lvl="6" rtl="0" algn="ctr">
+            <a:lvl7pPr lvl="6" algn="ctr">
               <a:lnSpc>
                 <a:spcPct val="100000"/>
               </a:lnSpc>
@@ -2505,7 +2868,7 @@
               <a:buNone/>
               <a:defRPr sz="5200"/>
             </a:lvl7pPr>
-            <a:lvl8pPr lvl="7" rtl="0" algn="ctr">
+            <a:lvl8pPr lvl="7" algn="ctr">
               <a:lnSpc>
                 <a:spcPct val="100000"/>
               </a:lnSpc>
@@ -2519,7 +2882,7 @@
               <a:buNone/>
               <a:defRPr sz="5200"/>
             </a:lvl8pPr>
-            <a:lvl9pPr lvl="8" rtl="0" algn="ctr">
+            <a:lvl9pPr lvl="8" algn="ctr">
               <a:lnSpc>
                 <a:spcPct val="100000"/>
               </a:lnSpc>
@@ -2563,7 +2926,7 @@
             <a:normAutofit/>
           </a:bodyPr>
           <a:lstStyle>
-            <a:lvl1pPr lvl="0" rtl="0" algn="ctr">
+            <a:lvl1pPr lvl="0" algn="ctr">
               <a:lnSpc>
                 <a:spcPct val="100000"/>
               </a:lnSpc>
@@ -2577,7 +2940,7 @@
               <a:buNone/>
               <a:defRPr sz="2800"/>
             </a:lvl1pPr>
-            <a:lvl2pPr lvl="1" rtl="0" algn="ctr">
+            <a:lvl2pPr lvl="1" algn="ctr">
               <a:lnSpc>
                 <a:spcPct val="100000"/>
               </a:lnSpc>
@@ -2591,7 +2954,7 @@
               <a:buNone/>
               <a:defRPr sz="2800"/>
             </a:lvl2pPr>
-            <a:lvl3pPr lvl="2" rtl="0" algn="ctr">
+            <a:lvl3pPr lvl="2" algn="ctr">
               <a:lnSpc>
                 <a:spcPct val="100000"/>
               </a:lnSpc>
@@ -2605,7 +2968,7 @@
               <a:buNone/>
               <a:defRPr sz="2800"/>
             </a:lvl3pPr>
-            <a:lvl4pPr lvl="3" rtl="0" algn="ctr">
+            <a:lvl4pPr lvl="3" algn="ctr">
               <a:lnSpc>
                 <a:spcPct val="100000"/>
               </a:lnSpc>
@@ -2619,7 +2982,7 @@
               <a:buNone/>
               <a:defRPr sz="2800"/>
             </a:lvl4pPr>
-            <a:lvl5pPr lvl="4" rtl="0" algn="ctr">
+            <a:lvl5pPr lvl="4" algn="ctr">
               <a:lnSpc>
                 <a:spcPct val="100000"/>
               </a:lnSpc>
@@ -2633,7 +2996,7 @@
               <a:buNone/>
               <a:defRPr sz="2800"/>
             </a:lvl5pPr>
-            <a:lvl6pPr lvl="5" rtl="0" algn="ctr">
+            <a:lvl6pPr lvl="5" algn="ctr">
               <a:lnSpc>
                 <a:spcPct val="100000"/>
               </a:lnSpc>
@@ -2647,7 +3010,7 @@
               <a:buNone/>
               <a:defRPr sz="2800"/>
             </a:lvl6pPr>
-            <a:lvl7pPr lvl="6" rtl="0" algn="ctr">
+            <a:lvl7pPr lvl="6" algn="ctr">
               <a:lnSpc>
                 <a:spcPct val="100000"/>
               </a:lnSpc>
@@ -2661,7 +3024,7 @@
               <a:buNone/>
               <a:defRPr sz="2800"/>
             </a:lvl7pPr>
-            <a:lvl8pPr lvl="7" rtl="0" algn="ctr">
+            <a:lvl8pPr lvl="7" algn="ctr">
               <a:lnSpc>
                 <a:spcPct val="100000"/>
               </a:lnSpc>
@@ -2675,7 +3038,7 @@
               <a:buNone/>
               <a:defRPr sz="2800"/>
             </a:lvl8pPr>
-            <a:lvl9pPr lvl="8" rtl="0" algn="ctr">
+            <a:lvl9pPr lvl="8" algn="ctr">
               <a:lnSpc>
                 <a:spcPct val="100000"/>
               </a:lnSpc>
@@ -2719,7 +3082,7 @@
             <a:normAutofit/>
           </a:bodyPr>
           <a:lstStyle>
-            <a:lvl1pPr indent="0" lvl="0" marL="0" marR="0" rtl="0" algn="r">
+            <a:lvl1pPr indent="0" lvl="0" marL="0" marR="0" algn="r">
               <a:lnSpc>
                 <a:spcPct val="100000"/>
               </a:lnSpc>
@@ -2745,7 +3108,7 @@
                 <a:sym typeface="Arial"/>
               </a:defRPr>
             </a:lvl1pPr>
-            <a:lvl2pPr indent="0" lvl="1" marL="0" marR="0" rtl="0" algn="r">
+            <a:lvl2pPr indent="0" lvl="1" marL="0" marR="0" algn="r">
               <a:lnSpc>
                 <a:spcPct val="100000"/>
               </a:lnSpc>
@@ -2771,7 +3134,7 @@
                 <a:sym typeface="Arial"/>
               </a:defRPr>
             </a:lvl2pPr>
-            <a:lvl3pPr indent="0" lvl="2" marL="0" marR="0" rtl="0" algn="r">
+            <a:lvl3pPr indent="0" lvl="2" marL="0" marR="0" algn="r">
               <a:lnSpc>
                 <a:spcPct val="100000"/>
               </a:lnSpc>
@@ -2797,7 +3160,7 @@
                 <a:sym typeface="Arial"/>
               </a:defRPr>
             </a:lvl3pPr>
-            <a:lvl4pPr indent="0" lvl="3" marL="0" marR="0" rtl="0" algn="r">
+            <a:lvl4pPr indent="0" lvl="3" marL="0" marR="0" algn="r">
               <a:lnSpc>
                 <a:spcPct val="100000"/>
               </a:lnSpc>
@@ -2823,7 +3186,7 @@
                 <a:sym typeface="Arial"/>
               </a:defRPr>
             </a:lvl4pPr>
-            <a:lvl5pPr indent="0" lvl="4" marL="0" marR="0" rtl="0" algn="r">
+            <a:lvl5pPr indent="0" lvl="4" marL="0" marR="0" algn="r">
               <a:lnSpc>
                 <a:spcPct val="100000"/>
               </a:lnSpc>
@@ -2849,7 +3212,7 @@
                 <a:sym typeface="Arial"/>
               </a:defRPr>
             </a:lvl5pPr>
-            <a:lvl6pPr indent="0" lvl="5" marL="0" marR="0" rtl="0" algn="r">
+            <a:lvl6pPr indent="0" lvl="5" marL="0" marR="0" algn="r">
               <a:lnSpc>
                 <a:spcPct val="100000"/>
               </a:lnSpc>
@@ -2875,7 +3238,7 @@
                 <a:sym typeface="Arial"/>
               </a:defRPr>
             </a:lvl6pPr>
-            <a:lvl7pPr indent="0" lvl="6" marL="0" marR="0" rtl="0" algn="r">
+            <a:lvl7pPr indent="0" lvl="6" marL="0" marR="0" algn="r">
               <a:lnSpc>
                 <a:spcPct val="100000"/>
               </a:lnSpc>
@@ -2901,7 +3264,7 @@
                 <a:sym typeface="Arial"/>
               </a:defRPr>
             </a:lvl7pPr>
-            <a:lvl8pPr indent="0" lvl="7" marL="0" marR="0" rtl="0" algn="r">
+            <a:lvl8pPr indent="0" lvl="7" marL="0" marR="0" algn="r">
               <a:lnSpc>
                 <a:spcPct val="100000"/>
               </a:lnSpc>
@@ -2927,7 +3290,7 @@
                 <a:sym typeface="Arial"/>
               </a:defRPr>
             </a:lvl8pPr>
-            <a:lvl9pPr indent="0" lvl="8" marL="0" marR="0" rtl="0" algn="r">
+            <a:lvl9pPr indent="0" lvl="8" marL="0" marR="0" algn="r">
               <a:lnSpc>
                 <a:spcPct val="100000"/>
               </a:lnSpc>
@@ -3023,7 +3386,7 @@
             <a:normAutofit/>
           </a:bodyPr>
           <a:lstStyle>
-            <a:lvl1pPr lvl="0" rtl="0" algn="ctr">
+            <a:lvl1pPr lvl="0" algn="ctr">
               <a:lnSpc>
                 <a:spcPct val="100000"/>
               </a:lnSpc>
@@ -3037,7 +3400,7 @@
               <a:buNone/>
               <a:defRPr sz="12000"/>
             </a:lvl1pPr>
-            <a:lvl2pPr lvl="1" rtl="0" algn="ctr">
+            <a:lvl2pPr lvl="1" algn="ctr">
               <a:lnSpc>
                 <a:spcPct val="100000"/>
               </a:lnSpc>
@@ -3051,7 +3414,7 @@
               <a:buNone/>
               <a:defRPr sz="12000"/>
             </a:lvl2pPr>
-            <a:lvl3pPr lvl="2" rtl="0" algn="ctr">
+            <a:lvl3pPr lvl="2" algn="ctr">
               <a:lnSpc>
                 <a:spcPct val="100000"/>
               </a:lnSpc>
@@ -3065,7 +3428,7 @@
               <a:buNone/>
               <a:defRPr sz="12000"/>
             </a:lvl3pPr>
-            <a:lvl4pPr lvl="3" rtl="0" algn="ctr">
+            <a:lvl4pPr lvl="3" algn="ctr">
               <a:lnSpc>
                 <a:spcPct val="100000"/>
               </a:lnSpc>
@@ -3079,7 +3442,7 @@
               <a:buNone/>
               <a:defRPr sz="12000"/>
             </a:lvl4pPr>
-            <a:lvl5pPr lvl="4" rtl="0" algn="ctr">
+            <a:lvl5pPr lvl="4" algn="ctr">
               <a:lnSpc>
                 <a:spcPct val="100000"/>
               </a:lnSpc>
@@ -3093,7 +3456,7 @@
               <a:buNone/>
               <a:defRPr sz="12000"/>
             </a:lvl5pPr>
-            <a:lvl6pPr lvl="5" rtl="0" algn="ctr">
+            <a:lvl6pPr lvl="5" algn="ctr">
               <a:lnSpc>
                 <a:spcPct val="100000"/>
               </a:lnSpc>
@@ -3107,7 +3470,7 @@
               <a:buNone/>
               <a:defRPr sz="12000"/>
             </a:lvl6pPr>
-            <a:lvl7pPr lvl="6" rtl="0" algn="ctr">
+            <a:lvl7pPr lvl="6" algn="ctr">
               <a:lnSpc>
                 <a:spcPct val="100000"/>
               </a:lnSpc>
@@ -3121,7 +3484,7 @@
               <a:buNone/>
               <a:defRPr sz="12000"/>
             </a:lvl7pPr>
-            <a:lvl8pPr lvl="7" rtl="0" algn="ctr">
+            <a:lvl8pPr lvl="7" algn="ctr">
               <a:lnSpc>
                 <a:spcPct val="100000"/>
               </a:lnSpc>
@@ -3135,7 +3498,7 @@
               <a:buNone/>
               <a:defRPr sz="12000"/>
             </a:lvl8pPr>
-            <a:lvl9pPr lvl="8" rtl="0" algn="ctr">
+            <a:lvl9pPr lvl="8" algn="ctr">
               <a:lnSpc>
                 <a:spcPct val="100000"/>
               </a:lnSpc>
@@ -3183,7 +3546,7 @@
             <a:normAutofit/>
           </a:bodyPr>
           <a:lstStyle>
-            <a:lvl1pPr indent="-342900" lvl="0" marL="457200" rtl="0" algn="ctr">
+            <a:lvl1pPr indent="-342900" lvl="0" marL="457200" algn="ctr">
               <a:lnSpc>
                 <a:spcPct val="115000"/>
               </a:lnSpc>
@@ -3197,7 +3560,7 @@
               <a:buChar char="●"/>
               <a:defRPr/>
             </a:lvl1pPr>
-            <a:lvl2pPr indent="-317500" lvl="1" marL="914400" rtl="0" algn="ctr">
+            <a:lvl2pPr indent="-317500" lvl="1" marL="914400" algn="ctr">
               <a:lnSpc>
                 <a:spcPct val="115000"/>
               </a:lnSpc>
@@ -3211,7 +3574,7 @@
               <a:buChar char="○"/>
               <a:defRPr/>
             </a:lvl2pPr>
-            <a:lvl3pPr indent="-317500" lvl="2" marL="1371600" rtl="0" algn="ctr">
+            <a:lvl3pPr indent="-317500" lvl="2" marL="1371600" algn="ctr">
               <a:lnSpc>
                 <a:spcPct val="115000"/>
               </a:lnSpc>
@@ -3225,7 +3588,7 @@
               <a:buChar char="■"/>
               <a:defRPr/>
             </a:lvl3pPr>
-            <a:lvl4pPr indent="-317500" lvl="3" marL="1828800" rtl="0" algn="ctr">
+            <a:lvl4pPr indent="-317500" lvl="3" marL="1828800" algn="ctr">
               <a:lnSpc>
                 <a:spcPct val="115000"/>
               </a:lnSpc>
@@ -3239,7 +3602,7 @@
               <a:buChar char="●"/>
               <a:defRPr/>
             </a:lvl4pPr>
-            <a:lvl5pPr indent="-317500" lvl="4" marL="2286000" rtl="0" algn="ctr">
+            <a:lvl5pPr indent="-317500" lvl="4" marL="2286000" algn="ctr">
               <a:lnSpc>
                 <a:spcPct val="115000"/>
               </a:lnSpc>
@@ -3253,7 +3616,7 @@
               <a:buChar char="○"/>
               <a:defRPr/>
             </a:lvl5pPr>
-            <a:lvl6pPr indent="-317500" lvl="5" marL="2743200" rtl="0" algn="ctr">
+            <a:lvl6pPr indent="-317500" lvl="5" marL="2743200" algn="ctr">
               <a:lnSpc>
                 <a:spcPct val="115000"/>
               </a:lnSpc>
@@ -3267,7 +3630,7 @@
               <a:buChar char="■"/>
               <a:defRPr/>
             </a:lvl6pPr>
-            <a:lvl7pPr indent="-317500" lvl="6" marL="3200400" rtl="0" algn="ctr">
+            <a:lvl7pPr indent="-317500" lvl="6" marL="3200400" algn="ctr">
               <a:lnSpc>
                 <a:spcPct val="115000"/>
               </a:lnSpc>
@@ -3281,7 +3644,7 @@
               <a:buChar char="●"/>
               <a:defRPr/>
             </a:lvl7pPr>
-            <a:lvl8pPr indent="-317500" lvl="7" marL="3657600" rtl="0" algn="ctr">
+            <a:lvl8pPr indent="-317500" lvl="7" marL="3657600" algn="ctr">
               <a:lnSpc>
                 <a:spcPct val="115000"/>
               </a:lnSpc>
@@ -3295,7 +3658,7 @@
               <a:buChar char="○"/>
               <a:defRPr/>
             </a:lvl8pPr>
-            <a:lvl9pPr indent="-317500" lvl="8" marL="4114800" rtl="0" algn="ctr">
+            <a:lvl9pPr indent="-317500" lvl="8" marL="4114800" algn="ctr">
               <a:lnSpc>
                 <a:spcPct val="115000"/>
               </a:lnSpc>
@@ -3339,7 +3702,7 @@
             <a:normAutofit/>
           </a:bodyPr>
           <a:lstStyle>
-            <a:lvl1pPr indent="0" lvl="0" marL="0" marR="0" rtl="0" algn="r">
+            <a:lvl1pPr indent="0" lvl="0" marL="0" marR="0" algn="r">
               <a:lnSpc>
                 <a:spcPct val="100000"/>
               </a:lnSpc>
@@ -3365,7 +3728,7 @@
                 <a:sym typeface="Arial"/>
               </a:defRPr>
             </a:lvl1pPr>
-            <a:lvl2pPr indent="0" lvl="1" marL="0" marR="0" rtl="0" algn="r">
+            <a:lvl2pPr indent="0" lvl="1" marL="0" marR="0" algn="r">
               <a:lnSpc>
                 <a:spcPct val="100000"/>
               </a:lnSpc>
@@ -3391,7 +3754,7 @@
                 <a:sym typeface="Arial"/>
               </a:defRPr>
             </a:lvl2pPr>
-            <a:lvl3pPr indent="0" lvl="2" marL="0" marR="0" rtl="0" algn="r">
+            <a:lvl3pPr indent="0" lvl="2" marL="0" marR="0" algn="r">
               <a:lnSpc>
                 <a:spcPct val="100000"/>
               </a:lnSpc>
@@ -3417,7 +3780,7 @@
                 <a:sym typeface="Arial"/>
               </a:defRPr>
             </a:lvl3pPr>
-            <a:lvl4pPr indent="0" lvl="3" marL="0" marR="0" rtl="0" algn="r">
+            <a:lvl4pPr indent="0" lvl="3" marL="0" marR="0" algn="r">
               <a:lnSpc>
                 <a:spcPct val="100000"/>
               </a:lnSpc>
@@ -3443,7 +3806,7 @@
                 <a:sym typeface="Arial"/>
               </a:defRPr>
             </a:lvl4pPr>
-            <a:lvl5pPr indent="0" lvl="4" marL="0" marR="0" rtl="0" algn="r">
+            <a:lvl5pPr indent="0" lvl="4" marL="0" marR="0" algn="r">
               <a:lnSpc>
                 <a:spcPct val="100000"/>
               </a:lnSpc>
@@ -3469,7 +3832,7 @@
                 <a:sym typeface="Arial"/>
               </a:defRPr>
             </a:lvl5pPr>
-            <a:lvl6pPr indent="0" lvl="5" marL="0" marR="0" rtl="0" algn="r">
+            <a:lvl6pPr indent="0" lvl="5" marL="0" marR="0" algn="r">
               <a:lnSpc>
                 <a:spcPct val="100000"/>
               </a:lnSpc>
@@ -3495,7 +3858,7 @@
                 <a:sym typeface="Arial"/>
               </a:defRPr>
             </a:lvl6pPr>
-            <a:lvl7pPr indent="0" lvl="6" marL="0" marR="0" rtl="0" algn="r">
+            <a:lvl7pPr indent="0" lvl="6" marL="0" marR="0" algn="r">
               <a:lnSpc>
                 <a:spcPct val="100000"/>
               </a:lnSpc>
@@ -3521,7 +3884,7 @@
                 <a:sym typeface="Arial"/>
               </a:defRPr>
             </a:lvl7pPr>
-            <a:lvl8pPr indent="0" lvl="7" marL="0" marR="0" rtl="0" algn="r">
+            <a:lvl8pPr indent="0" lvl="7" marL="0" marR="0" algn="r">
               <a:lnSpc>
                 <a:spcPct val="100000"/>
               </a:lnSpc>
@@ -3547,7 +3910,7 @@
                 <a:sym typeface="Arial"/>
               </a:defRPr>
             </a:lvl8pPr>
-            <a:lvl9pPr indent="0" lvl="8" marL="0" marR="0" rtl="0" algn="r">
+            <a:lvl9pPr indent="0" lvl="8" marL="0" marR="0" algn="r">
               <a:lnSpc>
                 <a:spcPct val="100000"/>
               </a:lnSpc>
@@ -3643,7 +4006,7 @@
             <a:normAutofit/>
           </a:bodyPr>
           <a:lstStyle>
-            <a:lvl1pPr indent="0" lvl="0" marL="0" marR="0" rtl="0" algn="r">
+            <a:lvl1pPr indent="0" lvl="0" marL="0" marR="0" algn="r">
               <a:lnSpc>
                 <a:spcPct val="100000"/>
               </a:lnSpc>
@@ -3669,7 +4032,7 @@
                 <a:sym typeface="Arial"/>
               </a:defRPr>
             </a:lvl1pPr>
-            <a:lvl2pPr indent="0" lvl="1" marL="0" marR="0" rtl="0" algn="r">
+            <a:lvl2pPr indent="0" lvl="1" marL="0" marR="0" algn="r">
               <a:lnSpc>
                 <a:spcPct val="100000"/>
               </a:lnSpc>
@@ -3695,7 +4058,7 @@
                 <a:sym typeface="Arial"/>
               </a:defRPr>
             </a:lvl2pPr>
-            <a:lvl3pPr indent="0" lvl="2" marL="0" marR="0" rtl="0" algn="r">
+            <a:lvl3pPr indent="0" lvl="2" marL="0" marR="0" algn="r">
               <a:lnSpc>
                 <a:spcPct val="100000"/>
               </a:lnSpc>
@@ -3721,7 +4084,7 @@
                 <a:sym typeface="Arial"/>
               </a:defRPr>
             </a:lvl3pPr>
-            <a:lvl4pPr indent="0" lvl="3" marL="0" marR="0" rtl="0" algn="r">
+            <a:lvl4pPr indent="0" lvl="3" marL="0" marR="0" algn="r">
               <a:lnSpc>
                 <a:spcPct val="100000"/>
               </a:lnSpc>
@@ -3747,7 +4110,7 @@
                 <a:sym typeface="Arial"/>
               </a:defRPr>
             </a:lvl4pPr>
-            <a:lvl5pPr indent="0" lvl="4" marL="0" marR="0" rtl="0" algn="r">
+            <a:lvl5pPr indent="0" lvl="4" marL="0" marR="0" algn="r">
               <a:lnSpc>
                 <a:spcPct val="100000"/>
               </a:lnSpc>
@@ -3773,7 +4136,7 @@
                 <a:sym typeface="Arial"/>
               </a:defRPr>
             </a:lvl5pPr>
-            <a:lvl6pPr indent="0" lvl="5" marL="0" marR="0" rtl="0" algn="r">
+            <a:lvl6pPr indent="0" lvl="5" marL="0" marR="0" algn="r">
               <a:lnSpc>
                 <a:spcPct val="100000"/>
               </a:lnSpc>
@@ -3799,7 +4162,7 @@
                 <a:sym typeface="Arial"/>
               </a:defRPr>
             </a:lvl6pPr>
-            <a:lvl7pPr indent="0" lvl="6" marL="0" marR="0" rtl="0" algn="r">
+            <a:lvl7pPr indent="0" lvl="6" marL="0" marR="0" algn="r">
               <a:lnSpc>
                 <a:spcPct val="100000"/>
               </a:lnSpc>
@@ -3825,7 +4188,7 @@
                 <a:sym typeface="Arial"/>
               </a:defRPr>
             </a:lvl7pPr>
-            <a:lvl8pPr indent="0" lvl="7" marL="0" marR="0" rtl="0" algn="r">
+            <a:lvl8pPr indent="0" lvl="7" marL="0" marR="0" algn="r">
               <a:lnSpc>
                 <a:spcPct val="100000"/>
               </a:lnSpc>
@@ -3851,7 +4214,7 @@
                 <a:sym typeface="Arial"/>
               </a:defRPr>
             </a:lvl8pPr>
-            <a:lvl9pPr indent="0" lvl="8" marL="0" marR="0" rtl="0" algn="r">
+            <a:lvl9pPr indent="0" lvl="8" marL="0" marR="0" algn="r">
               <a:lnSpc>
                 <a:spcPct val="100000"/>
               </a:lnSpc>
@@ -3947,7 +4310,7 @@
             <a:normAutofit/>
           </a:bodyPr>
           <a:lstStyle>
-            <a:lvl1pPr lvl="0" rtl="0" algn="l">
+            <a:lvl1pPr lvl="0" algn="l">
               <a:lnSpc>
                 <a:spcPct val="100000"/>
               </a:lnSpc>
@@ -3961,7 +4324,7 @@
               <a:buNone/>
               <a:defRPr/>
             </a:lvl1pPr>
-            <a:lvl2pPr lvl="1" rtl="0" algn="l">
+            <a:lvl2pPr lvl="1" algn="l">
               <a:lnSpc>
                 <a:spcPct val="100000"/>
               </a:lnSpc>
@@ -3975,7 +4338,7 @@
               <a:buNone/>
               <a:defRPr/>
             </a:lvl2pPr>
-            <a:lvl3pPr lvl="2" rtl="0" algn="l">
+            <a:lvl3pPr lvl="2" algn="l">
               <a:lnSpc>
                 <a:spcPct val="100000"/>
               </a:lnSpc>
@@ -3989,7 +4352,7 @@
               <a:buNone/>
               <a:defRPr/>
             </a:lvl3pPr>
-            <a:lvl4pPr lvl="3" rtl="0" algn="l">
+            <a:lvl4pPr lvl="3" algn="l">
               <a:lnSpc>
                 <a:spcPct val="100000"/>
               </a:lnSpc>
@@ -4003,7 +4366,7 @@
               <a:buNone/>
               <a:defRPr/>
             </a:lvl4pPr>
-            <a:lvl5pPr lvl="4" rtl="0" algn="l">
+            <a:lvl5pPr lvl="4" algn="l">
               <a:lnSpc>
                 <a:spcPct val="100000"/>
               </a:lnSpc>
@@ -4017,7 +4380,7 @@
               <a:buNone/>
               <a:defRPr/>
             </a:lvl5pPr>
-            <a:lvl6pPr lvl="5" rtl="0" algn="l">
+            <a:lvl6pPr lvl="5" algn="l">
               <a:lnSpc>
                 <a:spcPct val="100000"/>
               </a:lnSpc>
@@ -4031,7 +4394,7 @@
               <a:buNone/>
               <a:defRPr/>
             </a:lvl6pPr>
-            <a:lvl7pPr lvl="6" rtl="0" algn="l">
+            <a:lvl7pPr lvl="6" algn="l">
               <a:lnSpc>
                 <a:spcPct val="100000"/>
               </a:lnSpc>
@@ -4045,7 +4408,7 @@
               <a:buNone/>
               <a:defRPr/>
             </a:lvl7pPr>
-            <a:lvl8pPr lvl="7" rtl="0" algn="l">
+            <a:lvl8pPr lvl="7" algn="l">
               <a:lnSpc>
                 <a:spcPct val="100000"/>
               </a:lnSpc>
@@ -4059,7 +4422,7 @@
               <a:buNone/>
               <a:defRPr/>
             </a:lvl8pPr>
-            <a:lvl9pPr lvl="8" rtl="0" algn="l">
+            <a:lvl9pPr lvl="8" algn="l">
               <a:lnSpc>
                 <a:spcPct val="100000"/>
               </a:lnSpc>
@@ -4103,7 +4466,7 @@
             <a:normAutofit/>
           </a:bodyPr>
           <a:lstStyle>
-            <a:lvl1pPr indent="-342900" lvl="0" marL="457200" rtl="0" algn="l">
+            <a:lvl1pPr indent="-342900" lvl="0" marL="457200" algn="l">
               <a:lnSpc>
                 <a:spcPct val="115000"/>
               </a:lnSpc>
@@ -4117,7 +4480,7 @@
               <a:buChar char="●"/>
               <a:defRPr/>
             </a:lvl1pPr>
-            <a:lvl2pPr indent="-317500" lvl="1" marL="914400" rtl="0" algn="l">
+            <a:lvl2pPr indent="-317500" lvl="1" marL="914400" algn="l">
               <a:lnSpc>
                 <a:spcPct val="115000"/>
               </a:lnSpc>
@@ -4131,7 +4494,7 @@
               <a:buChar char="○"/>
               <a:defRPr/>
             </a:lvl2pPr>
-            <a:lvl3pPr indent="-317500" lvl="2" marL="1371600" rtl="0" algn="l">
+            <a:lvl3pPr indent="-317500" lvl="2" marL="1371600" algn="l">
               <a:lnSpc>
                 <a:spcPct val="115000"/>
               </a:lnSpc>
@@ -4145,7 +4508,7 @@
               <a:buChar char="■"/>
               <a:defRPr/>
             </a:lvl3pPr>
-            <a:lvl4pPr indent="-317500" lvl="3" marL="1828800" rtl="0" algn="l">
+            <a:lvl4pPr indent="-317500" lvl="3" marL="1828800" algn="l">
               <a:lnSpc>
                 <a:spcPct val="115000"/>
               </a:lnSpc>
@@ -4159,7 +4522,7 @@
               <a:buChar char="●"/>
               <a:defRPr/>
             </a:lvl4pPr>
-            <a:lvl5pPr indent="-317500" lvl="4" marL="2286000" rtl="0" algn="l">
+            <a:lvl5pPr indent="-317500" lvl="4" marL="2286000" algn="l">
               <a:lnSpc>
                 <a:spcPct val="115000"/>
               </a:lnSpc>
@@ -4173,7 +4536,7 @@
               <a:buChar char="○"/>
               <a:defRPr/>
             </a:lvl5pPr>
-            <a:lvl6pPr indent="-317500" lvl="5" marL="2743200" rtl="0" algn="l">
+            <a:lvl6pPr indent="-317500" lvl="5" marL="2743200" algn="l">
               <a:lnSpc>
                 <a:spcPct val="115000"/>
               </a:lnSpc>
@@ -4187,7 +4550,7 @@
               <a:buChar char="■"/>
               <a:defRPr/>
             </a:lvl6pPr>
-            <a:lvl7pPr indent="-317500" lvl="6" marL="3200400" rtl="0" algn="l">
+            <a:lvl7pPr indent="-317500" lvl="6" marL="3200400" algn="l">
               <a:lnSpc>
                 <a:spcPct val="115000"/>
               </a:lnSpc>
@@ -4201,7 +4564,7 @@
               <a:buChar char="●"/>
               <a:defRPr/>
             </a:lvl7pPr>
-            <a:lvl8pPr indent="-317500" lvl="7" marL="3657600" rtl="0" algn="l">
+            <a:lvl8pPr indent="-317500" lvl="7" marL="3657600" algn="l">
               <a:lnSpc>
                 <a:spcPct val="115000"/>
               </a:lnSpc>
@@ -4215,7 +4578,7 @@
               <a:buChar char="○"/>
               <a:defRPr/>
             </a:lvl8pPr>
-            <a:lvl9pPr indent="-317500" lvl="8" marL="4114800" rtl="0" algn="l">
+            <a:lvl9pPr indent="-317500" lvl="8" marL="4114800" algn="l">
               <a:lnSpc>
                 <a:spcPct val="115000"/>
               </a:lnSpc>
@@ -4259,7 +4622,7 @@
             <a:normAutofit/>
           </a:bodyPr>
           <a:lstStyle>
-            <a:lvl1pPr indent="0" lvl="0" marL="0" marR="0" rtl="0" algn="r">
+            <a:lvl1pPr indent="0" lvl="0" marL="0" marR="0" algn="r">
               <a:lnSpc>
                 <a:spcPct val="100000"/>
               </a:lnSpc>
@@ -4285,7 +4648,7 @@
                 <a:sym typeface="Arial"/>
               </a:defRPr>
             </a:lvl1pPr>
-            <a:lvl2pPr indent="0" lvl="1" marL="0" marR="0" rtl="0" algn="r">
+            <a:lvl2pPr indent="0" lvl="1" marL="0" marR="0" algn="r">
               <a:lnSpc>
                 <a:spcPct val="100000"/>
               </a:lnSpc>
@@ -4311,7 +4674,7 @@
                 <a:sym typeface="Arial"/>
               </a:defRPr>
             </a:lvl2pPr>
-            <a:lvl3pPr indent="0" lvl="2" marL="0" marR="0" rtl="0" algn="r">
+            <a:lvl3pPr indent="0" lvl="2" marL="0" marR="0" algn="r">
               <a:lnSpc>
                 <a:spcPct val="100000"/>
               </a:lnSpc>
@@ -4337,7 +4700,7 @@
                 <a:sym typeface="Arial"/>
               </a:defRPr>
             </a:lvl3pPr>
-            <a:lvl4pPr indent="0" lvl="3" marL="0" marR="0" rtl="0" algn="r">
+            <a:lvl4pPr indent="0" lvl="3" marL="0" marR="0" algn="r">
               <a:lnSpc>
                 <a:spcPct val="100000"/>
               </a:lnSpc>
@@ -4363,7 +4726,7 @@
                 <a:sym typeface="Arial"/>
               </a:defRPr>
             </a:lvl4pPr>
-            <a:lvl5pPr indent="0" lvl="4" marL="0" marR="0" rtl="0" algn="r">
+            <a:lvl5pPr indent="0" lvl="4" marL="0" marR="0" algn="r">
               <a:lnSpc>
                 <a:spcPct val="100000"/>
               </a:lnSpc>
@@ -4389,7 +4752,7 @@
                 <a:sym typeface="Arial"/>
               </a:defRPr>
             </a:lvl5pPr>
-            <a:lvl6pPr indent="0" lvl="5" marL="0" marR="0" rtl="0" algn="r">
+            <a:lvl6pPr indent="0" lvl="5" marL="0" marR="0" algn="r">
               <a:lnSpc>
                 <a:spcPct val="100000"/>
               </a:lnSpc>
@@ -4415,7 +4778,7 @@
                 <a:sym typeface="Arial"/>
               </a:defRPr>
             </a:lvl6pPr>
-            <a:lvl7pPr indent="0" lvl="6" marL="0" marR="0" rtl="0" algn="r">
+            <a:lvl7pPr indent="0" lvl="6" marL="0" marR="0" algn="r">
               <a:lnSpc>
                 <a:spcPct val="100000"/>
               </a:lnSpc>
@@ -4441,7 +4804,7 @@
                 <a:sym typeface="Arial"/>
               </a:defRPr>
             </a:lvl7pPr>
-            <a:lvl8pPr indent="0" lvl="7" marL="0" marR="0" rtl="0" algn="r">
+            <a:lvl8pPr indent="0" lvl="7" marL="0" marR="0" algn="r">
               <a:lnSpc>
                 <a:spcPct val="100000"/>
               </a:lnSpc>
@@ -4467,7 +4830,7 @@
                 <a:sym typeface="Arial"/>
               </a:defRPr>
             </a:lvl8pPr>
-            <a:lvl9pPr indent="0" lvl="8" marL="0" marR="0" rtl="0" algn="r">
+            <a:lvl9pPr indent="0" lvl="8" marL="0" marR="0" algn="r">
               <a:lnSpc>
                 <a:spcPct val="100000"/>
               </a:lnSpc>
@@ -4563,7 +4926,7 @@
             <a:normAutofit/>
           </a:bodyPr>
           <a:lstStyle>
-            <a:lvl1pPr lvl="0" rtl="0" algn="ctr">
+            <a:lvl1pPr lvl="0" algn="ctr">
               <a:lnSpc>
                 <a:spcPct val="100000"/>
               </a:lnSpc>
@@ -4577,7 +4940,7 @@
               <a:buNone/>
               <a:defRPr sz="3600"/>
             </a:lvl1pPr>
-            <a:lvl2pPr lvl="1" rtl="0" algn="ctr">
+            <a:lvl2pPr lvl="1" algn="ctr">
               <a:lnSpc>
                 <a:spcPct val="100000"/>
               </a:lnSpc>
@@ -4591,7 +4954,7 @@
               <a:buNone/>
               <a:defRPr sz="3600"/>
             </a:lvl2pPr>
-            <a:lvl3pPr lvl="2" rtl="0" algn="ctr">
+            <a:lvl3pPr lvl="2" algn="ctr">
               <a:lnSpc>
                 <a:spcPct val="100000"/>
               </a:lnSpc>
@@ -4605,7 +4968,7 @@
               <a:buNone/>
               <a:defRPr sz="3600"/>
             </a:lvl3pPr>
-            <a:lvl4pPr lvl="3" rtl="0" algn="ctr">
+            <a:lvl4pPr lvl="3" algn="ctr">
               <a:lnSpc>
                 <a:spcPct val="100000"/>
               </a:lnSpc>
@@ -4619,7 +4982,7 @@
               <a:buNone/>
               <a:defRPr sz="3600"/>
             </a:lvl4pPr>
-            <a:lvl5pPr lvl="4" rtl="0" algn="ctr">
+            <a:lvl5pPr lvl="4" algn="ctr">
               <a:lnSpc>
                 <a:spcPct val="100000"/>
               </a:lnSpc>
@@ -4633,7 +4996,7 @@
               <a:buNone/>
               <a:defRPr sz="3600"/>
             </a:lvl5pPr>
-            <a:lvl6pPr lvl="5" rtl="0" algn="ctr">
+            <a:lvl6pPr lvl="5" algn="ctr">
               <a:lnSpc>
                 <a:spcPct val="100000"/>
               </a:lnSpc>
@@ -4647,7 +5010,7 @@
               <a:buNone/>
               <a:defRPr sz="3600"/>
             </a:lvl6pPr>
-            <a:lvl7pPr lvl="6" rtl="0" algn="ctr">
+            <a:lvl7pPr lvl="6" algn="ctr">
               <a:lnSpc>
                 <a:spcPct val="100000"/>
               </a:lnSpc>
@@ -4661,7 +5024,7 @@
               <a:buNone/>
               <a:defRPr sz="3600"/>
             </a:lvl7pPr>
-            <a:lvl8pPr lvl="7" rtl="0" algn="ctr">
+            <a:lvl8pPr lvl="7" algn="ctr">
               <a:lnSpc>
                 <a:spcPct val="100000"/>
               </a:lnSpc>
@@ -4675,7 +5038,7 @@
               <a:buNone/>
               <a:defRPr sz="3600"/>
             </a:lvl8pPr>
-            <a:lvl9pPr lvl="8" rtl="0" algn="ctr">
+            <a:lvl9pPr lvl="8" algn="ctr">
               <a:lnSpc>
                 <a:spcPct val="100000"/>
               </a:lnSpc>
@@ -4719,7 +5082,7 @@
             <a:normAutofit/>
           </a:bodyPr>
           <a:lstStyle>
-            <a:lvl1pPr indent="0" lvl="0" marL="0" marR="0" rtl="0" algn="r">
+            <a:lvl1pPr indent="0" lvl="0" marL="0" marR="0" algn="r">
               <a:lnSpc>
                 <a:spcPct val="100000"/>
               </a:lnSpc>
@@ -4745,7 +5108,7 @@
                 <a:sym typeface="Arial"/>
               </a:defRPr>
             </a:lvl1pPr>
-            <a:lvl2pPr indent="0" lvl="1" marL="0" marR="0" rtl="0" algn="r">
+            <a:lvl2pPr indent="0" lvl="1" marL="0" marR="0" algn="r">
               <a:lnSpc>
                 <a:spcPct val="100000"/>
               </a:lnSpc>
@@ -4771,7 +5134,7 @@
                 <a:sym typeface="Arial"/>
               </a:defRPr>
             </a:lvl2pPr>
-            <a:lvl3pPr indent="0" lvl="2" marL="0" marR="0" rtl="0" algn="r">
+            <a:lvl3pPr indent="0" lvl="2" marL="0" marR="0" algn="r">
               <a:lnSpc>
                 <a:spcPct val="100000"/>
               </a:lnSpc>
@@ -4797,7 +5160,7 @@
                 <a:sym typeface="Arial"/>
               </a:defRPr>
             </a:lvl3pPr>
-            <a:lvl4pPr indent="0" lvl="3" marL="0" marR="0" rtl="0" algn="r">
+            <a:lvl4pPr indent="0" lvl="3" marL="0" marR="0" algn="r">
               <a:lnSpc>
                 <a:spcPct val="100000"/>
               </a:lnSpc>
@@ -4823,7 +5186,7 @@
                 <a:sym typeface="Arial"/>
               </a:defRPr>
             </a:lvl4pPr>
-            <a:lvl5pPr indent="0" lvl="4" marL="0" marR="0" rtl="0" algn="r">
+            <a:lvl5pPr indent="0" lvl="4" marL="0" marR="0" algn="r">
               <a:lnSpc>
                 <a:spcPct val="100000"/>
               </a:lnSpc>
@@ -4849,7 +5212,7 @@
                 <a:sym typeface="Arial"/>
               </a:defRPr>
             </a:lvl5pPr>
-            <a:lvl6pPr indent="0" lvl="5" marL="0" marR="0" rtl="0" algn="r">
+            <a:lvl6pPr indent="0" lvl="5" marL="0" marR="0" algn="r">
               <a:lnSpc>
                 <a:spcPct val="100000"/>
               </a:lnSpc>
@@ -4875,7 +5238,7 @@
                 <a:sym typeface="Arial"/>
               </a:defRPr>
             </a:lvl6pPr>
-            <a:lvl7pPr indent="0" lvl="6" marL="0" marR="0" rtl="0" algn="r">
+            <a:lvl7pPr indent="0" lvl="6" marL="0" marR="0" algn="r">
               <a:lnSpc>
                 <a:spcPct val="100000"/>
               </a:lnSpc>
@@ -4901,7 +5264,7 @@
                 <a:sym typeface="Arial"/>
               </a:defRPr>
             </a:lvl7pPr>
-            <a:lvl8pPr indent="0" lvl="7" marL="0" marR="0" rtl="0" algn="r">
+            <a:lvl8pPr indent="0" lvl="7" marL="0" marR="0" algn="r">
               <a:lnSpc>
                 <a:spcPct val="100000"/>
               </a:lnSpc>
@@ -4927,7 +5290,7 @@
                 <a:sym typeface="Arial"/>
               </a:defRPr>
             </a:lvl8pPr>
-            <a:lvl9pPr indent="0" lvl="8" marL="0" marR="0" rtl="0" algn="r">
+            <a:lvl9pPr indent="0" lvl="8" marL="0" marR="0" algn="r">
               <a:lnSpc>
                 <a:spcPct val="100000"/>
               </a:lnSpc>
@@ -5023,7 +5386,7 @@
             <a:normAutofit/>
           </a:bodyPr>
           <a:lstStyle>
-            <a:lvl1pPr lvl="0" rtl="0" algn="l">
+            <a:lvl1pPr lvl="0" algn="l">
               <a:lnSpc>
                 <a:spcPct val="100000"/>
               </a:lnSpc>
@@ -5037,7 +5400,7 @@
               <a:buNone/>
               <a:defRPr/>
             </a:lvl1pPr>
-            <a:lvl2pPr lvl="1" rtl="0" algn="l">
+            <a:lvl2pPr lvl="1" algn="l">
               <a:lnSpc>
                 <a:spcPct val="100000"/>
               </a:lnSpc>
@@ -5051,7 +5414,7 @@
               <a:buNone/>
               <a:defRPr/>
             </a:lvl2pPr>
-            <a:lvl3pPr lvl="2" rtl="0" algn="l">
+            <a:lvl3pPr lvl="2" algn="l">
               <a:lnSpc>
                 <a:spcPct val="100000"/>
               </a:lnSpc>
@@ -5065,7 +5428,7 @@
               <a:buNone/>
               <a:defRPr/>
             </a:lvl3pPr>
-            <a:lvl4pPr lvl="3" rtl="0" algn="l">
+            <a:lvl4pPr lvl="3" algn="l">
               <a:lnSpc>
                 <a:spcPct val="100000"/>
               </a:lnSpc>
@@ -5079,7 +5442,7 @@
               <a:buNone/>
               <a:defRPr/>
             </a:lvl4pPr>
-            <a:lvl5pPr lvl="4" rtl="0" algn="l">
+            <a:lvl5pPr lvl="4" algn="l">
               <a:lnSpc>
                 <a:spcPct val="100000"/>
               </a:lnSpc>
@@ -5093,7 +5456,7 @@
               <a:buNone/>
               <a:defRPr/>
             </a:lvl5pPr>
-            <a:lvl6pPr lvl="5" rtl="0" algn="l">
+            <a:lvl6pPr lvl="5" algn="l">
               <a:lnSpc>
                 <a:spcPct val="100000"/>
               </a:lnSpc>
@@ -5107,7 +5470,7 @@
               <a:buNone/>
               <a:defRPr/>
             </a:lvl6pPr>
-            <a:lvl7pPr lvl="6" rtl="0" algn="l">
+            <a:lvl7pPr lvl="6" algn="l">
               <a:lnSpc>
                 <a:spcPct val="100000"/>
               </a:lnSpc>
@@ -5121,7 +5484,7 @@
               <a:buNone/>
               <a:defRPr/>
             </a:lvl7pPr>
-            <a:lvl8pPr lvl="7" rtl="0" algn="l">
+            <a:lvl8pPr lvl="7" algn="l">
               <a:lnSpc>
                 <a:spcPct val="100000"/>
               </a:lnSpc>
@@ -5135,7 +5498,7 @@
               <a:buNone/>
               <a:defRPr/>
             </a:lvl8pPr>
-            <a:lvl9pPr lvl="8" rtl="0" algn="l">
+            <a:lvl9pPr lvl="8" algn="l">
               <a:lnSpc>
                 <a:spcPct val="100000"/>
               </a:lnSpc>
@@ -5179,7 +5542,7 @@
             <a:normAutofit/>
           </a:bodyPr>
           <a:lstStyle>
-            <a:lvl1pPr indent="-317500" lvl="0" marL="457200" rtl="0" algn="l">
+            <a:lvl1pPr indent="-317500" lvl="0" marL="457200" algn="l">
               <a:lnSpc>
                 <a:spcPct val="115000"/>
               </a:lnSpc>
@@ -5193,7 +5556,7 @@
               <a:buChar char="●"/>
               <a:defRPr sz="1400"/>
             </a:lvl1pPr>
-            <a:lvl2pPr indent="-304800" lvl="1" marL="914400" rtl="0" algn="l">
+            <a:lvl2pPr indent="-304800" lvl="1" marL="914400" algn="l">
               <a:lnSpc>
                 <a:spcPct val="115000"/>
               </a:lnSpc>
@@ -5207,7 +5570,7 @@
               <a:buChar char="○"/>
               <a:defRPr sz="1200"/>
             </a:lvl2pPr>
-            <a:lvl3pPr indent="-304800" lvl="2" marL="1371600" rtl="0" algn="l">
+            <a:lvl3pPr indent="-304800" lvl="2" marL="1371600" algn="l">
               <a:lnSpc>
                 <a:spcPct val="115000"/>
               </a:lnSpc>
@@ -5221,7 +5584,7 @@
               <a:buChar char="■"/>
               <a:defRPr sz="1200"/>
             </a:lvl3pPr>
-            <a:lvl4pPr indent="-304800" lvl="3" marL="1828800" rtl="0" algn="l">
+            <a:lvl4pPr indent="-304800" lvl="3" marL="1828800" algn="l">
               <a:lnSpc>
                 <a:spcPct val="115000"/>
               </a:lnSpc>
@@ -5235,7 +5598,7 @@
               <a:buChar char="●"/>
               <a:defRPr sz="1200"/>
             </a:lvl4pPr>
-            <a:lvl5pPr indent="-304800" lvl="4" marL="2286000" rtl="0" algn="l">
+            <a:lvl5pPr indent="-304800" lvl="4" marL="2286000" algn="l">
               <a:lnSpc>
                 <a:spcPct val="115000"/>
               </a:lnSpc>
@@ -5249,7 +5612,7 @@
               <a:buChar char="○"/>
               <a:defRPr sz="1200"/>
             </a:lvl5pPr>
-            <a:lvl6pPr indent="-304800" lvl="5" marL="2743200" rtl="0" algn="l">
+            <a:lvl6pPr indent="-304800" lvl="5" marL="2743200" algn="l">
               <a:lnSpc>
                 <a:spcPct val="115000"/>
               </a:lnSpc>
@@ -5263,7 +5626,7 @@
               <a:buChar char="■"/>
               <a:defRPr sz="1200"/>
             </a:lvl6pPr>
-            <a:lvl7pPr indent="-304800" lvl="6" marL="3200400" rtl="0" algn="l">
+            <a:lvl7pPr indent="-304800" lvl="6" marL="3200400" algn="l">
               <a:lnSpc>
                 <a:spcPct val="115000"/>
               </a:lnSpc>
@@ -5277,7 +5640,7 @@
               <a:buChar char="●"/>
               <a:defRPr sz="1200"/>
             </a:lvl7pPr>
-            <a:lvl8pPr indent="-304800" lvl="7" marL="3657600" rtl="0" algn="l">
+            <a:lvl8pPr indent="-304800" lvl="7" marL="3657600" algn="l">
               <a:lnSpc>
                 <a:spcPct val="115000"/>
               </a:lnSpc>
@@ -5291,7 +5654,7 @@
               <a:buChar char="○"/>
               <a:defRPr sz="1200"/>
             </a:lvl8pPr>
-            <a:lvl9pPr indent="-304800" lvl="8" marL="4114800" rtl="0" algn="l">
+            <a:lvl9pPr indent="-304800" lvl="8" marL="4114800" algn="l">
               <a:lnSpc>
                 <a:spcPct val="115000"/>
               </a:lnSpc>
@@ -5335,7 +5698,7 @@
             <a:normAutofit/>
           </a:bodyPr>
           <a:lstStyle>
-            <a:lvl1pPr indent="-317500" lvl="0" marL="457200" rtl="0" algn="l">
+            <a:lvl1pPr indent="-317500" lvl="0" marL="457200" algn="l">
               <a:lnSpc>
                 <a:spcPct val="115000"/>
               </a:lnSpc>
@@ -5349,7 +5712,7 @@
               <a:buChar char="●"/>
               <a:defRPr sz="1400"/>
             </a:lvl1pPr>
-            <a:lvl2pPr indent="-304800" lvl="1" marL="914400" rtl="0" algn="l">
+            <a:lvl2pPr indent="-304800" lvl="1" marL="914400" algn="l">
               <a:lnSpc>
                 <a:spcPct val="115000"/>
               </a:lnSpc>
@@ -5363,7 +5726,7 @@
               <a:buChar char="○"/>
               <a:defRPr sz="1200"/>
             </a:lvl2pPr>
-            <a:lvl3pPr indent="-304800" lvl="2" marL="1371600" rtl="0" algn="l">
+            <a:lvl3pPr indent="-304800" lvl="2" marL="1371600" algn="l">
               <a:lnSpc>
                 <a:spcPct val="115000"/>
               </a:lnSpc>
@@ -5377,7 +5740,7 @@
               <a:buChar char="■"/>
               <a:defRPr sz="1200"/>
             </a:lvl3pPr>
-            <a:lvl4pPr indent="-304800" lvl="3" marL="1828800" rtl="0" algn="l">
+            <a:lvl4pPr indent="-304800" lvl="3" marL="1828800" algn="l">
               <a:lnSpc>
                 <a:spcPct val="115000"/>
               </a:lnSpc>
@@ -5391,7 +5754,7 @@
               <a:buChar char="●"/>
               <a:defRPr sz="1200"/>
             </a:lvl4pPr>
-            <a:lvl5pPr indent="-304800" lvl="4" marL="2286000" rtl="0" algn="l">
+            <a:lvl5pPr indent="-304800" lvl="4" marL="2286000" algn="l">
               <a:lnSpc>
                 <a:spcPct val="115000"/>
               </a:lnSpc>
@@ -5405,7 +5768,7 @@
               <a:buChar char="○"/>
               <a:defRPr sz="1200"/>
             </a:lvl5pPr>
-            <a:lvl6pPr indent="-304800" lvl="5" marL="2743200" rtl="0" algn="l">
+            <a:lvl6pPr indent="-304800" lvl="5" marL="2743200" algn="l">
               <a:lnSpc>
                 <a:spcPct val="115000"/>
               </a:lnSpc>
@@ -5419,7 +5782,7 @@
               <a:buChar char="■"/>
               <a:defRPr sz="1200"/>
             </a:lvl6pPr>
-            <a:lvl7pPr indent="-304800" lvl="6" marL="3200400" rtl="0" algn="l">
+            <a:lvl7pPr indent="-304800" lvl="6" marL="3200400" algn="l">
               <a:lnSpc>
                 <a:spcPct val="115000"/>
               </a:lnSpc>
@@ -5433,7 +5796,7 @@
               <a:buChar char="●"/>
               <a:defRPr sz="1200"/>
             </a:lvl7pPr>
-            <a:lvl8pPr indent="-304800" lvl="7" marL="3657600" rtl="0" algn="l">
+            <a:lvl8pPr indent="-304800" lvl="7" marL="3657600" algn="l">
               <a:lnSpc>
                 <a:spcPct val="115000"/>
               </a:lnSpc>
@@ -5447,7 +5810,7 @@
               <a:buChar char="○"/>
               <a:defRPr sz="1200"/>
             </a:lvl8pPr>
-            <a:lvl9pPr indent="-304800" lvl="8" marL="4114800" rtl="0" algn="l">
+            <a:lvl9pPr indent="-304800" lvl="8" marL="4114800" algn="l">
               <a:lnSpc>
                 <a:spcPct val="115000"/>
               </a:lnSpc>
@@ -5491,7 +5854,7 @@
             <a:normAutofit/>
           </a:bodyPr>
           <a:lstStyle>
-            <a:lvl1pPr indent="0" lvl="0" marL="0" marR="0" rtl="0" algn="r">
+            <a:lvl1pPr indent="0" lvl="0" marL="0" marR="0" algn="r">
               <a:lnSpc>
                 <a:spcPct val="100000"/>
               </a:lnSpc>
@@ -5517,7 +5880,7 @@
                 <a:sym typeface="Arial"/>
               </a:defRPr>
             </a:lvl1pPr>
-            <a:lvl2pPr indent="0" lvl="1" marL="0" marR="0" rtl="0" algn="r">
+            <a:lvl2pPr indent="0" lvl="1" marL="0" marR="0" algn="r">
               <a:lnSpc>
                 <a:spcPct val="100000"/>
               </a:lnSpc>
@@ -5543,7 +5906,7 @@
                 <a:sym typeface="Arial"/>
               </a:defRPr>
             </a:lvl2pPr>
-            <a:lvl3pPr indent="0" lvl="2" marL="0" marR="0" rtl="0" algn="r">
+            <a:lvl3pPr indent="0" lvl="2" marL="0" marR="0" algn="r">
               <a:lnSpc>
                 <a:spcPct val="100000"/>
               </a:lnSpc>
@@ -5569,7 +5932,7 @@
                 <a:sym typeface="Arial"/>
               </a:defRPr>
             </a:lvl3pPr>
-            <a:lvl4pPr indent="0" lvl="3" marL="0" marR="0" rtl="0" algn="r">
+            <a:lvl4pPr indent="0" lvl="3" marL="0" marR="0" algn="r">
               <a:lnSpc>
                 <a:spcPct val="100000"/>
               </a:lnSpc>
@@ -5595,7 +5958,7 @@
                 <a:sym typeface="Arial"/>
               </a:defRPr>
             </a:lvl4pPr>
-            <a:lvl5pPr indent="0" lvl="4" marL="0" marR="0" rtl="0" algn="r">
+            <a:lvl5pPr indent="0" lvl="4" marL="0" marR="0" algn="r">
               <a:lnSpc>
                 <a:spcPct val="100000"/>
               </a:lnSpc>
@@ -5621,7 +5984,7 @@
                 <a:sym typeface="Arial"/>
               </a:defRPr>
             </a:lvl5pPr>
-            <a:lvl6pPr indent="0" lvl="5" marL="0" marR="0" rtl="0" algn="r">
+            <a:lvl6pPr indent="0" lvl="5" marL="0" marR="0" algn="r">
               <a:lnSpc>
                 <a:spcPct val="100000"/>
               </a:lnSpc>
@@ -5647,7 +6010,7 @@
                 <a:sym typeface="Arial"/>
               </a:defRPr>
             </a:lvl6pPr>
-            <a:lvl7pPr indent="0" lvl="6" marL="0" marR="0" rtl="0" algn="r">
+            <a:lvl7pPr indent="0" lvl="6" marL="0" marR="0" algn="r">
               <a:lnSpc>
                 <a:spcPct val="100000"/>
               </a:lnSpc>
@@ -5673,7 +6036,7 @@
                 <a:sym typeface="Arial"/>
               </a:defRPr>
             </a:lvl7pPr>
-            <a:lvl8pPr indent="0" lvl="7" marL="0" marR="0" rtl="0" algn="r">
+            <a:lvl8pPr indent="0" lvl="7" marL="0" marR="0" algn="r">
               <a:lnSpc>
                 <a:spcPct val="100000"/>
               </a:lnSpc>
@@ -5699,7 +6062,7 @@
                 <a:sym typeface="Arial"/>
               </a:defRPr>
             </a:lvl8pPr>
-            <a:lvl9pPr indent="0" lvl="8" marL="0" marR="0" rtl="0" algn="r">
+            <a:lvl9pPr indent="0" lvl="8" marL="0" marR="0" algn="r">
               <a:lnSpc>
                 <a:spcPct val="100000"/>
               </a:lnSpc>
@@ -5795,7 +6158,7 @@
             <a:normAutofit/>
           </a:bodyPr>
           <a:lstStyle>
-            <a:lvl1pPr lvl="0" rtl="0" algn="l">
+            <a:lvl1pPr lvl="0" algn="l">
               <a:lnSpc>
                 <a:spcPct val="100000"/>
               </a:lnSpc>
@@ -5809,7 +6172,7 @@
               <a:buNone/>
               <a:defRPr/>
             </a:lvl1pPr>
-            <a:lvl2pPr lvl="1" rtl="0" algn="l">
+            <a:lvl2pPr lvl="1" algn="l">
               <a:lnSpc>
                 <a:spcPct val="100000"/>
               </a:lnSpc>
@@ -5823,7 +6186,7 @@
               <a:buNone/>
               <a:defRPr/>
             </a:lvl2pPr>
-            <a:lvl3pPr lvl="2" rtl="0" algn="l">
+            <a:lvl3pPr lvl="2" algn="l">
               <a:lnSpc>
                 <a:spcPct val="100000"/>
               </a:lnSpc>
@@ -5837,7 +6200,7 @@
               <a:buNone/>
               <a:defRPr/>
             </a:lvl3pPr>
-            <a:lvl4pPr lvl="3" rtl="0" algn="l">
+            <a:lvl4pPr lvl="3" algn="l">
               <a:lnSpc>
                 <a:spcPct val="100000"/>
               </a:lnSpc>
@@ -5851,7 +6214,7 @@
               <a:buNone/>
               <a:defRPr/>
             </a:lvl4pPr>
-            <a:lvl5pPr lvl="4" rtl="0" algn="l">
+            <a:lvl5pPr lvl="4" algn="l">
               <a:lnSpc>
                 <a:spcPct val="100000"/>
               </a:lnSpc>
@@ -5865,7 +6228,7 @@
               <a:buNone/>
               <a:defRPr/>
             </a:lvl5pPr>
-            <a:lvl6pPr lvl="5" rtl="0" algn="l">
+            <a:lvl6pPr lvl="5" algn="l">
               <a:lnSpc>
                 <a:spcPct val="100000"/>
               </a:lnSpc>
@@ -5879,7 +6242,7 @@
               <a:buNone/>
               <a:defRPr/>
             </a:lvl6pPr>
-            <a:lvl7pPr lvl="6" rtl="0" algn="l">
+            <a:lvl7pPr lvl="6" algn="l">
               <a:lnSpc>
                 <a:spcPct val="100000"/>
               </a:lnSpc>
@@ -5893,7 +6256,7 @@
               <a:buNone/>
               <a:defRPr/>
             </a:lvl7pPr>
-            <a:lvl8pPr lvl="7" rtl="0" algn="l">
+            <a:lvl8pPr lvl="7" algn="l">
               <a:lnSpc>
                 <a:spcPct val="100000"/>
               </a:lnSpc>
@@ -5907,7 +6270,7 @@
               <a:buNone/>
               <a:defRPr/>
             </a:lvl8pPr>
-            <a:lvl9pPr lvl="8" rtl="0" algn="l">
+            <a:lvl9pPr lvl="8" algn="l">
               <a:lnSpc>
                 <a:spcPct val="100000"/>
               </a:lnSpc>
@@ -5951,7 +6314,7 @@
             <a:normAutofit/>
           </a:bodyPr>
           <a:lstStyle>
-            <a:lvl1pPr indent="0" lvl="0" marL="0" marR="0" rtl="0" algn="r">
+            <a:lvl1pPr indent="0" lvl="0" marL="0" marR="0" algn="r">
               <a:lnSpc>
                 <a:spcPct val="100000"/>
               </a:lnSpc>
@@ -5977,7 +6340,7 @@
                 <a:sym typeface="Arial"/>
               </a:defRPr>
             </a:lvl1pPr>
-            <a:lvl2pPr indent="0" lvl="1" marL="0" marR="0" rtl="0" algn="r">
+            <a:lvl2pPr indent="0" lvl="1" marL="0" marR="0" algn="r">
               <a:lnSpc>
                 <a:spcPct val="100000"/>
               </a:lnSpc>
@@ -6003,7 +6366,7 @@
                 <a:sym typeface="Arial"/>
               </a:defRPr>
             </a:lvl2pPr>
-            <a:lvl3pPr indent="0" lvl="2" marL="0" marR="0" rtl="0" algn="r">
+            <a:lvl3pPr indent="0" lvl="2" marL="0" marR="0" algn="r">
               <a:lnSpc>
                 <a:spcPct val="100000"/>
               </a:lnSpc>
@@ -6029,7 +6392,7 @@
                 <a:sym typeface="Arial"/>
               </a:defRPr>
             </a:lvl3pPr>
-            <a:lvl4pPr indent="0" lvl="3" marL="0" marR="0" rtl="0" algn="r">
+            <a:lvl4pPr indent="0" lvl="3" marL="0" marR="0" algn="r">
               <a:lnSpc>
                 <a:spcPct val="100000"/>
               </a:lnSpc>
@@ -6055,7 +6418,7 @@
                 <a:sym typeface="Arial"/>
               </a:defRPr>
             </a:lvl4pPr>
-            <a:lvl5pPr indent="0" lvl="4" marL="0" marR="0" rtl="0" algn="r">
+            <a:lvl5pPr indent="0" lvl="4" marL="0" marR="0" algn="r">
               <a:lnSpc>
                 <a:spcPct val="100000"/>
               </a:lnSpc>
@@ -6081,7 +6444,7 @@
                 <a:sym typeface="Arial"/>
               </a:defRPr>
             </a:lvl5pPr>
-            <a:lvl6pPr indent="0" lvl="5" marL="0" marR="0" rtl="0" algn="r">
+            <a:lvl6pPr indent="0" lvl="5" marL="0" marR="0" algn="r">
               <a:lnSpc>
                 <a:spcPct val="100000"/>
               </a:lnSpc>
@@ -6107,7 +6470,7 @@
                 <a:sym typeface="Arial"/>
               </a:defRPr>
             </a:lvl6pPr>
-            <a:lvl7pPr indent="0" lvl="6" marL="0" marR="0" rtl="0" algn="r">
+            <a:lvl7pPr indent="0" lvl="6" marL="0" marR="0" algn="r">
               <a:lnSpc>
                 <a:spcPct val="100000"/>
               </a:lnSpc>
@@ -6133,7 +6496,7 @@
                 <a:sym typeface="Arial"/>
               </a:defRPr>
             </a:lvl7pPr>
-            <a:lvl8pPr indent="0" lvl="7" marL="0" marR="0" rtl="0" algn="r">
+            <a:lvl8pPr indent="0" lvl="7" marL="0" marR="0" algn="r">
               <a:lnSpc>
                 <a:spcPct val="100000"/>
               </a:lnSpc>
@@ -6159,7 +6522,7 @@
                 <a:sym typeface="Arial"/>
               </a:defRPr>
             </a:lvl8pPr>
-            <a:lvl9pPr indent="0" lvl="8" marL="0" marR="0" rtl="0" algn="r">
+            <a:lvl9pPr indent="0" lvl="8" marL="0" marR="0" algn="r">
               <a:lnSpc>
                 <a:spcPct val="100000"/>
               </a:lnSpc>
@@ -6255,7 +6618,7 @@
             <a:normAutofit/>
           </a:bodyPr>
           <a:lstStyle>
-            <a:lvl1pPr lvl="0" rtl="0" algn="l">
+            <a:lvl1pPr lvl="0" algn="l">
               <a:lnSpc>
                 <a:spcPct val="100000"/>
               </a:lnSpc>
@@ -6269,7 +6632,7 @@
               <a:buNone/>
               <a:defRPr sz="2400"/>
             </a:lvl1pPr>
-            <a:lvl2pPr lvl="1" rtl="0" algn="l">
+            <a:lvl2pPr lvl="1" algn="l">
               <a:lnSpc>
                 <a:spcPct val="100000"/>
               </a:lnSpc>
@@ -6283,7 +6646,7 @@
               <a:buNone/>
               <a:defRPr sz="2400"/>
             </a:lvl2pPr>
-            <a:lvl3pPr lvl="2" rtl="0" algn="l">
+            <a:lvl3pPr lvl="2" algn="l">
               <a:lnSpc>
                 <a:spcPct val="100000"/>
               </a:lnSpc>
@@ -6297,7 +6660,7 @@
               <a:buNone/>
               <a:defRPr sz="2400"/>
             </a:lvl3pPr>
-            <a:lvl4pPr lvl="3" rtl="0" algn="l">
+            <a:lvl4pPr lvl="3" algn="l">
               <a:lnSpc>
                 <a:spcPct val="100000"/>
               </a:lnSpc>
@@ -6311,7 +6674,7 @@
               <a:buNone/>
               <a:defRPr sz="2400"/>
             </a:lvl4pPr>
-            <a:lvl5pPr lvl="4" rtl="0" algn="l">
+            <a:lvl5pPr lvl="4" algn="l">
               <a:lnSpc>
                 <a:spcPct val="100000"/>
               </a:lnSpc>
@@ -6325,7 +6688,7 @@
               <a:buNone/>
               <a:defRPr sz="2400"/>
             </a:lvl5pPr>
-            <a:lvl6pPr lvl="5" rtl="0" algn="l">
+            <a:lvl6pPr lvl="5" algn="l">
               <a:lnSpc>
                 <a:spcPct val="100000"/>
               </a:lnSpc>
@@ -6339,7 +6702,7 @@
               <a:buNone/>
               <a:defRPr sz="2400"/>
             </a:lvl6pPr>
-            <a:lvl7pPr lvl="6" rtl="0" algn="l">
+            <a:lvl7pPr lvl="6" algn="l">
               <a:lnSpc>
                 <a:spcPct val="100000"/>
               </a:lnSpc>
@@ -6353,7 +6716,7 @@
               <a:buNone/>
               <a:defRPr sz="2400"/>
             </a:lvl7pPr>
-            <a:lvl8pPr lvl="7" rtl="0" algn="l">
+            <a:lvl8pPr lvl="7" algn="l">
               <a:lnSpc>
                 <a:spcPct val="100000"/>
               </a:lnSpc>
@@ -6367,7 +6730,7 @@
               <a:buNone/>
               <a:defRPr sz="2400"/>
             </a:lvl8pPr>
-            <a:lvl9pPr lvl="8" rtl="0" algn="l">
+            <a:lvl9pPr lvl="8" algn="l">
               <a:lnSpc>
                 <a:spcPct val="100000"/>
               </a:lnSpc>
@@ -6411,7 +6774,7 @@
             <a:normAutofit/>
           </a:bodyPr>
           <a:lstStyle>
-            <a:lvl1pPr indent="-304800" lvl="0" marL="457200" rtl="0" algn="l">
+            <a:lvl1pPr indent="-304800" lvl="0" marL="457200" algn="l">
               <a:lnSpc>
                 <a:spcPct val="115000"/>
               </a:lnSpc>
@@ -6425,7 +6788,7 @@
               <a:buChar char="●"/>
               <a:defRPr sz="1200"/>
             </a:lvl1pPr>
-            <a:lvl2pPr indent="-304800" lvl="1" marL="914400" rtl="0" algn="l">
+            <a:lvl2pPr indent="-304800" lvl="1" marL="914400" algn="l">
               <a:lnSpc>
                 <a:spcPct val="115000"/>
               </a:lnSpc>
@@ -6439,7 +6802,7 @@
               <a:buChar char="○"/>
               <a:defRPr sz="1200"/>
             </a:lvl2pPr>
-            <a:lvl3pPr indent="-304800" lvl="2" marL="1371600" rtl="0" algn="l">
+            <a:lvl3pPr indent="-304800" lvl="2" marL="1371600" algn="l">
               <a:lnSpc>
                 <a:spcPct val="115000"/>
               </a:lnSpc>
@@ -6453,7 +6816,7 @@
               <a:buChar char="■"/>
               <a:defRPr sz="1200"/>
             </a:lvl3pPr>
-            <a:lvl4pPr indent="-304800" lvl="3" marL="1828800" rtl="0" algn="l">
+            <a:lvl4pPr indent="-304800" lvl="3" marL="1828800" algn="l">
               <a:lnSpc>
                 <a:spcPct val="115000"/>
               </a:lnSpc>
@@ -6467,7 +6830,7 @@
               <a:buChar char="●"/>
               <a:defRPr sz="1200"/>
             </a:lvl4pPr>
-            <a:lvl5pPr indent="-304800" lvl="4" marL="2286000" rtl="0" algn="l">
+            <a:lvl5pPr indent="-304800" lvl="4" marL="2286000" algn="l">
               <a:lnSpc>
                 <a:spcPct val="115000"/>
               </a:lnSpc>
@@ -6481,7 +6844,7 @@
               <a:buChar char="○"/>
               <a:defRPr sz="1200"/>
             </a:lvl5pPr>
-            <a:lvl6pPr indent="-304800" lvl="5" marL="2743200" rtl="0" algn="l">
+            <a:lvl6pPr indent="-304800" lvl="5" marL="2743200" algn="l">
               <a:lnSpc>
                 <a:spcPct val="115000"/>
               </a:lnSpc>
@@ -6495,7 +6858,7 @@
               <a:buChar char="■"/>
               <a:defRPr sz="1200"/>
             </a:lvl6pPr>
-            <a:lvl7pPr indent="-304800" lvl="6" marL="3200400" rtl="0" algn="l">
+            <a:lvl7pPr indent="-304800" lvl="6" marL="3200400" algn="l">
               <a:lnSpc>
                 <a:spcPct val="115000"/>
               </a:lnSpc>
@@ -6509,7 +6872,7 @@
               <a:buChar char="●"/>
               <a:defRPr sz="1200"/>
             </a:lvl7pPr>
-            <a:lvl8pPr indent="-304800" lvl="7" marL="3657600" rtl="0" algn="l">
+            <a:lvl8pPr indent="-304800" lvl="7" marL="3657600" algn="l">
               <a:lnSpc>
                 <a:spcPct val="115000"/>
               </a:lnSpc>
@@ -6523,7 +6886,7 @@
               <a:buChar char="○"/>
               <a:defRPr sz="1200"/>
             </a:lvl8pPr>
-            <a:lvl9pPr indent="-304800" lvl="8" marL="4114800" rtl="0" algn="l">
+            <a:lvl9pPr indent="-304800" lvl="8" marL="4114800" algn="l">
               <a:lnSpc>
                 <a:spcPct val="115000"/>
               </a:lnSpc>
@@ -6567,7 +6930,7 @@
             <a:normAutofit/>
           </a:bodyPr>
           <a:lstStyle>
-            <a:lvl1pPr indent="0" lvl="0" marL="0" marR="0" rtl="0" algn="r">
+            <a:lvl1pPr indent="0" lvl="0" marL="0" marR="0" algn="r">
               <a:lnSpc>
                 <a:spcPct val="100000"/>
               </a:lnSpc>
@@ -6593,7 +6956,7 @@
                 <a:sym typeface="Arial"/>
               </a:defRPr>
             </a:lvl1pPr>
-            <a:lvl2pPr indent="0" lvl="1" marL="0" marR="0" rtl="0" algn="r">
+            <a:lvl2pPr indent="0" lvl="1" marL="0" marR="0" algn="r">
               <a:lnSpc>
                 <a:spcPct val="100000"/>
               </a:lnSpc>
@@ -6619,7 +6982,7 @@
                 <a:sym typeface="Arial"/>
               </a:defRPr>
             </a:lvl2pPr>
-            <a:lvl3pPr indent="0" lvl="2" marL="0" marR="0" rtl="0" algn="r">
+            <a:lvl3pPr indent="0" lvl="2" marL="0" marR="0" algn="r">
               <a:lnSpc>
                 <a:spcPct val="100000"/>
               </a:lnSpc>
@@ -6645,7 +7008,7 @@
                 <a:sym typeface="Arial"/>
               </a:defRPr>
             </a:lvl3pPr>
-            <a:lvl4pPr indent="0" lvl="3" marL="0" marR="0" rtl="0" algn="r">
+            <a:lvl4pPr indent="0" lvl="3" marL="0" marR="0" algn="r">
               <a:lnSpc>
                 <a:spcPct val="100000"/>
               </a:lnSpc>
@@ -6671,7 +7034,7 @@
                 <a:sym typeface="Arial"/>
               </a:defRPr>
             </a:lvl4pPr>
-            <a:lvl5pPr indent="0" lvl="4" marL="0" marR="0" rtl="0" algn="r">
+            <a:lvl5pPr indent="0" lvl="4" marL="0" marR="0" algn="r">
               <a:lnSpc>
                 <a:spcPct val="100000"/>
               </a:lnSpc>
@@ -6697,7 +7060,7 @@
                 <a:sym typeface="Arial"/>
               </a:defRPr>
             </a:lvl5pPr>
-            <a:lvl6pPr indent="0" lvl="5" marL="0" marR="0" rtl="0" algn="r">
+            <a:lvl6pPr indent="0" lvl="5" marL="0" marR="0" algn="r">
               <a:lnSpc>
                 <a:spcPct val="100000"/>
               </a:lnSpc>
@@ -6723,7 +7086,7 @@
                 <a:sym typeface="Arial"/>
               </a:defRPr>
             </a:lvl6pPr>
-            <a:lvl7pPr indent="0" lvl="6" marL="0" marR="0" rtl="0" algn="r">
+            <a:lvl7pPr indent="0" lvl="6" marL="0" marR="0" algn="r">
               <a:lnSpc>
                 <a:spcPct val="100000"/>
               </a:lnSpc>
@@ -6749,7 +7112,7 @@
                 <a:sym typeface="Arial"/>
               </a:defRPr>
             </a:lvl7pPr>
-            <a:lvl8pPr indent="0" lvl="7" marL="0" marR="0" rtl="0" algn="r">
+            <a:lvl8pPr indent="0" lvl="7" marL="0" marR="0" algn="r">
               <a:lnSpc>
                 <a:spcPct val="100000"/>
               </a:lnSpc>
@@ -6775,7 +7138,7 @@
                 <a:sym typeface="Arial"/>
               </a:defRPr>
             </a:lvl8pPr>
-            <a:lvl9pPr indent="0" lvl="8" marL="0" marR="0" rtl="0" algn="r">
+            <a:lvl9pPr indent="0" lvl="8" marL="0" marR="0" algn="r">
               <a:lnSpc>
                 <a:spcPct val="100000"/>
               </a:lnSpc>
@@ -6871,7 +7234,7 @@
             <a:normAutofit/>
           </a:bodyPr>
           <a:lstStyle>
-            <a:lvl1pPr lvl="0" rtl="0" algn="l">
+            <a:lvl1pPr lvl="0" algn="l">
               <a:lnSpc>
                 <a:spcPct val="100000"/>
               </a:lnSpc>
@@ -6885,7 +7248,7 @@
               <a:buNone/>
               <a:defRPr sz="4800"/>
             </a:lvl1pPr>
-            <a:lvl2pPr lvl="1" rtl="0" algn="l">
+            <a:lvl2pPr lvl="1" algn="l">
               <a:lnSpc>
                 <a:spcPct val="100000"/>
               </a:lnSpc>
@@ -6899,7 +7262,7 @@
               <a:buNone/>
               <a:defRPr sz="4800"/>
             </a:lvl2pPr>
-            <a:lvl3pPr lvl="2" rtl="0" algn="l">
+            <a:lvl3pPr lvl="2" algn="l">
               <a:lnSpc>
                 <a:spcPct val="100000"/>
               </a:lnSpc>
@@ -6913,7 +7276,7 @@
               <a:buNone/>
               <a:defRPr sz="4800"/>
             </a:lvl3pPr>
-            <a:lvl4pPr lvl="3" rtl="0" algn="l">
+            <a:lvl4pPr lvl="3" algn="l">
               <a:lnSpc>
                 <a:spcPct val="100000"/>
               </a:lnSpc>
@@ -6927,7 +7290,7 @@
               <a:buNone/>
               <a:defRPr sz="4800"/>
             </a:lvl4pPr>
-            <a:lvl5pPr lvl="4" rtl="0" algn="l">
+            <a:lvl5pPr lvl="4" algn="l">
               <a:lnSpc>
                 <a:spcPct val="100000"/>
               </a:lnSpc>
@@ -6941,7 +7304,7 @@
               <a:buNone/>
               <a:defRPr sz="4800"/>
             </a:lvl5pPr>
-            <a:lvl6pPr lvl="5" rtl="0" algn="l">
+            <a:lvl6pPr lvl="5" algn="l">
               <a:lnSpc>
                 <a:spcPct val="100000"/>
               </a:lnSpc>
@@ -6955,7 +7318,7 @@
               <a:buNone/>
               <a:defRPr sz="4800"/>
             </a:lvl6pPr>
-            <a:lvl7pPr lvl="6" rtl="0" algn="l">
+            <a:lvl7pPr lvl="6" algn="l">
               <a:lnSpc>
                 <a:spcPct val="100000"/>
               </a:lnSpc>
@@ -6969,7 +7332,7 @@
               <a:buNone/>
               <a:defRPr sz="4800"/>
             </a:lvl7pPr>
-            <a:lvl8pPr lvl="7" rtl="0" algn="l">
+            <a:lvl8pPr lvl="7" algn="l">
               <a:lnSpc>
                 <a:spcPct val="100000"/>
               </a:lnSpc>
@@ -6983,7 +7346,7 @@
               <a:buNone/>
               <a:defRPr sz="4800"/>
             </a:lvl8pPr>
-            <a:lvl9pPr lvl="8" rtl="0" algn="l">
+            <a:lvl9pPr lvl="8" algn="l">
               <a:lnSpc>
                 <a:spcPct val="100000"/>
               </a:lnSpc>
@@ -7027,7 +7390,7 @@
             <a:normAutofit/>
           </a:bodyPr>
           <a:lstStyle>
-            <a:lvl1pPr indent="0" lvl="0" marL="0" marR="0" rtl="0" algn="r">
+            <a:lvl1pPr indent="0" lvl="0" marL="0" marR="0" algn="r">
               <a:lnSpc>
                 <a:spcPct val="100000"/>
               </a:lnSpc>
@@ -7053,7 +7416,7 @@
                 <a:sym typeface="Arial"/>
               </a:defRPr>
             </a:lvl1pPr>
-            <a:lvl2pPr indent="0" lvl="1" marL="0" marR="0" rtl="0" algn="r">
+            <a:lvl2pPr indent="0" lvl="1" marL="0" marR="0" algn="r">
               <a:lnSpc>
                 <a:spcPct val="100000"/>
               </a:lnSpc>
@@ -7079,7 +7442,7 @@
                 <a:sym typeface="Arial"/>
               </a:defRPr>
             </a:lvl2pPr>
-            <a:lvl3pPr indent="0" lvl="2" marL="0" marR="0" rtl="0" algn="r">
+            <a:lvl3pPr indent="0" lvl="2" marL="0" marR="0" algn="r">
               <a:lnSpc>
                 <a:spcPct val="100000"/>
               </a:lnSpc>
@@ -7105,7 +7468,7 @@
                 <a:sym typeface="Arial"/>
               </a:defRPr>
             </a:lvl3pPr>
-            <a:lvl4pPr indent="0" lvl="3" marL="0" marR="0" rtl="0" algn="r">
+            <a:lvl4pPr indent="0" lvl="3" marL="0" marR="0" algn="r">
               <a:lnSpc>
                 <a:spcPct val="100000"/>
               </a:lnSpc>
@@ -7131,7 +7494,7 @@
                 <a:sym typeface="Arial"/>
               </a:defRPr>
             </a:lvl4pPr>
-            <a:lvl5pPr indent="0" lvl="4" marL="0" marR="0" rtl="0" algn="r">
+            <a:lvl5pPr indent="0" lvl="4" marL="0" marR="0" algn="r">
               <a:lnSpc>
                 <a:spcPct val="100000"/>
               </a:lnSpc>
@@ -7157,7 +7520,7 @@
                 <a:sym typeface="Arial"/>
               </a:defRPr>
             </a:lvl5pPr>
-            <a:lvl6pPr indent="0" lvl="5" marL="0" marR="0" rtl="0" algn="r">
+            <a:lvl6pPr indent="0" lvl="5" marL="0" marR="0" algn="r">
               <a:lnSpc>
                 <a:spcPct val="100000"/>
               </a:lnSpc>
@@ -7183,7 +7546,7 @@
                 <a:sym typeface="Arial"/>
               </a:defRPr>
             </a:lvl6pPr>
-            <a:lvl7pPr indent="0" lvl="6" marL="0" marR="0" rtl="0" algn="r">
+            <a:lvl7pPr indent="0" lvl="6" marL="0" marR="0" algn="r">
               <a:lnSpc>
                 <a:spcPct val="100000"/>
               </a:lnSpc>
@@ -7209,7 +7572,7 @@
                 <a:sym typeface="Arial"/>
               </a:defRPr>
             </a:lvl7pPr>
-            <a:lvl8pPr indent="0" lvl="7" marL="0" marR="0" rtl="0" algn="r">
+            <a:lvl8pPr indent="0" lvl="7" marL="0" marR="0" algn="r">
               <a:lnSpc>
                 <a:spcPct val="100000"/>
               </a:lnSpc>
@@ -7235,7 +7598,7 @@
                 <a:sym typeface="Arial"/>
               </a:defRPr>
             </a:lvl8pPr>
-            <a:lvl9pPr indent="0" lvl="8" marL="0" marR="0" rtl="0" algn="r">
+            <a:lvl9pPr indent="0" lvl="8" marL="0" marR="0" algn="r">
               <a:lnSpc>
                 <a:spcPct val="100000"/>
               </a:lnSpc>
@@ -7390,7 +7753,7 @@
             <a:normAutofit/>
           </a:bodyPr>
           <a:lstStyle>
-            <a:lvl1pPr lvl="0" rtl="0" algn="ctr">
+            <a:lvl1pPr lvl="0" algn="ctr">
               <a:lnSpc>
                 <a:spcPct val="100000"/>
               </a:lnSpc>
@@ -7404,7 +7767,7 @@
               <a:buNone/>
               <a:defRPr sz="4200"/>
             </a:lvl1pPr>
-            <a:lvl2pPr lvl="1" rtl="0" algn="ctr">
+            <a:lvl2pPr lvl="1" algn="ctr">
               <a:lnSpc>
                 <a:spcPct val="100000"/>
               </a:lnSpc>
@@ -7418,7 +7781,7 @@
               <a:buNone/>
               <a:defRPr sz="4200"/>
             </a:lvl2pPr>
-            <a:lvl3pPr lvl="2" rtl="0" algn="ctr">
+            <a:lvl3pPr lvl="2" algn="ctr">
               <a:lnSpc>
                 <a:spcPct val="100000"/>
               </a:lnSpc>
@@ -7432,7 +7795,7 @@
               <a:buNone/>
               <a:defRPr sz="4200"/>
             </a:lvl3pPr>
-            <a:lvl4pPr lvl="3" rtl="0" algn="ctr">
+            <a:lvl4pPr lvl="3" algn="ctr">
               <a:lnSpc>
                 <a:spcPct val="100000"/>
               </a:lnSpc>
@@ -7446,7 +7809,7 @@
               <a:buNone/>
               <a:defRPr sz="4200"/>
             </a:lvl4pPr>
-            <a:lvl5pPr lvl="4" rtl="0" algn="ctr">
+            <a:lvl5pPr lvl="4" algn="ctr">
               <a:lnSpc>
                 <a:spcPct val="100000"/>
               </a:lnSpc>
@@ -7460,7 +7823,7 @@
               <a:buNone/>
               <a:defRPr sz="4200"/>
             </a:lvl5pPr>
-            <a:lvl6pPr lvl="5" rtl="0" algn="ctr">
+            <a:lvl6pPr lvl="5" algn="ctr">
               <a:lnSpc>
                 <a:spcPct val="100000"/>
               </a:lnSpc>
@@ -7474,7 +7837,7 @@
               <a:buNone/>
               <a:defRPr sz="4200"/>
             </a:lvl6pPr>
-            <a:lvl7pPr lvl="6" rtl="0" algn="ctr">
+            <a:lvl7pPr lvl="6" algn="ctr">
               <a:lnSpc>
                 <a:spcPct val="100000"/>
               </a:lnSpc>
@@ -7488,7 +7851,7 @@
               <a:buNone/>
               <a:defRPr sz="4200"/>
             </a:lvl7pPr>
-            <a:lvl8pPr lvl="7" rtl="0" algn="ctr">
+            <a:lvl8pPr lvl="7" algn="ctr">
               <a:lnSpc>
                 <a:spcPct val="100000"/>
               </a:lnSpc>
@@ -7502,7 +7865,7 @@
               <a:buNone/>
               <a:defRPr sz="4200"/>
             </a:lvl8pPr>
-            <a:lvl9pPr lvl="8" rtl="0" algn="ctr">
+            <a:lvl9pPr lvl="8" algn="ctr">
               <a:lnSpc>
                 <a:spcPct val="100000"/>
               </a:lnSpc>
@@ -7546,7 +7909,7 @@
             <a:normAutofit/>
           </a:bodyPr>
           <a:lstStyle>
-            <a:lvl1pPr lvl="0" rtl="0" algn="ctr">
+            <a:lvl1pPr lvl="0" algn="ctr">
               <a:lnSpc>
                 <a:spcPct val="100000"/>
               </a:lnSpc>
@@ -7560,7 +7923,7 @@
               <a:buNone/>
               <a:defRPr sz="2100"/>
             </a:lvl1pPr>
-            <a:lvl2pPr lvl="1" rtl="0" algn="ctr">
+            <a:lvl2pPr lvl="1" algn="ctr">
               <a:lnSpc>
                 <a:spcPct val="100000"/>
               </a:lnSpc>
@@ -7574,7 +7937,7 @@
               <a:buNone/>
               <a:defRPr sz="2100"/>
             </a:lvl2pPr>
-            <a:lvl3pPr lvl="2" rtl="0" algn="ctr">
+            <a:lvl3pPr lvl="2" algn="ctr">
               <a:lnSpc>
                 <a:spcPct val="100000"/>
               </a:lnSpc>
@@ -7588,7 +7951,7 @@
               <a:buNone/>
               <a:defRPr sz="2100"/>
             </a:lvl3pPr>
-            <a:lvl4pPr lvl="3" rtl="0" algn="ctr">
+            <a:lvl4pPr lvl="3" algn="ctr">
               <a:lnSpc>
                 <a:spcPct val="100000"/>
               </a:lnSpc>
@@ -7602,7 +7965,7 @@
               <a:buNone/>
               <a:defRPr sz="2100"/>
             </a:lvl4pPr>
-            <a:lvl5pPr lvl="4" rtl="0" algn="ctr">
+            <a:lvl5pPr lvl="4" algn="ctr">
               <a:lnSpc>
                 <a:spcPct val="100000"/>
               </a:lnSpc>
@@ -7616,7 +7979,7 @@
               <a:buNone/>
               <a:defRPr sz="2100"/>
             </a:lvl5pPr>
-            <a:lvl6pPr lvl="5" rtl="0" algn="ctr">
+            <a:lvl6pPr lvl="5" algn="ctr">
               <a:lnSpc>
                 <a:spcPct val="100000"/>
               </a:lnSpc>
@@ -7630,7 +7993,7 @@
               <a:buNone/>
               <a:defRPr sz="2100"/>
             </a:lvl6pPr>
-            <a:lvl7pPr lvl="6" rtl="0" algn="ctr">
+            <a:lvl7pPr lvl="6" algn="ctr">
               <a:lnSpc>
                 <a:spcPct val="100000"/>
               </a:lnSpc>
@@ -7644,7 +8007,7 @@
               <a:buNone/>
               <a:defRPr sz="2100"/>
             </a:lvl7pPr>
-            <a:lvl8pPr lvl="7" rtl="0" algn="ctr">
+            <a:lvl8pPr lvl="7" algn="ctr">
               <a:lnSpc>
                 <a:spcPct val="100000"/>
               </a:lnSpc>
@@ -7658,7 +8021,7 @@
               <a:buNone/>
               <a:defRPr sz="2100"/>
             </a:lvl8pPr>
-            <a:lvl9pPr lvl="8" rtl="0" algn="ctr">
+            <a:lvl9pPr lvl="8" algn="ctr">
               <a:lnSpc>
                 <a:spcPct val="100000"/>
               </a:lnSpc>
@@ -7702,7 +8065,7 @@
             <a:normAutofit/>
           </a:bodyPr>
           <a:lstStyle>
-            <a:lvl1pPr indent="-342900" lvl="0" marL="457200" rtl="0" algn="l">
+            <a:lvl1pPr indent="-342900" lvl="0" marL="457200" algn="l">
               <a:lnSpc>
                 <a:spcPct val="115000"/>
               </a:lnSpc>
@@ -7716,7 +8079,7 @@
               <a:buChar char="●"/>
               <a:defRPr/>
             </a:lvl1pPr>
-            <a:lvl2pPr indent="-317500" lvl="1" marL="914400" rtl="0" algn="l">
+            <a:lvl2pPr indent="-317500" lvl="1" marL="914400" algn="l">
               <a:lnSpc>
                 <a:spcPct val="115000"/>
               </a:lnSpc>
@@ -7730,7 +8093,7 @@
               <a:buChar char="○"/>
               <a:defRPr/>
             </a:lvl2pPr>
-            <a:lvl3pPr indent="-317500" lvl="2" marL="1371600" rtl="0" algn="l">
+            <a:lvl3pPr indent="-317500" lvl="2" marL="1371600" algn="l">
               <a:lnSpc>
                 <a:spcPct val="115000"/>
               </a:lnSpc>
@@ -7744,7 +8107,7 @@
               <a:buChar char="■"/>
               <a:defRPr/>
             </a:lvl3pPr>
-            <a:lvl4pPr indent="-317500" lvl="3" marL="1828800" rtl="0" algn="l">
+            <a:lvl4pPr indent="-317500" lvl="3" marL="1828800" algn="l">
               <a:lnSpc>
                 <a:spcPct val="115000"/>
               </a:lnSpc>
@@ -7758,7 +8121,7 @@
               <a:buChar char="●"/>
               <a:defRPr/>
             </a:lvl4pPr>
-            <a:lvl5pPr indent="-317500" lvl="4" marL="2286000" rtl="0" algn="l">
+            <a:lvl5pPr indent="-317500" lvl="4" marL="2286000" algn="l">
               <a:lnSpc>
                 <a:spcPct val="115000"/>
               </a:lnSpc>
@@ -7772,7 +8135,7 @@
               <a:buChar char="○"/>
               <a:defRPr/>
             </a:lvl5pPr>
-            <a:lvl6pPr indent="-317500" lvl="5" marL="2743200" rtl="0" algn="l">
+            <a:lvl6pPr indent="-317500" lvl="5" marL="2743200" algn="l">
               <a:lnSpc>
                 <a:spcPct val="115000"/>
               </a:lnSpc>
@@ -7786,7 +8149,7 @@
               <a:buChar char="■"/>
               <a:defRPr/>
             </a:lvl6pPr>
-            <a:lvl7pPr indent="-317500" lvl="6" marL="3200400" rtl="0" algn="l">
+            <a:lvl7pPr indent="-317500" lvl="6" marL="3200400" algn="l">
               <a:lnSpc>
                 <a:spcPct val="115000"/>
               </a:lnSpc>
@@ -7800,7 +8163,7 @@
               <a:buChar char="●"/>
               <a:defRPr/>
             </a:lvl7pPr>
-            <a:lvl8pPr indent="-317500" lvl="7" marL="3657600" rtl="0" algn="l">
+            <a:lvl8pPr indent="-317500" lvl="7" marL="3657600" algn="l">
               <a:lnSpc>
                 <a:spcPct val="115000"/>
               </a:lnSpc>
@@ -7814,7 +8177,7 @@
               <a:buChar char="○"/>
               <a:defRPr/>
             </a:lvl8pPr>
-            <a:lvl9pPr indent="-317500" lvl="8" marL="4114800" rtl="0" algn="l">
+            <a:lvl9pPr indent="-317500" lvl="8" marL="4114800" algn="l">
               <a:lnSpc>
                 <a:spcPct val="115000"/>
               </a:lnSpc>
@@ -7858,7 +8221,7 @@
             <a:normAutofit/>
           </a:bodyPr>
           <a:lstStyle>
-            <a:lvl1pPr indent="0" lvl="0" marL="0" marR="0" rtl="0" algn="r">
+            <a:lvl1pPr indent="0" lvl="0" marL="0" marR="0" algn="r">
               <a:lnSpc>
                 <a:spcPct val="100000"/>
               </a:lnSpc>
@@ -7884,7 +8247,7 @@
                 <a:sym typeface="Arial"/>
               </a:defRPr>
             </a:lvl1pPr>
-            <a:lvl2pPr indent="0" lvl="1" marL="0" marR="0" rtl="0" algn="r">
+            <a:lvl2pPr indent="0" lvl="1" marL="0" marR="0" algn="r">
               <a:lnSpc>
                 <a:spcPct val="100000"/>
               </a:lnSpc>
@@ -7910,7 +8273,7 @@
                 <a:sym typeface="Arial"/>
               </a:defRPr>
             </a:lvl2pPr>
-            <a:lvl3pPr indent="0" lvl="2" marL="0" marR="0" rtl="0" algn="r">
+            <a:lvl3pPr indent="0" lvl="2" marL="0" marR="0" algn="r">
               <a:lnSpc>
                 <a:spcPct val="100000"/>
               </a:lnSpc>
@@ -7936,7 +8299,7 @@
                 <a:sym typeface="Arial"/>
               </a:defRPr>
             </a:lvl3pPr>
-            <a:lvl4pPr indent="0" lvl="3" marL="0" marR="0" rtl="0" algn="r">
+            <a:lvl4pPr indent="0" lvl="3" marL="0" marR="0" algn="r">
               <a:lnSpc>
                 <a:spcPct val="100000"/>
               </a:lnSpc>
@@ -7962,7 +8325,7 @@
                 <a:sym typeface="Arial"/>
               </a:defRPr>
             </a:lvl4pPr>
-            <a:lvl5pPr indent="0" lvl="4" marL="0" marR="0" rtl="0" algn="r">
+            <a:lvl5pPr indent="0" lvl="4" marL="0" marR="0" algn="r">
               <a:lnSpc>
                 <a:spcPct val="100000"/>
               </a:lnSpc>
@@ -7988,7 +8351,7 @@
                 <a:sym typeface="Arial"/>
               </a:defRPr>
             </a:lvl5pPr>
-            <a:lvl6pPr indent="0" lvl="5" marL="0" marR="0" rtl="0" algn="r">
+            <a:lvl6pPr indent="0" lvl="5" marL="0" marR="0" algn="r">
               <a:lnSpc>
                 <a:spcPct val="100000"/>
               </a:lnSpc>
@@ -8014,7 +8377,7 @@
                 <a:sym typeface="Arial"/>
               </a:defRPr>
             </a:lvl6pPr>
-            <a:lvl7pPr indent="0" lvl="6" marL="0" marR="0" rtl="0" algn="r">
+            <a:lvl7pPr indent="0" lvl="6" marL="0" marR="0" algn="r">
               <a:lnSpc>
                 <a:spcPct val="100000"/>
               </a:lnSpc>
@@ -8040,7 +8403,7 @@
                 <a:sym typeface="Arial"/>
               </a:defRPr>
             </a:lvl7pPr>
-            <a:lvl8pPr indent="0" lvl="7" marL="0" marR="0" rtl="0" algn="r">
+            <a:lvl8pPr indent="0" lvl="7" marL="0" marR="0" algn="r">
               <a:lnSpc>
                 <a:spcPct val="100000"/>
               </a:lnSpc>
@@ -8066,7 +8429,7 @@
                 <a:sym typeface="Arial"/>
               </a:defRPr>
             </a:lvl8pPr>
-            <a:lvl9pPr indent="0" lvl="8" marL="0" marR="0" rtl="0" algn="r">
+            <a:lvl9pPr indent="0" lvl="8" marL="0" marR="0" algn="r">
               <a:lnSpc>
                 <a:spcPct val="100000"/>
               </a:lnSpc>
@@ -8162,7 +8525,7 @@
             <a:normAutofit/>
           </a:bodyPr>
           <a:lstStyle>
-            <a:lvl1pPr indent="-228600" lvl="0" marL="457200" rtl="0" algn="l">
+            <a:lvl1pPr indent="-228600" lvl="0" marL="457200" algn="l">
               <a:lnSpc>
                 <a:spcPct val="100000"/>
               </a:lnSpc>
@@ -8206,7 +8569,7 @@
             <a:normAutofit/>
           </a:bodyPr>
           <a:lstStyle>
-            <a:lvl1pPr indent="0" lvl="0" marL="0" marR="0" rtl="0" algn="r">
+            <a:lvl1pPr indent="0" lvl="0" marL="0" marR="0" algn="r">
               <a:lnSpc>
                 <a:spcPct val="100000"/>
               </a:lnSpc>
@@ -8232,7 +8595,7 @@
                 <a:sym typeface="Arial"/>
               </a:defRPr>
             </a:lvl1pPr>
-            <a:lvl2pPr indent="0" lvl="1" marL="0" marR="0" rtl="0" algn="r">
+            <a:lvl2pPr indent="0" lvl="1" marL="0" marR="0" algn="r">
               <a:lnSpc>
                 <a:spcPct val="100000"/>
               </a:lnSpc>
@@ -8258,7 +8621,7 @@
                 <a:sym typeface="Arial"/>
               </a:defRPr>
             </a:lvl2pPr>
-            <a:lvl3pPr indent="0" lvl="2" marL="0" marR="0" rtl="0" algn="r">
+            <a:lvl3pPr indent="0" lvl="2" marL="0" marR="0" algn="r">
               <a:lnSpc>
                 <a:spcPct val="100000"/>
               </a:lnSpc>
@@ -8284,7 +8647,7 @@
                 <a:sym typeface="Arial"/>
               </a:defRPr>
             </a:lvl3pPr>
-            <a:lvl4pPr indent="0" lvl="3" marL="0" marR="0" rtl="0" algn="r">
+            <a:lvl4pPr indent="0" lvl="3" marL="0" marR="0" algn="r">
               <a:lnSpc>
                 <a:spcPct val="100000"/>
               </a:lnSpc>
@@ -8310,7 +8673,7 @@
                 <a:sym typeface="Arial"/>
               </a:defRPr>
             </a:lvl4pPr>
-            <a:lvl5pPr indent="0" lvl="4" marL="0" marR="0" rtl="0" algn="r">
+            <a:lvl5pPr indent="0" lvl="4" marL="0" marR="0" algn="r">
               <a:lnSpc>
                 <a:spcPct val="100000"/>
               </a:lnSpc>
@@ -8336,7 +8699,7 @@
                 <a:sym typeface="Arial"/>
               </a:defRPr>
             </a:lvl5pPr>
-            <a:lvl6pPr indent="0" lvl="5" marL="0" marR="0" rtl="0" algn="r">
+            <a:lvl6pPr indent="0" lvl="5" marL="0" marR="0" algn="r">
               <a:lnSpc>
                 <a:spcPct val="100000"/>
               </a:lnSpc>
@@ -8362,7 +8725,7 @@
                 <a:sym typeface="Arial"/>
               </a:defRPr>
             </a:lvl6pPr>
-            <a:lvl7pPr indent="0" lvl="6" marL="0" marR="0" rtl="0" algn="r">
+            <a:lvl7pPr indent="0" lvl="6" marL="0" marR="0" algn="r">
               <a:lnSpc>
                 <a:spcPct val="100000"/>
               </a:lnSpc>
@@ -8388,7 +8751,7 @@
                 <a:sym typeface="Arial"/>
               </a:defRPr>
             </a:lvl7pPr>
-            <a:lvl8pPr indent="0" lvl="7" marL="0" marR="0" rtl="0" algn="r">
+            <a:lvl8pPr indent="0" lvl="7" marL="0" marR="0" algn="r">
               <a:lnSpc>
                 <a:spcPct val="100000"/>
               </a:lnSpc>
@@ -8414,7 +8777,7 @@
                 <a:sym typeface="Arial"/>
               </a:defRPr>
             </a:lvl8pPr>
-            <a:lvl9pPr indent="0" lvl="8" marL="0" marR="0" rtl="0" algn="r">
+            <a:lvl9pPr indent="0" lvl="8" marL="0" marR="0" algn="r">
               <a:lnSpc>
                 <a:spcPct val="100000"/>
               </a:lnSpc>
@@ -10074,7 +10437,7 @@
               <a:buNone/>
             </a:pPr>
             <a:r>
-              <a:rPr b="1" lang="en" sz="2600">
+              <a:rPr b="1" i="0" lang="en" sz="2600" u="none" cap="none" strike="noStrike">
                 <a:solidFill>
                   <a:srgbClr val="FFFFFF"/>
                 </a:solidFill>
@@ -10083,7 +10446,7 @@
                 <a:cs typeface="Verdana"/>
                 <a:sym typeface="Verdana"/>
               </a:rPr>
-              <a:t>Identification of Artificially Generated Images</a:t>
+              <a:t>Identification of Artificially Generated Images using CNN</a:t>
             </a:r>
             <a:endParaRPr b="1" i="0" sz="2600" u="none" cap="none" strike="noStrike">
               <a:solidFill>
@@ -10105,8 +10468,8 @@
         </p:nvSpPr>
         <p:spPr>
           <a:xfrm>
-            <a:off x="1778925" y="235913"/>
-            <a:ext cx="7244700" cy="1608900"/>
+            <a:off x="1778925" y="338974"/>
+            <a:ext cx="7244700" cy="1506000"/>
           </a:xfrm>
           <a:prstGeom prst="rect">
             <a:avLst/>
@@ -10225,7 +10588,7 @@
             <a:avLst/>
           </a:prstGeom>
           <a:noFill/>
-          <a:ln cap="flat" cmpd="sng" w="19050">
+          <a:ln cap="flat" cmpd="sng" w="9525">
             <a:solidFill>
               <a:srgbClr val="00FF00"/>
             </a:solidFill>
@@ -10288,7 +10651,7 @@
                 <a:cs typeface="Trebuchet MS"/>
                 <a:sym typeface="Trebuchet MS"/>
               </a:rPr>
-              <a:t>Group Members:</a:t>
+              <a:t>Submitted by:</a:t>
             </a:r>
             <a:endParaRPr b="1" i="1" sz="1500" u="none" cap="none" strike="noStrike">
               <a:solidFill>
@@ -10319,7 +10682,7 @@
               <a:buNone/>
             </a:pPr>
             <a:r>
-              <a:rPr b="1" i="1" lang="en" sz="1500">
+              <a:rPr b="1" i="1" lang="en" sz="1500" u="none" cap="none" strike="noStrike">
                 <a:solidFill>
                   <a:schemeClr val="lt1"/>
                 </a:solidFill>
@@ -10328,9 +10691,21 @@
                 <a:cs typeface="Trebuchet MS"/>
                 <a:sym typeface="Trebuchet MS"/>
               </a:rPr>
-              <a:t>Rohit Choudhury (IIT2020043)</a:t>
+              <a:t>S</a:t>
             </a:r>
-            <a:endParaRPr b="1" i="1" sz="1500">
+            <a:r>
+              <a:rPr b="1" i="1" lang="en" sz="1500">
+                <a:solidFill>
+                  <a:schemeClr val="lt1"/>
+                </a:solidFill>
+                <a:latin typeface="Trebuchet MS"/>
+                <a:ea typeface="Trebuchet MS"/>
+                <a:cs typeface="Trebuchet MS"/>
+                <a:sym typeface="Trebuchet MS"/>
+              </a:rPr>
+              <a:t>hubham Kumar Bhokta</a:t>
+            </a:r>
+            <a:endParaRPr b="1" i="1" sz="1500" u="none" cap="none" strike="noStrike">
               <a:solidFill>
                 <a:schemeClr val="lt1"/>
               </a:solidFill>
@@ -10368,91 +10743,11 @@
                 <a:cs typeface="Trebuchet MS"/>
                 <a:sym typeface="Trebuchet MS"/>
               </a:rPr>
-              <a:t>Mohit Kumar (IIT2020220)</a:t>
-            </a:r>
-            <a:endParaRPr b="1" i="1" sz="1500">
-              <a:solidFill>
-                <a:schemeClr val="lt1"/>
-              </a:solidFill>
-              <a:latin typeface="Trebuchet MS"/>
-              <a:ea typeface="Trebuchet MS"/>
-              <a:cs typeface="Trebuchet MS"/>
-              <a:sym typeface="Trebuchet MS"/>
-            </a:endParaRPr>
-          </a:p>
-          <a:p>
-            <a:pPr indent="0" lvl="0" marL="0" marR="0" rtl="0" algn="l">
-              <a:lnSpc>
-                <a:spcPct val="100000"/>
-              </a:lnSpc>
-              <a:spcBef>
-                <a:spcPts val="400"/>
-              </a:spcBef>
-              <a:spcAft>
-                <a:spcPts val="0"/>
-              </a:spcAft>
-              <a:buClr>
-                <a:srgbClr val="000000"/>
-              </a:buClr>
-              <a:buSzPts val="1500"/>
-              <a:buFont typeface="Arial"/>
-              <a:buNone/>
-            </a:pPr>
-            <a:r>
-              <a:rPr b="1" i="1" lang="en" sz="1500">
-                <a:solidFill>
-                  <a:schemeClr val="lt1"/>
-                </a:solidFill>
-                <a:latin typeface="Trebuchet MS"/>
-                <a:ea typeface="Trebuchet MS"/>
-                <a:cs typeface="Trebuchet MS"/>
-                <a:sym typeface="Trebuchet MS"/>
-              </a:rPr>
-              <a:t>Shashikant Thakur (IIT2020024)</a:t>
-            </a:r>
-            <a:endParaRPr b="1" i="1" sz="1500">
-              <a:solidFill>
-                <a:schemeClr val="lt1"/>
-              </a:solidFill>
-              <a:latin typeface="Trebuchet MS"/>
-              <a:ea typeface="Trebuchet MS"/>
-              <a:cs typeface="Trebuchet MS"/>
-              <a:sym typeface="Trebuchet MS"/>
-            </a:endParaRPr>
-          </a:p>
-          <a:p>
-            <a:pPr indent="0" lvl="0" marL="0" marR="1057275" rtl="0" algn="l">
-              <a:lnSpc>
-                <a:spcPct val="114999"/>
-              </a:lnSpc>
-              <a:spcBef>
-                <a:spcPts val="0"/>
-              </a:spcBef>
-              <a:spcAft>
-                <a:spcPts val="0"/>
-              </a:spcAft>
-              <a:buClr>
-                <a:srgbClr val="000000"/>
-              </a:buClr>
-              <a:buSzPts val="1500"/>
-              <a:buFont typeface="Arial"/>
-              <a:buNone/>
-            </a:pPr>
-            <a:r>
-              <a:rPr b="1" i="1" lang="en" sz="1500" u="none" cap="none" strike="noStrike">
-                <a:solidFill>
-                  <a:srgbClr val="FFFFFF"/>
-                </a:solidFill>
-                <a:latin typeface="Trebuchet MS"/>
-                <a:ea typeface="Trebuchet MS"/>
-                <a:cs typeface="Trebuchet MS"/>
-                <a:sym typeface="Trebuchet MS"/>
-              </a:rPr>
-              <a:t>Shubham Kumar (IIT2020007)  Rahul Mahto (IIT2020022)</a:t>
+              <a:t>IIT2020007</a:t>
             </a:r>
             <a:endParaRPr b="1" i="1" sz="1500" u="none" cap="none" strike="noStrike">
               <a:solidFill>
-                <a:srgbClr val="FFFFFF"/>
+                <a:schemeClr val="lt1"/>
               </a:solidFill>
               <a:latin typeface="Trebuchet MS"/>
               <a:ea typeface="Trebuchet MS"/>
@@ -10545,12 +10840,24 @@
               <a:buNone/>
             </a:pPr>
             <a:r>
+              <a:rPr b="1" i="1" lang="en" sz="1500" u="none" cap="none" strike="noStrike">
+                <a:solidFill>
+                  <a:schemeClr val="lt1"/>
+                </a:solidFill>
+                <a:latin typeface="Arial"/>
+                <a:ea typeface="Arial"/>
+                <a:cs typeface="Arial"/>
+                <a:sym typeface="Arial"/>
+              </a:rPr>
+              <a:t>       </a:t>
+            </a:r>
+            <a:r>
               <a:rPr b="1" i="1" lang="en" sz="1500">
                 <a:solidFill>
                   <a:schemeClr val="lt1"/>
                 </a:solidFill>
               </a:rPr>
-              <a:t>Prof. Shiv Ram Dubey</a:t>
+              <a:t>Dr. Shiv Ram Dubey</a:t>
             </a:r>
             <a:endParaRPr b="1" i="1" sz="1500" u="none" cap="none" strike="noStrike">
               <a:solidFill>
@@ -10622,7 +10929,636 @@
       </p:grpSpPr>
       <p:sp>
         <p:nvSpPr>
-          <p:cNvPr id="116" name="Google Shape;116;g2622dd681ea_1_5"/>
+          <p:cNvPr id="116" name="Google Shape;116;g2622dd681ea_0_17"/>
+          <p:cNvSpPr txBox="1"/>
+          <p:nvPr>
+            <p:ph type="title"/>
+          </p:nvPr>
+        </p:nvSpPr>
+        <p:spPr>
+          <a:xfrm>
+            <a:off x="1268100" y="206050"/>
+            <a:ext cx="6607800" cy="572700"/>
+          </a:xfrm>
+          <a:prstGeom prst="rect">
+            <a:avLst/>
+          </a:prstGeom>
+          <a:noFill/>
+          <a:ln>
+            <a:noFill/>
+          </a:ln>
+        </p:spPr>
+        <p:txBody>
+          <a:bodyPr anchorCtr="0" anchor="ctr" bIns="91425" lIns="91425" spcFirstLastPara="1" rIns="91425" wrap="square" tIns="91425">
+            <a:noAutofit/>
+          </a:bodyPr>
+          <a:lstStyle/>
+          <a:p>
+            <a:pPr indent="0" lvl="0" marL="0" rtl="0" algn="ctr">
+              <a:lnSpc>
+                <a:spcPct val="100000"/>
+              </a:lnSpc>
+              <a:spcBef>
+                <a:spcPts val="0"/>
+              </a:spcBef>
+              <a:spcAft>
+                <a:spcPts val="0"/>
+              </a:spcAft>
+              <a:buClr>
+                <a:schemeClr val="dk1"/>
+              </a:buClr>
+              <a:buSzPts val="1100"/>
+              <a:buFont typeface="Arial"/>
+              <a:buNone/>
+            </a:pPr>
+            <a:r>
+              <a:rPr b="1" lang="en" sz="3000">
+                <a:solidFill>
+                  <a:srgbClr val="00D9FD"/>
+                </a:solidFill>
+                <a:latin typeface="Verdana"/>
+                <a:ea typeface="Verdana"/>
+                <a:cs typeface="Verdana"/>
+                <a:sym typeface="Verdana"/>
+              </a:rPr>
+              <a:t>Results and Analysis</a:t>
+            </a:r>
+            <a:endParaRPr b="1" sz="3000">
+              <a:solidFill>
+                <a:srgbClr val="00D9FD"/>
+              </a:solidFill>
+              <a:latin typeface="Verdana"/>
+              <a:ea typeface="Verdana"/>
+              <a:cs typeface="Verdana"/>
+              <a:sym typeface="Verdana"/>
+            </a:endParaRPr>
+          </a:p>
+        </p:txBody>
+      </p:sp>
+      <p:pic>
+        <p:nvPicPr>
+          <p:cNvPr id="117" name="Google Shape;117;g2622dd681ea_0_17"/>
+          <p:cNvPicPr preferRelativeResize="0"/>
+          <p:nvPr/>
+        </p:nvPicPr>
+        <p:blipFill rotWithShape="1">
+          <a:blip r:embed="rId3">
+            <a:alphaModFix/>
+          </a:blip>
+          <a:srcRect b="0" l="0" r="0" t="34789"/>
+          <a:stretch/>
+        </p:blipFill>
+        <p:spPr>
+          <a:xfrm>
+            <a:off x="1025788" y="1094160"/>
+            <a:ext cx="7092425" cy="2955183"/>
+          </a:xfrm>
+          <a:prstGeom prst="rect">
+            <a:avLst/>
+          </a:prstGeom>
+          <a:noFill/>
+          <a:ln>
+            <a:noFill/>
+          </a:ln>
+        </p:spPr>
+      </p:pic>
+    </p:spTree>
+  </p:cSld>
+  <p:clrMapOvr>
+    <a:masterClrMapping/>
+  </p:clrMapOvr>
+</p:sld>
+</file>
+
+<file path=ppt/slides/slide11.xml><?xml version="1.0" encoding="utf-8"?>
+<p:sld xmlns:a="http://schemas.openxmlformats.org/drawingml/2006/main" xmlns:r="http://schemas.openxmlformats.org/officeDocument/2006/relationships" xmlns:mc="http://schemas.openxmlformats.org/markup-compatibility/2006" xmlns:mv="urn:schemas-microsoft-com:mac:vml" xmlns:p="http://schemas.openxmlformats.org/presentationml/2006/main" xmlns:c="http://schemas.openxmlformats.org/drawingml/2006/chart" xmlns:dgm="http://schemas.openxmlformats.org/drawingml/2006/diagram" xmlns:o="urn:schemas-microsoft-com:office:office" xmlns:v="urn:schemas-microsoft-com:vml" xmlns:pvml="urn:schemas-microsoft-com:office:powerpoint" xmlns:com="http://schemas.openxmlformats.org/drawingml/2006/compatibility" xmlns:p14="http://schemas.microsoft.com/office/powerpoint/2010/main" xmlns:p15="http://schemas.microsoft.com/office/powerpoint/2012/main" xmlns:ahyp="http://schemas.microsoft.com/office/drawing/2018/hyperlinkcolor">
+  <p:cSld>
+    <p:spTree>
+      <p:nvGrpSpPr>
+        <p:cNvPr id="121" name="Shape 121"/>
+        <p:cNvGrpSpPr/>
+        <p:nvPr/>
+      </p:nvGrpSpPr>
+      <p:grpSpPr>
+        <a:xfrm>
+          <a:off x="0" y="0"/>
+          <a:ext cx="0" cy="0"/>
+          <a:chOff x="0" y="0"/>
+          <a:chExt cx="0" cy="0"/>
+        </a:xfrm>
+      </p:grpSpPr>
+      <p:sp>
+        <p:nvSpPr>
+          <p:cNvPr id="122" name="Google Shape;122;g29eacb4cd58_6_280"/>
+          <p:cNvSpPr txBox="1"/>
+          <p:nvPr>
+            <p:ph type="title"/>
+          </p:nvPr>
+        </p:nvSpPr>
+        <p:spPr>
+          <a:xfrm>
+            <a:off x="116375" y="254850"/>
+            <a:ext cx="8520600" cy="572700"/>
+          </a:xfrm>
+          <a:prstGeom prst="rect">
+            <a:avLst/>
+          </a:prstGeom>
+          <a:noFill/>
+          <a:ln>
+            <a:noFill/>
+          </a:ln>
+        </p:spPr>
+        <p:txBody>
+          <a:bodyPr anchorCtr="0" anchor="ctr" bIns="91425" lIns="91425" spcFirstLastPara="1" rIns="91425" wrap="square" tIns="91425">
+            <a:noAutofit/>
+          </a:bodyPr>
+          <a:lstStyle/>
+          <a:p>
+            <a:pPr indent="0" lvl="0" marL="0" rtl="0" algn="ctr">
+              <a:lnSpc>
+                <a:spcPct val="100000"/>
+              </a:lnSpc>
+              <a:spcBef>
+                <a:spcPts val="0"/>
+              </a:spcBef>
+              <a:spcAft>
+                <a:spcPts val="0"/>
+              </a:spcAft>
+              <a:buClr>
+                <a:schemeClr val="dk1"/>
+              </a:buClr>
+              <a:buSzPts val="1100"/>
+              <a:buFont typeface="Arial"/>
+              <a:buNone/>
+            </a:pPr>
+            <a:r>
+              <a:rPr b="1" lang="en" sz="3000">
+                <a:solidFill>
+                  <a:srgbClr val="00D9FD"/>
+                </a:solidFill>
+                <a:latin typeface="Verdana"/>
+                <a:ea typeface="Verdana"/>
+                <a:cs typeface="Verdana"/>
+                <a:sym typeface="Verdana"/>
+              </a:rPr>
+              <a:t>Results and Analysis</a:t>
+            </a:r>
+            <a:endParaRPr b="1" sz="3000">
+              <a:solidFill>
+                <a:srgbClr val="00D9FD"/>
+              </a:solidFill>
+              <a:latin typeface="Verdana"/>
+              <a:ea typeface="Verdana"/>
+              <a:cs typeface="Verdana"/>
+              <a:sym typeface="Verdana"/>
+            </a:endParaRPr>
+          </a:p>
+        </p:txBody>
+      </p:sp>
+      <p:sp>
+        <p:nvSpPr>
+          <p:cNvPr id="123" name="Google Shape;123;g29eacb4cd58_6_280"/>
+          <p:cNvSpPr txBox="1"/>
+          <p:nvPr/>
+        </p:nvSpPr>
+        <p:spPr>
+          <a:xfrm>
+            <a:off x="368650" y="1059675"/>
+            <a:ext cx="7274100" cy="2262600"/>
+          </a:xfrm>
+          <a:prstGeom prst="rect">
+            <a:avLst/>
+          </a:prstGeom>
+          <a:noFill/>
+          <a:ln>
+            <a:noFill/>
+          </a:ln>
+        </p:spPr>
+        <p:txBody>
+          <a:bodyPr anchorCtr="0" anchor="t" bIns="91425" lIns="91425" spcFirstLastPara="1" rIns="91425" wrap="square" tIns="91425">
+            <a:noAutofit/>
+          </a:bodyPr>
+          <a:lstStyle/>
+          <a:p>
+            <a:pPr indent="-349250" lvl="0" marL="457200" marR="0" rtl="0" algn="l">
+              <a:lnSpc>
+                <a:spcPct val="100000"/>
+              </a:lnSpc>
+              <a:spcBef>
+                <a:spcPts val="0"/>
+              </a:spcBef>
+              <a:spcAft>
+                <a:spcPts val="0"/>
+              </a:spcAft>
+              <a:buClr>
+                <a:schemeClr val="lt1"/>
+              </a:buClr>
+              <a:buSzPts val="1900"/>
+              <a:buFont typeface="Verdana"/>
+              <a:buChar char="●"/>
+            </a:pPr>
+            <a:r>
+              <a:rPr b="0" i="0" lang="en" sz="1900" u="none" cap="none" strike="noStrike">
+                <a:solidFill>
+                  <a:schemeClr val="lt1"/>
+                </a:solidFill>
+                <a:latin typeface="Verdana"/>
+                <a:ea typeface="Verdana"/>
+                <a:cs typeface="Verdana"/>
+                <a:sym typeface="Verdana"/>
+              </a:rPr>
+              <a:t>The accuracy of our model stands at a noteworthy 77%, showcasing its proficiency in predictions.</a:t>
+            </a:r>
+            <a:endParaRPr b="0" i="0" sz="1900" u="none" cap="none" strike="noStrike">
+              <a:solidFill>
+                <a:schemeClr val="lt1"/>
+              </a:solidFill>
+              <a:latin typeface="Verdana"/>
+              <a:ea typeface="Verdana"/>
+              <a:cs typeface="Verdana"/>
+              <a:sym typeface="Verdana"/>
+            </a:endParaRPr>
+          </a:p>
+          <a:p>
+            <a:pPr indent="0" lvl="0" marL="457200" marR="0" rtl="0" algn="l">
+              <a:lnSpc>
+                <a:spcPct val="100000"/>
+              </a:lnSpc>
+              <a:spcBef>
+                <a:spcPts val="0"/>
+              </a:spcBef>
+              <a:spcAft>
+                <a:spcPts val="0"/>
+              </a:spcAft>
+              <a:buClr>
+                <a:srgbClr val="000000"/>
+              </a:buClr>
+              <a:buSzPts val="1900"/>
+              <a:buFont typeface="Arial"/>
+              <a:buNone/>
+            </a:pPr>
+            <a:r>
+              <a:t/>
+            </a:r>
+            <a:endParaRPr b="0" i="0" sz="1900" u="none" cap="none" strike="noStrike">
+              <a:solidFill>
+                <a:schemeClr val="lt1"/>
+              </a:solidFill>
+              <a:latin typeface="Verdana"/>
+              <a:ea typeface="Verdana"/>
+              <a:cs typeface="Verdana"/>
+              <a:sym typeface="Verdana"/>
+            </a:endParaRPr>
+          </a:p>
+          <a:p>
+            <a:pPr indent="-349250" lvl="0" marL="457200" marR="0" rtl="0" algn="l">
+              <a:lnSpc>
+                <a:spcPct val="100000"/>
+              </a:lnSpc>
+              <a:spcBef>
+                <a:spcPts val="0"/>
+              </a:spcBef>
+              <a:spcAft>
+                <a:spcPts val="0"/>
+              </a:spcAft>
+              <a:buClr>
+                <a:schemeClr val="lt1"/>
+              </a:buClr>
+              <a:buSzPts val="1900"/>
+              <a:buFont typeface="Verdana"/>
+              <a:buChar char="●"/>
+            </a:pPr>
+            <a:r>
+              <a:rPr b="0" i="0" lang="en" sz="1900" u="none" cap="none" strike="noStrike">
+                <a:solidFill>
+                  <a:schemeClr val="lt1"/>
+                </a:solidFill>
+                <a:latin typeface="Verdana"/>
+                <a:ea typeface="Verdana"/>
+                <a:cs typeface="Verdana"/>
+                <a:sym typeface="Verdana"/>
+              </a:rPr>
+              <a:t>With a precision of 86%, our model excels in correctly identifying positive instances with accuracy.</a:t>
+            </a:r>
+            <a:endParaRPr b="0" i="0" sz="1900" u="none" cap="none" strike="noStrike">
+              <a:solidFill>
+                <a:schemeClr val="lt1"/>
+              </a:solidFill>
+              <a:latin typeface="Verdana"/>
+              <a:ea typeface="Verdana"/>
+              <a:cs typeface="Verdana"/>
+              <a:sym typeface="Verdana"/>
+            </a:endParaRPr>
+          </a:p>
+          <a:p>
+            <a:pPr indent="0" lvl="0" marL="457200" marR="0" rtl="0" algn="l">
+              <a:lnSpc>
+                <a:spcPct val="100000"/>
+              </a:lnSpc>
+              <a:spcBef>
+                <a:spcPts val="0"/>
+              </a:spcBef>
+              <a:spcAft>
+                <a:spcPts val="0"/>
+              </a:spcAft>
+              <a:buClr>
+                <a:srgbClr val="000000"/>
+              </a:buClr>
+              <a:buSzPts val="1900"/>
+              <a:buFont typeface="Arial"/>
+              <a:buNone/>
+            </a:pPr>
+            <a:r>
+              <a:t/>
+            </a:r>
+            <a:endParaRPr b="0" i="0" sz="1900" u="none" cap="none" strike="noStrike">
+              <a:solidFill>
+                <a:schemeClr val="lt1"/>
+              </a:solidFill>
+              <a:latin typeface="Verdana"/>
+              <a:ea typeface="Verdana"/>
+              <a:cs typeface="Verdana"/>
+              <a:sym typeface="Verdana"/>
+            </a:endParaRPr>
+          </a:p>
+          <a:p>
+            <a:pPr indent="-349250" lvl="0" marL="457200" marR="0" rtl="0" algn="l">
+              <a:lnSpc>
+                <a:spcPct val="100000"/>
+              </a:lnSpc>
+              <a:spcBef>
+                <a:spcPts val="0"/>
+              </a:spcBef>
+              <a:spcAft>
+                <a:spcPts val="0"/>
+              </a:spcAft>
+              <a:buClr>
+                <a:schemeClr val="lt1"/>
+              </a:buClr>
+              <a:buSzPts val="1900"/>
+              <a:buFont typeface="Verdana"/>
+              <a:buChar char="●"/>
+            </a:pPr>
+            <a:r>
+              <a:rPr b="0" i="0" lang="en" sz="1900" u="none" cap="none" strike="noStrike">
+                <a:solidFill>
+                  <a:schemeClr val="lt1"/>
+                </a:solidFill>
+                <a:latin typeface="Verdana"/>
+                <a:ea typeface="Verdana"/>
+                <a:cs typeface="Verdana"/>
+                <a:sym typeface="Verdana"/>
+              </a:rPr>
+              <a:t>The F1-score, a balanced metric at 0.71, underscores our model's effectiveness in minimizing false predictions.</a:t>
+            </a:r>
+            <a:endParaRPr b="0" i="0" sz="1900" u="none" cap="none" strike="noStrike">
+              <a:solidFill>
+                <a:schemeClr val="lt1"/>
+              </a:solidFill>
+              <a:latin typeface="Verdana"/>
+              <a:ea typeface="Verdana"/>
+              <a:cs typeface="Verdana"/>
+              <a:sym typeface="Verdana"/>
+            </a:endParaRPr>
+          </a:p>
+          <a:p>
+            <a:pPr indent="0" lvl="0" marL="457200" marR="0" rtl="0" algn="l">
+              <a:lnSpc>
+                <a:spcPct val="100000"/>
+              </a:lnSpc>
+              <a:spcBef>
+                <a:spcPts val="0"/>
+              </a:spcBef>
+              <a:spcAft>
+                <a:spcPts val="0"/>
+              </a:spcAft>
+              <a:buClr>
+                <a:srgbClr val="000000"/>
+              </a:buClr>
+              <a:buSzPts val="1900"/>
+              <a:buFont typeface="Arial"/>
+              <a:buNone/>
+            </a:pPr>
+            <a:r>
+              <a:t/>
+            </a:r>
+            <a:endParaRPr b="0" i="0" sz="1900" u="none" cap="none" strike="noStrike">
+              <a:solidFill>
+                <a:schemeClr val="lt1"/>
+              </a:solidFill>
+              <a:latin typeface="Verdana"/>
+              <a:ea typeface="Verdana"/>
+              <a:cs typeface="Verdana"/>
+              <a:sym typeface="Verdana"/>
+            </a:endParaRPr>
+          </a:p>
+        </p:txBody>
+      </p:sp>
+    </p:spTree>
+  </p:cSld>
+  <p:clrMapOvr>
+    <a:masterClrMapping/>
+  </p:clrMapOvr>
+</p:sld>
+</file>
+
+<file path=ppt/slides/slide12.xml><?xml version="1.0" encoding="utf-8"?>
+<p:sld xmlns:a="http://schemas.openxmlformats.org/drawingml/2006/main" xmlns:r="http://schemas.openxmlformats.org/officeDocument/2006/relationships" xmlns:mc="http://schemas.openxmlformats.org/markup-compatibility/2006" xmlns:mv="urn:schemas-microsoft-com:mac:vml" xmlns:p="http://schemas.openxmlformats.org/presentationml/2006/main" xmlns:c="http://schemas.openxmlformats.org/drawingml/2006/chart" xmlns:dgm="http://schemas.openxmlformats.org/drawingml/2006/diagram" xmlns:o="urn:schemas-microsoft-com:office:office" xmlns:v="urn:schemas-microsoft-com:vml" xmlns:pvml="urn:schemas-microsoft-com:office:powerpoint" xmlns:com="http://schemas.openxmlformats.org/drawingml/2006/compatibility" xmlns:p14="http://schemas.microsoft.com/office/powerpoint/2010/main" xmlns:p15="http://schemas.microsoft.com/office/powerpoint/2012/main" xmlns:ahyp="http://schemas.microsoft.com/office/drawing/2018/hyperlinkcolor">
+  <p:cSld>
+    <p:spTree>
+      <p:nvGrpSpPr>
+        <p:cNvPr id="127" name="Shape 127"/>
+        <p:cNvGrpSpPr/>
+        <p:nvPr/>
+      </p:nvGrpSpPr>
+      <p:grpSpPr>
+        <a:xfrm>
+          <a:off x="0" y="0"/>
+          <a:ext cx="0" cy="0"/>
+          <a:chOff x="0" y="0"/>
+          <a:chExt cx="0" cy="0"/>
+        </a:xfrm>
+      </p:grpSpPr>
+      <p:sp>
+        <p:nvSpPr>
+          <p:cNvPr id="128" name="Google Shape;128;g2717beefc1e_3_0"/>
+          <p:cNvSpPr txBox="1"/>
+          <p:nvPr>
+            <p:ph type="title"/>
+          </p:nvPr>
+        </p:nvSpPr>
+        <p:spPr>
+          <a:xfrm>
+            <a:off x="116375" y="254850"/>
+            <a:ext cx="8520600" cy="572700"/>
+          </a:xfrm>
+          <a:prstGeom prst="rect">
+            <a:avLst/>
+          </a:prstGeom>
+          <a:noFill/>
+          <a:ln>
+            <a:noFill/>
+          </a:ln>
+        </p:spPr>
+        <p:txBody>
+          <a:bodyPr anchorCtr="0" anchor="ctr" bIns="91425" lIns="91425" spcFirstLastPara="1" rIns="91425" wrap="square" tIns="91425">
+            <a:noAutofit/>
+          </a:bodyPr>
+          <a:lstStyle/>
+          <a:p>
+            <a:pPr indent="0" lvl="0" marL="0" rtl="0" algn="l">
+              <a:lnSpc>
+                <a:spcPct val="100000"/>
+              </a:lnSpc>
+              <a:spcBef>
+                <a:spcPts val="0"/>
+              </a:spcBef>
+              <a:spcAft>
+                <a:spcPts val="0"/>
+              </a:spcAft>
+              <a:buClr>
+                <a:schemeClr val="dk1"/>
+              </a:buClr>
+              <a:buSzPts val="1100"/>
+              <a:buFont typeface="Arial"/>
+              <a:buNone/>
+            </a:pPr>
+            <a:r>
+              <a:rPr b="1" lang="en" sz="3000">
+                <a:solidFill>
+                  <a:srgbClr val="00D9FD"/>
+                </a:solidFill>
+                <a:latin typeface="Verdana"/>
+                <a:ea typeface="Verdana"/>
+                <a:cs typeface="Verdana"/>
+                <a:sym typeface="Verdana"/>
+              </a:rPr>
+              <a:t>Results and Analysis</a:t>
+            </a:r>
+            <a:endParaRPr b="1" sz="3000">
+              <a:solidFill>
+                <a:srgbClr val="00D9FD"/>
+              </a:solidFill>
+              <a:latin typeface="Verdana"/>
+              <a:ea typeface="Verdana"/>
+              <a:cs typeface="Verdana"/>
+              <a:sym typeface="Verdana"/>
+            </a:endParaRPr>
+          </a:p>
+        </p:txBody>
+      </p:sp>
+      <p:sp>
+        <p:nvSpPr>
+          <p:cNvPr id="129" name="Google Shape;129;g2717beefc1e_3_0"/>
+          <p:cNvSpPr txBox="1"/>
+          <p:nvPr/>
+        </p:nvSpPr>
+        <p:spPr>
+          <a:xfrm>
+            <a:off x="368650" y="1059675"/>
+            <a:ext cx="7274100" cy="2262600"/>
+          </a:xfrm>
+          <a:prstGeom prst="rect">
+            <a:avLst/>
+          </a:prstGeom>
+          <a:noFill/>
+          <a:ln>
+            <a:noFill/>
+          </a:ln>
+        </p:spPr>
+        <p:txBody>
+          <a:bodyPr anchorCtr="0" anchor="t" bIns="91425" lIns="91425" spcFirstLastPara="1" rIns="91425" wrap="square" tIns="91425">
+            <a:noAutofit/>
+          </a:bodyPr>
+          <a:lstStyle/>
+          <a:p>
+            <a:pPr indent="0" lvl="0" marL="457200" marR="0" rtl="0" algn="l">
+              <a:lnSpc>
+                <a:spcPct val="100000"/>
+              </a:lnSpc>
+              <a:spcBef>
+                <a:spcPts val="0"/>
+              </a:spcBef>
+              <a:spcAft>
+                <a:spcPts val="0"/>
+              </a:spcAft>
+              <a:buClr>
+                <a:srgbClr val="000000"/>
+              </a:buClr>
+              <a:buSzPts val="1900"/>
+              <a:buFont typeface="Arial"/>
+              <a:buNone/>
+            </a:pPr>
+            <a:r>
+              <a:t/>
+            </a:r>
+            <a:endParaRPr b="0" i="0" sz="1900" u="none" cap="none" strike="noStrike">
+              <a:solidFill>
+                <a:schemeClr val="lt1"/>
+              </a:solidFill>
+              <a:latin typeface="Verdana"/>
+              <a:ea typeface="Verdana"/>
+              <a:cs typeface="Verdana"/>
+              <a:sym typeface="Verdana"/>
+            </a:endParaRPr>
+          </a:p>
+        </p:txBody>
+      </p:sp>
+      <p:pic>
+        <p:nvPicPr>
+          <p:cNvPr id="130" name="Google Shape;130;g2717beefc1e_3_0"/>
+          <p:cNvPicPr preferRelativeResize="0"/>
+          <p:nvPr/>
+        </p:nvPicPr>
+        <p:blipFill rotWithShape="1">
+          <a:blip r:embed="rId3">
+            <a:alphaModFix/>
+          </a:blip>
+          <a:srcRect b="0" l="0" r="0" t="0"/>
+          <a:stretch/>
+        </p:blipFill>
+        <p:spPr>
+          <a:xfrm>
+            <a:off x="1608625" y="1306575"/>
+            <a:ext cx="6079150" cy="3491900"/>
+          </a:xfrm>
+          <a:prstGeom prst="rect">
+            <a:avLst/>
+          </a:prstGeom>
+          <a:noFill/>
+          <a:ln>
+            <a:noFill/>
+          </a:ln>
+        </p:spPr>
+      </p:pic>
+    </p:spTree>
+  </p:cSld>
+  <p:clrMapOvr>
+    <a:masterClrMapping/>
+  </p:clrMapOvr>
+</p:sld>
+</file>
+
+<file path=ppt/slides/slide13.xml><?xml version="1.0" encoding="utf-8"?>
+<p:sld xmlns:a="http://schemas.openxmlformats.org/drawingml/2006/main" xmlns:r="http://schemas.openxmlformats.org/officeDocument/2006/relationships" xmlns:mc="http://schemas.openxmlformats.org/markup-compatibility/2006" xmlns:mv="urn:schemas-microsoft-com:mac:vml" xmlns:p="http://schemas.openxmlformats.org/presentationml/2006/main" xmlns:c="http://schemas.openxmlformats.org/drawingml/2006/chart" xmlns:dgm="http://schemas.openxmlformats.org/drawingml/2006/diagram" xmlns:o="urn:schemas-microsoft-com:office:office" xmlns:v="urn:schemas-microsoft-com:vml" xmlns:pvml="urn:schemas-microsoft-com:office:powerpoint" xmlns:com="http://schemas.openxmlformats.org/drawingml/2006/compatibility" xmlns:p14="http://schemas.microsoft.com/office/powerpoint/2010/main" xmlns:p15="http://schemas.microsoft.com/office/powerpoint/2012/main" xmlns:ahyp="http://schemas.microsoft.com/office/drawing/2018/hyperlinkcolor">
+  <p:cSld>
+    <p:spTree>
+      <p:nvGrpSpPr>
+        <p:cNvPr id="134" name="Shape 134"/>
+        <p:cNvGrpSpPr/>
+        <p:nvPr/>
+      </p:nvGrpSpPr>
+      <p:grpSpPr>
+        <a:xfrm>
+          <a:off x="0" y="0"/>
+          <a:ext cx="0" cy="0"/>
+          <a:chOff x="0" y="0"/>
+          <a:chExt cx="0" cy="0"/>
+        </a:xfrm>
+      </p:grpSpPr>
+      <p:sp>
+        <p:nvSpPr>
+          <p:cNvPr id="135" name="Google Shape;135;g2622dd681ea_1_5"/>
           <p:cNvSpPr txBox="1"/>
           <p:nvPr>
             <p:ph type="title"/>
@@ -10690,7 +11626,7 @@
       </p:sp>
       <p:pic>
         <p:nvPicPr>
-          <p:cNvPr id="117" name="Google Shape;117;g2622dd681ea_1_5"/>
+          <p:cNvPr id="136" name="Google Shape;136;g2622dd681ea_1_5"/>
           <p:cNvPicPr preferRelativeResize="0"/>
           <p:nvPr/>
         </p:nvPicPr>
@@ -10717,7 +11653,7 @@
       </p:pic>
       <p:pic>
         <p:nvPicPr>
-          <p:cNvPr id="118" name="Google Shape;118;g2622dd681ea_1_5"/>
+          <p:cNvPr id="137" name="Google Shape;137;g2622dd681ea_1_5"/>
           <p:cNvPicPr preferRelativeResize="0"/>
           <p:nvPr/>
         </p:nvPicPr>
@@ -10750,12 +11686,12 @@
 </p:sld>
 </file>
 
-<file path=ppt/slides/slide11.xml><?xml version="1.0" encoding="utf-8"?>
+<file path=ppt/slides/slide14.xml><?xml version="1.0" encoding="utf-8"?>
 <p:sld xmlns:a="http://schemas.openxmlformats.org/drawingml/2006/main" xmlns:r="http://schemas.openxmlformats.org/officeDocument/2006/relationships" xmlns:mc="http://schemas.openxmlformats.org/markup-compatibility/2006" xmlns:mv="urn:schemas-microsoft-com:mac:vml" xmlns:p="http://schemas.openxmlformats.org/presentationml/2006/main" xmlns:c="http://schemas.openxmlformats.org/drawingml/2006/chart" xmlns:dgm="http://schemas.openxmlformats.org/drawingml/2006/diagram" xmlns:o="urn:schemas-microsoft-com:office:office" xmlns:v="urn:schemas-microsoft-com:vml" xmlns:pvml="urn:schemas-microsoft-com:office:powerpoint" xmlns:com="http://schemas.openxmlformats.org/drawingml/2006/compatibility" xmlns:p14="http://schemas.microsoft.com/office/powerpoint/2010/main" xmlns:p15="http://schemas.microsoft.com/office/powerpoint/2012/main" xmlns:ahyp="http://schemas.microsoft.com/office/drawing/2018/hyperlinkcolor">
   <p:cSld>
     <p:spTree>
       <p:nvGrpSpPr>
-        <p:cNvPr id="122" name="Shape 122"/>
+        <p:cNvPr id="141" name="Shape 141"/>
         <p:cNvGrpSpPr/>
         <p:nvPr/>
       </p:nvGrpSpPr>
@@ -10769,7 +11705,7 @@
       </p:grpSpPr>
       <p:sp>
         <p:nvSpPr>
-          <p:cNvPr id="123" name="Google Shape;123;g2622dd681ea_1_10"/>
+          <p:cNvPr id="142" name="Google Shape;142;g2622dd681ea_1_10"/>
           <p:cNvSpPr txBox="1"/>
           <p:nvPr>
             <p:ph type="title"/>
@@ -10837,7 +11773,7 @@
       </p:sp>
       <p:sp>
         <p:nvSpPr>
-          <p:cNvPr id="124" name="Google Shape;124;g2622dd681ea_1_10"/>
+          <p:cNvPr id="143" name="Google Shape;143;g2622dd681ea_1_10"/>
           <p:cNvSpPr txBox="1"/>
           <p:nvPr>
             <p:ph idx="1" type="body"/>
@@ -11015,12 +11951,12 @@
 </p:sld>
 </file>
 
-<file path=ppt/slides/slide12.xml><?xml version="1.0" encoding="utf-8"?>
+<file path=ppt/slides/slide15.xml><?xml version="1.0" encoding="utf-8"?>
 <p:sld xmlns:a="http://schemas.openxmlformats.org/drawingml/2006/main" xmlns:r="http://schemas.openxmlformats.org/officeDocument/2006/relationships" xmlns:mc="http://schemas.openxmlformats.org/markup-compatibility/2006" xmlns:mv="urn:schemas-microsoft-com:mac:vml" xmlns:p="http://schemas.openxmlformats.org/presentationml/2006/main" xmlns:c="http://schemas.openxmlformats.org/drawingml/2006/chart" xmlns:dgm="http://schemas.openxmlformats.org/drawingml/2006/diagram" xmlns:o="urn:schemas-microsoft-com:office:office" xmlns:v="urn:schemas-microsoft-com:vml" xmlns:pvml="urn:schemas-microsoft-com:office:powerpoint" xmlns:com="http://schemas.openxmlformats.org/drawingml/2006/compatibility" xmlns:p14="http://schemas.microsoft.com/office/powerpoint/2010/main" xmlns:p15="http://schemas.microsoft.com/office/powerpoint/2012/main" xmlns:ahyp="http://schemas.microsoft.com/office/drawing/2018/hyperlinkcolor">
   <p:cSld>
     <p:spTree>
       <p:nvGrpSpPr>
-        <p:cNvPr id="128" name="Shape 128"/>
+        <p:cNvPr id="147" name="Shape 147"/>
         <p:cNvGrpSpPr/>
         <p:nvPr/>
       </p:nvGrpSpPr>
@@ -11034,7 +11970,7 @@
       </p:grpSpPr>
       <p:sp>
         <p:nvSpPr>
-          <p:cNvPr id="129" name="Google Shape;129;p24"/>
+          <p:cNvPr id="148" name="Google Shape;148;g2db91db4529_1_1"/>
           <p:cNvSpPr txBox="1"/>
           <p:nvPr>
             <p:ph type="title"/>
@@ -11042,7 +11978,7 @@
         </p:nvSpPr>
         <p:spPr>
           <a:xfrm>
-            <a:off x="311700" y="128175"/>
+            <a:off x="311700" y="445025"/>
             <a:ext cx="8520600" cy="572700"/>
           </a:xfrm>
           <a:prstGeom prst="rect">
@@ -11054,12 +11990,15 @@
           </a:ln>
         </p:spPr>
         <p:txBody>
-          <a:bodyPr anchorCtr="0" anchor="ctr" bIns="91425" lIns="91425" spcFirstLastPara="1" rIns="91425" wrap="square" tIns="91425">
-            <a:noAutofit/>
+          <a:bodyPr anchorCtr="0" anchor="t" bIns="91425" lIns="91425" spcFirstLastPara="1" rIns="91425" wrap="square" tIns="91425">
+            <a:normAutofit fontScale="90000"/>
           </a:bodyPr>
           <a:lstStyle/>
           <a:p>
             <a:pPr indent="0" lvl="0" marL="0" rtl="0" algn="l">
+              <a:lnSpc>
+                <a:spcPct val="120000"/>
+              </a:lnSpc>
               <a:spcBef>
                 <a:spcPts val="0"/>
               </a:spcBef>
@@ -11069,7 +12008,7 @@
               <a:buClr>
                 <a:schemeClr val="dk1"/>
               </a:buClr>
-              <a:buSzPts val="3111"/>
+              <a:buSzPct val="36666"/>
               <a:buFont typeface="Arial"/>
               <a:buNone/>
             </a:pPr>
@@ -11095,11 +12034,61 @@
               <a:sym typeface="Verdana"/>
             </a:endParaRPr>
           </a:p>
+          <a:p>
+            <a:pPr indent="0" lvl="0" marL="0" rtl="0" algn="l">
+              <a:lnSpc>
+                <a:spcPct val="115000"/>
+              </a:lnSpc>
+              <a:spcBef>
+                <a:spcPts val="0"/>
+              </a:spcBef>
+              <a:spcAft>
+                <a:spcPts val="0"/>
+              </a:spcAft>
+              <a:buClr>
+                <a:schemeClr val="dk1"/>
+              </a:buClr>
+              <a:buSzPct val="36666"/>
+              <a:buFont typeface="Arial"/>
+              <a:buNone/>
+            </a:pPr>
+            <a:r>
+              <a:t/>
+            </a:r>
+            <a:endParaRPr b="1" sz="3000">
+              <a:solidFill>
+                <a:srgbClr val="00D9FD"/>
+              </a:solidFill>
+              <a:latin typeface="Verdana"/>
+              <a:ea typeface="Verdana"/>
+              <a:cs typeface="Verdana"/>
+              <a:sym typeface="Verdana"/>
+            </a:endParaRPr>
+          </a:p>
+          <a:p>
+            <a:pPr indent="0" lvl="0" marL="0" rtl="0" algn="l">
+              <a:lnSpc>
+                <a:spcPct val="100000"/>
+              </a:lnSpc>
+              <a:spcBef>
+                <a:spcPts val="0"/>
+              </a:spcBef>
+              <a:spcAft>
+                <a:spcPts val="0"/>
+              </a:spcAft>
+              <a:buSzPct val="111111"/>
+              <a:buNone/>
+            </a:pPr>
+            <a:r>
+              <a:t/>
+            </a:r>
+            <a:endParaRPr/>
+          </a:p>
         </p:txBody>
       </p:sp>
       <p:sp>
         <p:nvSpPr>
-          <p:cNvPr id="130" name="Google Shape;130;p24"/>
+          <p:cNvPr id="149" name="Google Shape;149;g2db91db4529_1_1"/>
           <p:cNvSpPr txBox="1"/>
           <p:nvPr>
             <p:ph idx="1" type="body"/>
@@ -11107,8 +12096,8 @@
         </p:nvSpPr>
         <p:spPr>
           <a:xfrm>
-            <a:off x="311700" y="791400"/>
-            <a:ext cx="8520600" cy="4153200"/>
+            <a:off x="311700" y="1152475"/>
+            <a:ext cx="8520600" cy="3416400"/>
           </a:xfrm>
           <a:prstGeom prst="rect">
             <a:avLst/>
@@ -11120,7 +12109,7 @@
         </p:spPr>
         <p:txBody>
           <a:bodyPr anchorCtr="0" anchor="t" bIns="91425" lIns="91425" spcFirstLastPara="1" rIns="91425" wrap="square" tIns="91425">
-            <a:normAutofit/>
+            <a:normAutofit lnSpcReduction="10000"/>
           </a:bodyPr>
           <a:lstStyle/>
           <a:p>
@@ -11142,9 +12131,31 @@
               <a:buNone/>
             </a:pPr>
             <a:r>
-              <a:t/>
+              <a:rPr lang="en" sz="1600">
+                <a:solidFill>
+                  <a:schemeClr val="lt1"/>
+                </a:solidFill>
+                <a:latin typeface="Verdana"/>
+                <a:ea typeface="Verdana"/>
+                <a:cs typeface="Verdana"/>
+                <a:sym typeface="Verdana"/>
+              </a:rPr>
+              <a:t>1. Bird, J. J., &amp; Lotfi, A. (2023). CIFAKE: Image Classification and Explainable Identification of AI-Generated Synthetic Images. arXiv preprint arXiv:2303.14126 [cs.CV].</a:t>
             </a:r>
-            <a:endParaRPr b="1" sz="1400">
+            <a:r>
+              <a:rPr lang="en" sz="1600" u="sng">
+                <a:solidFill>
+                  <a:schemeClr val="hlink"/>
+                </a:solidFill>
+                <a:latin typeface="Verdana"/>
+                <a:ea typeface="Verdana"/>
+                <a:cs typeface="Verdana"/>
+                <a:sym typeface="Verdana"/>
+                <a:hlinkClick r:id="rId3"/>
+              </a:rPr>
+              <a:t>Paper Link</a:t>
+            </a:r>
+            <a:endParaRPr sz="1600">
               <a:solidFill>
                 <a:schemeClr val="lt1"/>
               </a:solidFill>
@@ -11170,267 +12181,6 @@
               </a:buClr>
               <a:buSzPts val="1100"/>
               <a:buFont typeface="Arial"/>
-              <a:buNone/>
-            </a:pPr>
-            <a:r>
-              <a:t/>
-            </a:r>
-            <a:endParaRPr b="1" sz="1400">
-              <a:solidFill>
-                <a:srgbClr val="00D9FD"/>
-              </a:solidFill>
-              <a:latin typeface="Verdana"/>
-              <a:ea typeface="Verdana"/>
-              <a:cs typeface="Verdana"/>
-              <a:sym typeface="Verdana"/>
-            </a:endParaRPr>
-          </a:p>
-          <a:p>
-            <a:pPr indent="-317500" lvl="0" marL="457200" rtl="0" algn="l">
-              <a:lnSpc>
-                <a:spcPct val="100000"/>
-              </a:lnSpc>
-              <a:spcBef>
-                <a:spcPts val="0"/>
-              </a:spcBef>
-              <a:spcAft>
-                <a:spcPts val="0"/>
-              </a:spcAft>
-              <a:buClr>
-                <a:srgbClr val="00D9FD"/>
-              </a:buClr>
-              <a:buSzPts val="1400"/>
-              <a:buFont typeface="Verdana"/>
-              <a:buAutoNum type="arabicPeriod"/>
-            </a:pPr>
-            <a:r>
-              <a:rPr b="1" lang="en" sz="1400" u="sng">
-                <a:solidFill>
-                  <a:srgbClr val="00D9FD"/>
-                </a:solidFill>
-                <a:latin typeface="Verdana"/>
-                <a:ea typeface="Verdana"/>
-                <a:cs typeface="Verdana"/>
-                <a:sym typeface="Verdana"/>
-                <a:hlinkClick r:id="rId3">
-                  <a:extLst>
-                    <a:ext uri="{A12FA001-AC4F-418D-AE19-62706E023703}">
-                      <ahyp:hlinkClr val="tx"/>
-                    </a:ext>
-                  </a:extLst>
-                </a:hlinkClick>
-              </a:rPr>
-              <a:t>[2303.14126] CIFAKE: Image Classification and Explainable Identification of AI-Generated Synthetic Images</a:t>
-            </a:r>
-            <a:endParaRPr b="1" sz="1400">
-              <a:solidFill>
-                <a:srgbClr val="00D9FD"/>
-              </a:solidFill>
-              <a:latin typeface="Verdana"/>
-              <a:ea typeface="Verdana"/>
-              <a:cs typeface="Verdana"/>
-              <a:sym typeface="Verdana"/>
-            </a:endParaRPr>
-          </a:p>
-          <a:p>
-            <a:pPr indent="0" lvl="0" marL="0" rtl="0" algn="l">
-              <a:lnSpc>
-                <a:spcPct val="100000"/>
-              </a:lnSpc>
-              <a:spcBef>
-                <a:spcPts val="0"/>
-              </a:spcBef>
-              <a:spcAft>
-                <a:spcPts val="0"/>
-              </a:spcAft>
-              <a:buClr>
-                <a:schemeClr val="dk1"/>
-              </a:buClr>
-              <a:buSzPts val="1100"/>
-              <a:buFont typeface="Arial"/>
-              <a:buNone/>
-            </a:pPr>
-            <a:r>
-              <a:t/>
-            </a:r>
-            <a:endParaRPr b="1" sz="1400">
-              <a:solidFill>
-                <a:srgbClr val="00D9FD"/>
-              </a:solidFill>
-              <a:latin typeface="Verdana"/>
-              <a:ea typeface="Verdana"/>
-              <a:cs typeface="Verdana"/>
-              <a:sym typeface="Verdana"/>
-            </a:endParaRPr>
-          </a:p>
-          <a:p>
-            <a:pPr indent="-317500" lvl="0" marL="457200" rtl="0" algn="l">
-              <a:lnSpc>
-                <a:spcPct val="100000"/>
-              </a:lnSpc>
-              <a:spcBef>
-                <a:spcPts val="0"/>
-              </a:spcBef>
-              <a:spcAft>
-                <a:spcPts val="0"/>
-              </a:spcAft>
-              <a:buClr>
-                <a:srgbClr val="00D9FD"/>
-              </a:buClr>
-              <a:buSzPts val="1400"/>
-              <a:buFont typeface="Verdana"/>
-              <a:buAutoNum type="arabicPeriod"/>
-            </a:pPr>
-            <a:r>
-              <a:rPr b="1" lang="en" sz="1400" u="sng">
-                <a:solidFill>
-                  <a:srgbClr val="00D9FD"/>
-                </a:solidFill>
-                <a:latin typeface="Verdana"/>
-                <a:ea typeface="Verdana"/>
-                <a:cs typeface="Verdana"/>
-                <a:sym typeface="Verdana"/>
-                <a:hlinkClick r:id="rId4">
-                  <a:extLst>
-                    <a:ext uri="{A12FA001-AC4F-418D-AE19-62706E023703}">
-                      <ahyp:hlinkClr val="tx"/>
-                    </a:ext>
-                  </a:extLst>
-                </a:hlinkClick>
-              </a:rPr>
-              <a:t>https://www.sciencedirect.com/science/article/pii/S0923596518303205</a:t>
-            </a:r>
-            <a:endParaRPr b="1" sz="1400">
-              <a:solidFill>
-                <a:srgbClr val="00D9FD"/>
-              </a:solidFill>
-              <a:latin typeface="Verdana"/>
-              <a:ea typeface="Verdana"/>
-              <a:cs typeface="Verdana"/>
-              <a:sym typeface="Verdana"/>
-            </a:endParaRPr>
-          </a:p>
-          <a:p>
-            <a:pPr indent="0" lvl="0" marL="0" rtl="0" algn="l">
-              <a:lnSpc>
-                <a:spcPct val="100000"/>
-              </a:lnSpc>
-              <a:spcBef>
-                <a:spcPts val="0"/>
-              </a:spcBef>
-              <a:spcAft>
-                <a:spcPts val="0"/>
-              </a:spcAft>
-              <a:buClr>
-                <a:schemeClr val="dk1"/>
-              </a:buClr>
-              <a:buSzPts val="1100"/>
-              <a:buFont typeface="Arial"/>
-              <a:buNone/>
-            </a:pPr>
-            <a:r>
-              <a:t/>
-            </a:r>
-            <a:endParaRPr b="1" sz="1400">
-              <a:solidFill>
-                <a:srgbClr val="00D9FD"/>
-              </a:solidFill>
-              <a:latin typeface="Verdana"/>
-              <a:ea typeface="Verdana"/>
-              <a:cs typeface="Verdana"/>
-              <a:sym typeface="Verdana"/>
-            </a:endParaRPr>
-          </a:p>
-          <a:p>
-            <a:pPr indent="-317500" lvl="0" marL="457200" rtl="0" algn="l">
-              <a:lnSpc>
-                <a:spcPct val="100000"/>
-              </a:lnSpc>
-              <a:spcBef>
-                <a:spcPts val="0"/>
-              </a:spcBef>
-              <a:spcAft>
-                <a:spcPts val="0"/>
-              </a:spcAft>
-              <a:buClr>
-                <a:srgbClr val="00D9FD"/>
-              </a:buClr>
-              <a:buSzPts val="1400"/>
-              <a:buFont typeface="Verdana"/>
-              <a:buAutoNum type="arabicPeriod"/>
-            </a:pPr>
-            <a:r>
-              <a:rPr b="1" lang="en" sz="1400" u="sng">
-                <a:solidFill>
-                  <a:srgbClr val="00D9FD"/>
-                </a:solidFill>
-                <a:latin typeface="Verdana"/>
-                <a:ea typeface="Verdana"/>
-                <a:cs typeface="Verdana"/>
-                <a:sym typeface="Verdana"/>
-                <a:hlinkClick r:id="rId5">
-                  <a:extLst>
-                    <a:ext uri="{A12FA001-AC4F-418D-AE19-62706E023703}">
-                      <ahyp:hlinkClr val="tx"/>
-                    </a:ext>
-                  </a:extLst>
-                </a:hlinkClick>
-              </a:rPr>
-              <a:t>https://onlinelibrary.wiley.com/doi/full/10.1002/cpe.4788</a:t>
-            </a:r>
-            <a:endParaRPr b="1" sz="1400">
-              <a:solidFill>
-                <a:srgbClr val="00D9FD"/>
-              </a:solidFill>
-              <a:latin typeface="Verdana"/>
-              <a:ea typeface="Verdana"/>
-              <a:cs typeface="Verdana"/>
-              <a:sym typeface="Verdana"/>
-            </a:endParaRPr>
-          </a:p>
-          <a:p>
-            <a:pPr indent="0" lvl="0" marL="0" rtl="0" algn="l">
-              <a:lnSpc>
-                <a:spcPct val="100000"/>
-              </a:lnSpc>
-              <a:spcBef>
-                <a:spcPts val="0"/>
-              </a:spcBef>
-              <a:spcAft>
-                <a:spcPts val="0"/>
-              </a:spcAft>
-              <a:buClr>
-                <a:schemeClr val="dk1"/>
-              </a:buClr>
-              <a:buSzPts val="1100"/>
-              <a:buFont typeface="Arial"/>
-              <a:buNone/>
-            </a:pPr>
-            <a:r>
-              <a:t/>
-            </a:r>
-            <a:endParaRPr b="1" sz="1400">
-              <a:solidFill>
-                <a:schemeClr val="lt1"/>
-              </a:solidFill>
-              <a:latin typeface="Verdana"/>
-              <a:ea typeface="Verdana"/>
-              <a:cs typeface="Verdana"/>
-              <a:sym typeface="Verdana"/>
-            </a:endParaRPr>
-          </a:p>
-          <a:p>
-            <a:pPr indent="0" lvl="0" marL="0" rtl="0" algn="l">
-              <a:lnSpc>
-                <a:spcPct val="115000"/>
-              </a:lnSpc>
-              <a:spcBef>
-                <a:spcPts val="0"/>
-              </a:spcBef>
-              <a:spcAft>
-                <a:spcPts val="1200"/>
-              </a:spcAft>
-              <a:buSzPts val="1800"/>
               <a:buNone/>
             </a:pPr>
             <a:r>
@@ -11446,6 +12196,162 @@
               <a:sym typeface="Verdana"/>
             </a:endParaRPr>
           </a:p>
+          <a:p>
+            <a:pPr indent="0" lvl="0" marL="0" rtl="0" algn="l">
+              <a:lnSpc>
+                <a:spcPct val="100000"/>
+              </a:lnSpc>
+              <a:spcBef>
+                <a:spcPts val="0"/>
+              </a:spcBef>
+              <a:spcAft>
+                <a:spcPts val="0"/>
+              </a:spcAft>
+              <a:buClr>
+                <a:schemeClr val="dk1"/>
+              </a:buClr>
+              <a:buSzPts val="1100"/>
+              <a:buFont typeface="Arial"/>
+              <a:buNone/>
+            </a:pPr>
+            <a:r>
+              <a:rPr lang="en" sz="1600">
+                <a:solidFill>
+                  <a:schemeClr val="lt1"/>
+                </a:solidFill>
+                <a:latin typeface="Verdana"/>
+                <a:ea typeface="Verdana"/>
+                <a:cs typeface="Verdana"/>
+                <a:sym typeface="Verdana"/>
+              </a:rPr>
+              <a:t>2. Khoo, B., Phan, R. C.‐W., &amp; Lim, C. H. (2021). Deepfake attribution: On the source identification of artificially generated images. *Wiley Interdisciplinary Reviews: Data Mining and Knowledge Discovery, 12*(7). DOI: 10.1002/widm.1438.</a:t>
+            </a:r>
+            <a:r>
+              <a:rPr lang="en" sz="1600" u="sng">
+                <a:solidFill>
+                  <a:schemeClr val="hlink"/>
+                </a:solidFill>
+                <a:latin typeface="Verdana"/>
+                <a:ea typeface="Verdana"/>
+                <a:cs typeface="Verdana"/>
+                <a:sym typeface="Verdana"/>
+                <a:hlinkClick r:id="rId4"/>
+              </a:rPr>
+              <a:t>Paper Link</a:t>
+            </a:r>
+            <a:endParaRPr sz="1600">
+              <a:solidFill>
+                <a:schemeClr val="lt1"/>
+              </a:solidFill>
+              <a:latin typeface="Verdana"/>
+              <a:ea typeface="Verdana"/>
+              <a:cs typeface="Verdana"/>
+              <a:sym typeface="Verdana"/>
+            </a:endParaRPr>
+          </a:p>
+          <a:p>
+            <a:pPr indent="0" lvl="0" marL="0" rtl="0" algn="l">
+              <a:lnSpc>
+                <a:spcPct val="100000"/>
+              </a:lnSpc>
+              <a:spcBef>
+                <a:spcPts val="0"/>
+              </a:spcBef>
+              <a:spcAft>
+                <a:spcPts val="0"/>
+              </a:spcAft>
+              <a:buClr>
+                <a:schemeClr val="dk1"/>
+              </a:buClr>
+              <a:buSzPts val="1100"/>
+              <a:buFont typeface="Arial"/>
+              <a:buNone/>
+            </a:pPr>
+            <a:r>
+              <a:t/>
+            </a:r>
+            <a:endParaRPr sz="1600">
+              <a:solidFill>
+                <a:schemeClr val="lt1"/>
+              </a:solidFill>
+              <a:latin typeface="Verdana"/>
+              <a:ea typeface="Verdana"/>
+              <a:cs typeface="Verdana"/>
+              <a:sym typeface="Verdana"/>
+            </a:endParaRPr>
+          </a:p>
+          <a:p>
+            <a:pPr indent="0" lvl="0" marL="0" rtl="0" algn="l">
+              <a:lnSpc>
+                <a:spcPct val="100000"/>
+              </a:lnSpc>
+              <a:spcBef>
+                <a:spcPts val="0"/>
+              </a:spcBef>
+              <a:spcAft>
+                <a:spcPts val="0"/>
+              </a:spcAft>
+              <a:buClr>
+                <a:schemeClr val="dk1"/>
+              </a:buClr>
+              <a:buSzPts val="1100"/>
+              <a:buFont typeface="Arial"/>
+              <a:buNone/>
+            </a:pPr>
+            <a:r>
+              <a:rPr lang="en" sz="1600">
+                <a:solidFill>
+                  <a:schemeClr val="lt1"/>
+                </a:solidFill>
+                <a:latin typeface="Verdana"/>
+                <a:ea typeface="Verdana"/>
+                <a:cs typeface="Verdana"/>
+                <a:sym typeface="Verdana"/>
+              </a:rPr>
+              <a:t>3. Gragnaniello, D., Marra, F., &amp; Verdoliva, L. (2022). Detection of AI-Generated Synthetic Faces. In Handbook of Digital Face Manipulation and Detection (pp. 191–212). Advances in Computer Vision and Pattern Recognition ((ACVPR)). Open Access. </a:t>
+            </a:r>
+            <a:r>
+              <a:rPr lang="en" sz="1600" u="sng">
+                <a:solidFill>
+                  <a:schemeClr val="hlink"/>
+                </a:solidFill>
+                <a:latin typeface="Verdana"/>
+                <a:ea typeface="Verdana"/>
+                <a:cs typeface="Verdana"/>
+                <a:sym typeface="Verdana"/>
+                <a:hlinkClick r:id="rId5"/>
+              </a:rPr>
+              <a:t>Paper Link</a:t>
+            </a:r>
+            <a:endParaRPr sz="1600">
+              <a:solidFill>
+                <a:schemeClr val="lt1"/>
+              </a:solidFill>
+              <a:latin typeface="Verdana"/>
+              <a:ea typeface="Verdana"/>
+              <a:cs typeface="Verdana"/>
+              <a:sym typeface="Verdana"/>
+            </a:endParaRPr>
+          </a:p>
+          <a:p>
+            <a:pPr indent="0" lvl="0" marL="0" rtl="0" algn="l">
+              <a:lnSpc>
+                <a:spcPct val="115000"/>
+              </a:lnSpc>
+              <a:spcBef>
+                <a:spcPts val="0"/>
+              </a:spcBef>
+              <a:spcAft>
+                <a:spcPts val="0"/>
+              </a:spcAft>
+              <a:buSzPts val="1800"/>
+              <a:buNone/>
+            </a:pPr>
+            <a:r>
+              <a:t/>
+            </a:r>
+            <a:endParaRPr/>
+          </a:p>
         </p:txBody>
       </p:sp>
     </p:spTree>
@@ -11456,12 +12362,12 @@
 </p:sld>
 </file>
 
-<file path=ppt/slides/slide13.xml><?xml version="1.0" encoding="utf-8"?>
+<file path=ppt/slides/slide16.xml><?xml version="1.0" encoding="utf-8"?>
 <p:sld xmlns:a="http://schemas.openxmlformats.org/drawingml/2006/main" xmlns:r="http://schemas.openxmlformats.org/officeDocument/2006/relationships" xmlns:mc="http://schemas.openxmlformats.org/markup-compatibility/2006" xmlns:mv="urn:schemas-microsoft-com:mac:vml" xmlns:p="http://schemas.openxmlformats.org/presentationml/2006/main" xmlns:c="http://schemas.openxmlformats.org/drawingml/2006/chart" xmlns:dgm="http://schemas.openxmlformats.org/drawingml/2006/diagram" xmlns:o="urn:schemas-microsoft-com:office:office" xmlns:v="urn:schemas-microsoft-com:vml" xmlns:pvml="urn:schemas-microsoft-com:office:powerpoint" xmlns:com="http://schemas.openxmlformats.org/drawingml/2006/compatibility" xmlns:p14="http://schemas.microsoft.com/office/powerpoint/2010/main" xmlns:p15="http://schemas.microsoft.com/office/powerpoint/2012/main" xmlns:ahyp="http://schemas.microsoft.com/office/drawing/2018/hyperlinkcolor">
   <p:cSld>
     <p:spTree>
       <p:nvGrpSpPr>
-        <p:cNvPr id="134" name="Shape 134"/>
+        <p:cNvPr id="153" name="Shape 153"/>
         <p:cNvGrpSpPr/>
         <p:nvPr/>
       </p:nvGrpSpPr>
@@ -11475,7 +12381,7 @@
       </p:grpSpPr>
       <p:sp>
         <p:nvSpPr>
-          <p:cNvPr id="135" name="Google Shape;135;g2622dd681ea_1_23"/>
+          <p:cNvPr id="154" name="Google Shape;154;g2622dd681ea_1_23"/>
           <p:cNvSpPr txBox="1"/>
           <p:nvPr>
             <p:ph idx="1" type="body"/>
@@ -11527,19 +12433,7 @@
                 <a:cs typeface="Verdana"/>
                 <a:sym typeface="Verdana"/>
               </a:rPr>
-              <a:t>T</a:t>
-            </a:r>
-            <a:r>
-              <a:rPr b="1" lang="en" sz="3000">
-                <a:solidFill>
-                  <a:srgbClr val="00D9FD"/>
-                </a:solidFill>
-                <a:latin typeface="Verdana"/>
-                <a:ea typeface="Verdana"/>
-                <a:cs typeface="Verdana"/>
-                <a:sym typeface="Verdana"/>
-              </a:rPr>
-              <a:t>hank You </a:t>
+              <a:t>Thank You </a:t>
             </a:r>
             <a:endParaRPr b="1" sz="3000">
               <a:solidFill>
@@ -12173,7 +13067,7 @@
                 <a:cs typeface="Verdana"/>
                 <a:sym typeface="Verdana"/>
               </a:rPr>
-              <a:t>This paper uses a deep architecture based on a convolutional neural network (CNN) to classify each image from the dataset. The raw RGB pixels are used as dataset. The deep CNN architecture is based on the ResNet-50 model and the method uses transfer learning techniques.</a:t>
+              <a:t>This paper uses a deep architecture based on a convolutional neural network (CNN) to classify each image from the dataset. The raw RGB pixels are used as dataset. The deep CNN architecture is based on the ResNet-50 model and the method uses transfer learning techniques. </a:t>
             </a:r>
             <a:endParaRPr sz="1600">
               <a:solidFill>
@@ -12712,7 +13606,7 @@
         </p:nvSpPr>
         <p:spPr>
           <a:xfrm>
-            <a:off x="379050" y="772650"/>
+            <a:off x="455250" y="772650"/>
             <a:ext cx="8385900" cy="3890700"/>
           </a:xfrm>
           <a:prstGeom prst="rect">
@@ -12729,17 +13623,25 @@
           </a:bodyPr>
           <a:lstStyle/>
           <a:p>
-            <a:pPr indent="0" lvl="0" marL="0" rtl="0" algn="l">
-              <a:spcBef>
-                <a:spcPts val="0"/>
-              </a:spcBef>
-              <a:spcAft>
-                <a:spcPts val="0"/>
-              </a:spcAft>
+            <a:pPr indent="0" lvl="0" marL="0" marR="0" rtl="0" algn="l">
+              <a:lnSpc>
+                <a:spcPct val="100000"/>
+              </a:lnSpc>
+              <a:spcBef>
+                <a:spcPts val="0"/>
+              </a:spcBef>
+              <a:spcAft>
+                <a:spcPts val="0"/>
+              </a:spcAft>
+              <a:buClr>
+                <a:srgbClr val="000000"/>
+              </a:buClr>
+              <a:buSzPts val="1400"/>
+              <a:buFont typeface="Arial"/>
               <a:buNone/>
             </a:pPr>
             <a:r>
-              <a:rPr lang="en">
+              <a:rPr b="0" i="0" lang="en" sz="1400" u="none" cap="none" strike="noStrike">
                 <a:solidFill>
                   <a:schemeClr val="lt1"/>
                 </a:solidFill>
@@ -12750,7 +13652,7 @@
               </a:rPr>
               <a:t>Our dataset comprises both manipulated and authentic images, with the former depicting artificially generated faces through various methods. </a:t>
             </a:r>
-            <a:endParaRPr>
+            <a:endParaRPr b="0" i="0" sz="1400" u="none" cap="none" strike="noStrike">
               <a:solidFill>
                 <a:schemeClr val="lt1"/>
               </a:solidFill>
@@ -12761,19 +13663,27 @@
             </a:endParaRPr>
           </a:p>
           <a:p>
-            <a:pPr indent="0" lvl="0" marL="0" rtl="0" algn="l">
-              <a:spcBef>
-                <a:spcPts val="0"/>
-              </a:spcBef>
-              <a:spcAft>
-                <a:spcPts val="0"/>
-              </a:spcAft>
+            <a:pPr indent="0" lvl="0" marL="0" marR="0" rtl="0" algn="l">
+              <a:lnSpc>
+                <a:spcPct val="100000"/>
+              </a:lnSpc>
+              <a:spcBef>
+                <a:spcPts val="0"/>
+              </a:spcBef>
+              <a:spcAft>
+                <a:spcPts val="0"/>
+              </a:spcAft>
+              <a:buClr>
+                <a:srgbClr val="000000"/>
+              </a:buClr>
+              <a:buSzPts val="1400"/>
+              <a:buFont typeface="Arial"/>
               <a:buNone/>
             </a:pPr>
             <a:r>
               <a:t/>
             </a:r>
-            <a:endParaRPr>
+            <a:endParaRPr b="0" i="0" sz="1400" u="none" cap="none" strike="noStrike">
               <a:solidFill>
                 <a:schemeClr val="lt1"/>
               </a:solidFill>
@@ -12784,17 +13694,25 @@
             </a:endParaRPr>
           </a:p>
           <a:p>
-            <a:pPr indent="0" lvl="0" marL="0" rtl="0" algn="l">
-              <a:spcBef>
-                <a:spcPts val="0"/>
-              </a:spcBef>
-              <a:spcAft>
-                <a:spcPts val="0"/>
-              </a:spcAft>
+            <a:pPr indent="0" lvl="0" marL="0" marR="0" rtl="0" algn="l">
+              <a:lnSpc>
+                <a:spcPct val="100000"/>
+              </a:lnSpc>
+              <a:spcBef>
+                <a:spcPts val="0"/>
+              </a:spcBef>
+              <a:spcAft>
+                <a:spcPts val="0"/>
+              </a:spcAft>
+              <a:buClr>
+                <a:srgbClr val="000000"/>
+              </a:buClr>
+              <a:buSzPts val="1400"/>
+              <a:buFont typeface="Arial"/>
               <a:buNone/>
             </a:pPr>
             <a:r>
-              <a:rPr lang="en">
+              <a:rPr b="0" i="0" lang="en" sz="1400" u="none" cap="none" strike="noStrike">
                 <a:solidFill>
                   <a:schemeClr val="lt1"/>
                 </a:solidFill>
@@ -12803,9 +13721,9 @@
                 <a:cs typeface="Verdana"/>
                 <a:sym typeface="Verdana"/>
               </a:rPr>
-              <a:t>The dataset was sourced from https://zenodo.org/record/5528418#.YpdlS2hBzDd </a:t>
+              <a:t>Each image in the dataset is a 224 x 224 jpg representation of a human face, presenting either a genuine or fabricated portrayal.</a:t>
             </a:r>
-            <a:endParaRPr>
+            <a:endParaRPr b="0" i="0" sz="1400" u="none" cap="none" strike="noStrike">
               <a:solidFill>
                 <a:schemeClr val="lt1"/>
               </a:solidFill>
@@ -12816,28 +13734,27 @@
             </a:endParaRPr>
           </a:p>
           <a:p>
-            <a:pPr indent="0" lvl="0" marL="0" rtl="0" algn="l">
-              <a:spcBef>
-                <a:spcPts val="0"/>
-              </a:spcBef>
-              <a:spcAft>
-                <a:spcPts val="0"/>
-              </a:spcAft>
+            <a:pPr indent="0" lvl="0" marL="0" marR="0" rtl="0" algn="l">
+              <a:lnSpc>
+                <a:spcPct val="100000"/>
+              </a:lnSpc>
+              <a:spcBef>
+                <a:spcPts val="0"/>
+              </a:spcBef>
+              <a:spcAft>
+                <a:spcPts val="0"/>
+              </a:spcAft>
+              <a:buClr>
+                <a:srgbClr val="000000"/>
+              </a:buClr>
+              <a:buSzPts val="1500"/>
+              <a:buFont typeface="Arial"/>
               <a:buNone/>
             </a:pPr>
             <a:r>
-              <a:rPr lang="en">
-                <a:solidFill>
-                  <a:schemeClr val="lt1"/>
-                </a:solidFill>
-                <a:latin typeface="Verdana"/>
-                <a:ea typeface="Verdana"/>
-                <a:cs typeface="Verdana"/>
-                <a:sym typeface="Verdana"/>
-              </a:rPr>
-              <a:t>and was further processed to maximize the utility of these images. </a:t>
+              <a:t/>
             </a:r>
-            <a:endParaRPr>
+            <a:endParaRPr b="0" i="0" sz="1500" u="none" cap="none" strike="noStrike">
               <a:solidFill>
                 <a:schemeClr val="lt1"/>
               </a:solidFill>
@@ -12848,97 +13765,27 @@
             </a:endParaRPr>
           </a:p>
           <a:p>
-            <a:pPr indent="0" lvl="0" marL="0" rtl="0" algn="l">
-              <a:spcBef>
-                <a:spcPts val="0"/>
-              </a:spcBef>
-              <a:spcAft>
-                <a:spcPts val="0"/>
-              </a:spcAft>
+            <a:pPr indent="0" lvl="0" marL="0" marR="0" rtl="0" algn="l">
+              <a:lnSpc>
+                <a:spcPct val="100000"/>
+              </a:lnSpc>
+              <a:spcBef>
+                <a:spcPts val="0"/>
+              </a:spcBef>
+              <a:spcAft>
+                <a:spcPts val="0"/>
+              </a:spcAft>
+              <a:buClr>
+                <a:srgbClr val="000000"/>
+              </a:buClr>
+              <a:buSzPts val="1500"/>
+              <a:buFont typeface="Arial"/>
               <a:buNone/>
             </a:pPr>
             <a:r>
               <a:t/>
             </a:r>
-            <a:endParaRPr>
-              <a:solidFill>
-                <a:schemeClr val="lt1"/>
-              </a:solidFill>
-              <a:latin typeface="Verdana"/>
-              <a:ea typeface="Verdana"/>
-              <a:cs typeface="Verdana"/>
-              <a:sym typeface="Verdana"/>
-            </a:endParaRPr>
-          </a:p>
-          <a:p>
-            <a:pPr indent="0" lvl="0" marL="0" rtl="0" algn="l">
-              <a:spcBef>
-                <a:spcPts val="0"/>
-              </a:spcBef>
-              <a:spcAft>
-                <a:spcPts val="0"/>
-              </a:spcAft>
-              <a:buNone/>
-            </a:pPr>
-            <a:r>
-              <a:rPr lang="en">
-                <a:solidFill>
-                  <a:schemeClr val="lt1"/>
-                </a:solidFill>
-                <a:latin typeface="Verdana"/>
-                <a:ea typeface="Verdana"/>
-                <a:cs typeface="Verdana"/>
-                <a:sym typeface="Verdana"/>
-              </a:rPr>
-              <a:t>Each image in the dataset is a 256 x 256 jpg representation of a human face, presenting either a genuine or fabricated portrayal.</a:t>
-            </a:r>
-            <a:endParaRPr>
-              <a:solidFill>
-                <a:schemeClr val="lt1"/>
-              </a:solidFill>
-              <a:latin typeface="Verdana"/>
-              <a:ea typeface="Verdana"/>
-              <a:cs typeface="Verdana"/>
-              <a:sym typeface="Verdana"/>
-            </a:endParaRPr>
-          </a:p>
-          <a:p>
-            <a:pPr indent="0" lvl="0" marL="0" rtl="0" algn="l">
-              <a:spcBef>
-                <a:spcPts val="0"/>
-              </a:spcBef>
-              <a:spcAft>
-                <a:spcPts val="0"/>
-              </a:spcAft>
-              <a:buNone/>
-            </a:pPr>
-            <a:r>
-              <a:t/>
-            </a:r>
-            <a:endParaRPr sz="1500">
-              <a:solidFill>
-                <a:schemeClr val="lt1"/>
-              </a:solidFill>
-              <a:latin typeface="Verdana"/>
-              <a:ea typeface="Verdana"/>
-              <a:cs typeface="Verdana"/>
-              <a:sym typeface="Verdana"/>
-            </a:endParaRPr>
-          </a:p>
-          <a:p>
-            <a:pPr indent="0" lvl="0" marL="0" rtl="0" algn="l">
-              <a:spcBef>
-                <a:spcPts val="0"/>
-              </a:spcBef>
-              <a:spcAft>
-                <a:spcPts val="0"/>
-              </a:spcAft>
-              <a:buNone/>
-            </a:pPr>
-            <a:r>
-              <a:t/>
-            </a:r>
-            <a:endParaRPr sz="1500">
+            <a:endParaRPr b="0" i="0" sz="1500" u="none" cap="none" strike="noStrike">
               <a:solidFill>
                 <a:schemeClr val="lt1"/>
               </a:solidFill>
@@ -12956,13 +13803,12 @@
           <p:cNvPicPr preferRelativeResize="0"/>
           <p:nvPr/>
         </p:nvPicPr>
-        <p:blipFill>
+        <p:blipFill rotWithShape="1">
           <a:blip r:embed="rId3">
             <a:alphaModFix/>
           </a:blip>
-          <a:stretch>
-            <a:fillRect/>
-          </a:stretch>
+          <a:srcRect b="0" l="0" r="0" t="0"/>
+          <a:stretch/>
         </p:blipFill>
         <p:spPr>
           <a:xfrm>
@@ -13210,7 +14056,10 @@
           </a:bodyPr>
           <a:lstStyle/>
           <a:p>
-            <a:pPr indent="0" lvl="0" marL="0" rtl="0" algn="l">
+            <a:pPr indent="0" lvl="0" marL="0" marR="0" rtl="0" algn="l">
+              <a:lnSpc>
+                <a:spcPct val="100000"/>
+              </a:lnSpc>
               <a:spcBef>
                 <a:spcPts val="0"/>
               </a:spcBef>
@@ -13225,7 +14074,7 @@
               <a:buNone/>
             </a:pPr>
             <a:r>
-              <a:rPr lang="en" sz="1300">
+              <a:rPr b="0" i="0" lang="en" sz="1300" u="none" cap="none" strike="noStrike">
                 <a:solidFill>
                   <a:schemeClr val="lt1"/>
                 </a:solidFill>
@@ -13237,7 +14086,7 @@
               <a:t>1) </a:t>
             </a:r>
             <a:r>
-              <a:rPr b="1" lang="en" sz="1300">
+              <a:rPr b="1" i="0" lang="en" sz="1300" u="none" cap="none" strike="noStrike">
                 <a:solidFill>
                   <a:schemeClr val="lt1"/>
                 </a:solidFill>
@@ -13249,7 +14098,7 @@
               <a:t>Residual Block</a:t>
             </a:r>
             <a:r>
-              <a:rPr lang="en" sz="1300">
+              <a:rPr b="0" i="0" lang="en" sz="1300" u="none" cap="none" strike="noStrike">
                 <a:solidFill>
                   <a:schemeClr val="lt1"/>
                 </a:solidFill>
@@ -13260,7 +14109,7 @@
               </a:rPr>
               <a:t>: Introduces a building block that enables the learning of residual functions, addressing the vanishing gradient problem in deep neural networks.</a:t>
             </a:r>
-            <a:endParaRPr sz="1300">
+            <a:endParaRPr b="0" i="0" sz="1300" u="none" cap="none" strike="noStrike">
               <a:solidFill>
                 <a:schemeClr val="lt1"/>
               </a:solidFill>
@@ -13271,7 +14120,10 @@
             </a:endParaRPr>
           </a:p>
           <a:p>
-            <a:pPr indent="0" lvl="0" marL="0" rtl="0" algn="l">
+            <a:pPr indent="0" lvl="0" marL="0" marR="0" rtl="0" algn="l">
+              <a:lnSpc>
+                <a:spcPct val="100000"/>
+              </a:lnSpc>
               <a:spcBef>
                 <a:spcPts val="0"/>
               </a:spcBef>
@@ -13288,7 +14140,7 @@
             <a:r>
               <a:t/>
             </a:r>
-            <a:endParaRPr sz="1300">
+            <a:endParaRPr b="0" i="0" sz="1300" u="none" cap="none" strike="noStrike">
               <a:solidFill>
                 <a:schemeClr val="lt1"/>
               </a:solidFill>
@@ -13299,7 +14151,10 @@
             </a:endParaRPr>
           </a:p>
           <a:p>
-            <a:pPr indent="0" lvl="0" marL="0" rtl="0" algn="l">
+            <a:pPr indent="0" lvl="0" marL="0" marR="0" rtl="0" algn="l">
+              <a:lnSpc>
+                <a:spcPct val="100000"/>
+              </a:lnSpc>
               <a:spcBef>
                 <a:spcPts val="0"/>
               </a:spcBef>
@@ -13314,7 +14169,7 @@
               <a:buNone/>
             </a:pPr>
             <a:r>
-              <a:rPr lang="en" sz="1300">
+              <a:rPr b="0" i="0" lang="en" sz="1300" u="none" cap="none" strike="noStrike">
                 <a:solidFill>
                   <a:schemeClr val="lt1"/>
                 </a:solidFill>
@@ -13326,7 +14181,7 @@
               <a:t>2) </a:t>
             </a:r>
             <a:r>
-              <a:rPr b="1" lang="en" sz="1300">
+              <a:rPr b="1" i="0" lang="en" sz="1300" u="none" cap="none" strike="noStrike">
                 <a:solidFill>
                   <a:schemeClr val="lt1"/>
                 </a:solidFill>
@@ -13338,7 +14193,7 @@
               <a:t>Skip Connections</a:t>
             </a:r>
             <a:r>
-              <a:rPr lang="en" sz="1300">
+              <a:rPr b="0" i="0" lang="en" sz="1300" u="none" cap="none" strike="noStrike">
                 <a:solidFill>
                   <a:schemeClr val="lt1"/>
                 </a:solidFill>
@@ -13349,7 +14204,7 @@
               </a:rPr>
               <a:t>: Connects input and output across layers, facilitating the flow of information and mitigating degradation issues in the training of deep networks.</a:t>
             </a:r>
-            <a:endParaRPr sz="1300">
+            <a:endParaRPr b="0" i="0" sz="1300" u="none" cap="none" strike="noStrike">
               <a:solidFill>
                 <a:schemeClr val="lt1"/>
               </a:solidFill>
@@ -13360,7 +14215,10 @@
             </a:endParaRPr>
           </a:p>
           <a:p>
-            <a:pPr indent="0" lvl="0" marL="0" rtl="0" algn="l">
+            <a:pPr indent="0" lvl="0" marL="0" marR="0" rtl="0" algn="l">
+              <a:lnSpc>
+                <a:spcPct val="100000"/>
+              </a:lnSpc>
               <a:spcBef>
                 <a:spcPts val="0"/>
               </a:spcBef>
@@ -13377,7 +14235,7 @@
             <a:r>
               <a:t/>
             </a:r>
-            <a:endParaRPr sz="1300">
+            <a:endParaRPr b="0" i="0" sz="1300" u="none" cap="none" strike="noStrike">
               <a:solidFill>
                 <a:schemeClr val="lt1"/>
               </a:solidFill>
@@ -13388,7 +14246,10 @@
             </a:endParaRPr>
           </a:p>
           <a:p>
-            <a:pPr indent="0" lvl="0" marL="0" rtl="0" algn="l">
+            <a:pPr indent="0" lvl="0" marL="0" marR="0" rtl="0" algn="l">
+              <a:lnSpc>
+                <a:spcPct val="100000"/>
+              </a:lnSpc>
               <a:spcBef>
                 <a:spcPts val="0"/>
               </a:spcBef>
@@ -13403,7 +14264,7 @@
               <a:buNone/>
             </a:pPr>
             <a:r>
-              <a:rPr lang="en" sz="1300">
+              <a:rPr b="0" i="0" lang="en" sz="1300" u="none" cap="none" strike="noStrike">
                 <a:solidFill>
                   <a:schemeClr val="lt1"/>
                 </a:solidFill>
@@ -13415,7 +14276,7 @@
               <a:t>3) </a:t>
             </a:r>
             <a:r>
-              <a:rPr b="1" lang="en" sz="1300">
+              <a:rPr b="1" i="0" lang="en" sz="1300" u="none" cap="none" strike="noStrike">
                 <a:solidFill>
                   <a:schemeClr val="lt1"/>
                 </a:solidFill>
@@ -13427,7 +14288,7 @@
               <a:t>Identity Mapping</a:t>
             </a:r>
             <a:r>
-              <a:rPr lang="en" sz="1300">
+              <a:rPr b="0" i="0" lang="en" sz="1300" u="none" cap="none" strike="noStrike">
                 <a:solidFill>
                   <a:schemeClr val="lt1"/>
                 </a:solidFill>
@@ -13438,7 +14299,7 @@
               </a:rPr>
               <a:t>: Aims to learn an identity function within residual blocks, enhancing model convergence and enabling the training of deeper networks.</a:t>
             </a:r>
-            <a:endParaRPr sz="1300">
+            <a:endParaRPr b="0" i="0" sz="1300" u="none" cap="none" strike="noStrike">
               <a:solidFill>
                 <a:schemeClr val="lt1"/>
               </a:solidFill>
@@ -13449,7 +14310,10 @@
             </a:endParaRPr>
           </a:p>
           <a:p>
-            <a:pPr indent="0" lvl="0" marL="0" rtl="0" algn="l">
+            <a:pPr indent="0" lvl="0" marL="0" marR="0" rtl="0" algn="l">
+              <a:lnSpc>
+                <a:spcPct val="100000"/>
+              </a:lnSpc>
               <a:spcBef>
                 <a:spcPts val="0"/>
               </a:spcBef>
@@ -13466,7 +14330,7 @@
             <a:r>
               <a:t/>
             </a:r>
-            <a:endParaRPr sz="1300">
+            <a:endParaRPr b="0" i="0" sz="1300" u="none" cap="none" strike="noStrike">
               <a:solidFill>
                 <a:schemeClr val="lt1"/>
               </a:solidFill>
@@ -13477,7 +14341,10 @@
             </a:endParaRPr>
           </a:p>
           <a:p>
-            <a:pPr indent="0" lvl="0" marL="0" rtl="0" algn="l">
+            <a:pPr indent="0" lvl="0" marL="0" marR="0" rtl="0" algn="l">
+              <a:lnSpc>
+                <a:spcPct val="100000"/>
+              </a:lnSpc>
               <a:spcBef>
                 <a:spcPts val="0"/>
               </a:spcBef>
@@ -13492,7 +14359,7 @@
               <a:buNone/>
             </a:pPr>
             <a:r>
-              <a:rPr lang="en" sz="1300">
+              <a:rPr b="0" i="0" lang="en" sz="1300" u="none" cap="none" strike="noStrike">
                 <a:solidFill>
                   <a:schemeClr val="lt1"/>
                 </a:solidFill>
@@ -13504,7 +14371,7 @@
               <a:t>4) </a:t>
             </a:r>
             <a:r>
-              <a:rPr b="1" lang="en" sz="1300">
+              <a:rPr b="1" i="0" lang="en" sz="1300" u="none" cap="none" strike="noStrike">
                 <a:solidFill>
                   <a:schemeClr val="lt1"/>
                 </a:solidFill>
@@ -13516,7 +14383,7 @@
               <a:t>Bottleneck Architecture</a:t>
             </a:r>
             <a:r>
-              <a:rPr lang="en" sz="1300">
+              <a:rPr b="0" i="0" lang="en" sz="1300" u="none" cap="none" strike="noStrike">
                 <a:solidFill>
                   <a:schemeClr val="lt1"/>
                 </a:solidFill>
@@ -13527,7 +14394,7 @@
               </a:rPr>
               <a:t>: Utilizes a three-layer structure in residual blocks, reducing computational complexity and enhancing the efficiency of deep neural networks.</a:t>
             </a:r>
-            <a:endParaRPr sz="1300">
+            <a:endParaRPr b="0" i="0" sz="1300" u="none" cap="none" strike="noStrike">
               <a:solidFill>
                 <a:schemeClr val="lt1"/>
               </a:solidFill>
@@ -13538,7 +14405,10 @@
             </a:endParaRPr>
           </a:p>
           <a:p>
-            <a:pPr indent="0" lvl="0" marL="0" rtl="0" algn="l">
+            <a:pPr indent="0" lvl="0" marL="0" marR="0" rtl="0" algn="l">
+              <a:lnSpc>
+                <a:spcPct val="100000"/>
+              </a:lnSpc>
               <a:spcBef>
                 <a:spcPts val="0"/>
               </a:spcBef>
@@ -13555,7 +14425,7 @@
             <a:r>
               <a:t/>
             </a:r>
-            <a:endParaRPr sz="1300">
+            <a:endParaRPr b="0" i="0" sz="1300" u="none" cap="none" strike="noStrike">
               <a:solidFill>
                 <a:schemeClr val="lt1"/>
               </a:solidFill>
@@ -13566,7 +14436,10 @@
             </a:endParaRPr>
           </a:p>
           <a:p>
-            <a:pPr indent="0" lvl="0" marL="0" rtl="0" algn="l">
+            <a:pPr indent="0" lvl="0" marL="0" marR="0" rtl="0" algn="l">
+              <a:lnSpc>
+                <a:spcPct val="100000"/>
+              </a:lnSpc>
               <a:spcBef>
                 <a:spcPts val="0"/>
               </a:spcBef>
@@ -13581,7 +14454,7 @@
               <a:buNone/>
             </a:pPr>
             <a:r>
-              <a:rPr lang="en" sz="1300">
+              <a:rPr b="0" i="0" lang="en" sz="1300" u="none" cap="none" strike="noStrike">
                 <a:solidFill>
                   <a:schemeClr val="lt1"/>
                 </a:solidFill>
@@ -13593,7 +14466,7 @@
               <a:t>5) </a:t>
             </a:r>
             <a:r>
-              <a:rPr b="1" lang="en" sz="1300">
+              <a:rPr b="1" i="0" lang="en" sz="1300" u="none" cap="none" strike="noStrike">
                 <a:solidFill>
                   <a:schemeClr val="lt1"/>
                 </a:solidFill>
@@ -13605,7 +14478,7 @@
               <a:t>Architecture Depth:</a:t>
             </a:r>
             <a:r>
-              <a:rPr lang="en" sz="1300">
+              <a:rPr b="0" i="0" lang="en" sz="1300" u="none" cap="none" strike="noStrike">
                 <a:solidFill>
                   <a:schemeClr val="lt1"/>
                 </a:solidFill>
@@ -13616,7 +14489,7 @@
               </a:rPr>
               <a:t> ResNet achieves remarkable depth, enabling the training of very deep networks with hundreds or even thousands of layers.</a:t>
             </a:r>
-            <a:endParaRPr sz="1300">
+            <a:endParaRPr b="0" i="0" sz="1300" u="none" cap="none" strike="noStrike">
               <a:solidFill>
                 <a:schemeClr val="lt1"/>
               </a:solidFill>
@@ -13627,7 +14500,10 @@
             </a:endParaRPr>
           </a:p>
           <a:p>
-            <a:pPr indent="0" lvl="0" marL="0" rtl="0" algn="l">
+            <a:pPr indent="0" lvl="0" marL="0" marR="0" rtl="0" algn="l">
+              <a:lnSpc>
+                <a:spcPct val="100000"/>
+              </a:lnSpc>
               <a:spcBef>
                 <a:spcPts val="0"/>
               </a:spcBef>
@@ -13644,7 +14520,7 @@
             <a:r>
               <a:t/>
             </a:r>
-            <a:endParaRPr sz="1300">
+            <a:endParaRPr b="0" i="0" sz="1300" u="none" cap="none" strike="noStrike">
               <a:solidFill>
                 <a:schemeClr val="lt1"/>
               </a:solidFill>
@@ -13655,7 +14531,10 @@
             </a:endParaRPr>
           </a:p>
           <a:p>
-            <a:pPr indent="0" lvl="0" marL="0" rtl="0" algn="l">
+            <a:pPr indent="0" lvl="0" marL="0" marR="0" rtl="0" algn="l">
+              <a:lnSpc>
+                <a:spcPct val="100000"/>
+              </a:lnSpc>
               <a:spcBef>
                 <a:spcPts val="0"/>
               </a:spcBef>
@@ -13670,7 +14549,7 @@
               <a:buNone/>
             </a:pPr>
             <a:r>
-              <a:rPr lang="en" sz="1300">
+              <a:rPr b="0" i="0" lang="en" sz="1300" u="none" cap="none" strike="noStrike">
                 <a:solidFill>
                   <a:schemeClr val="lt1"/>
                 </a:solidFill>
@@ -13682,7 +14561,7 @@
               <a:t>6) </a:t>
             </a:r>
             <a:r>
-              <a:rPr b="1" lang="en" sz="1300">
+              <a:rPr b="1" i="0" lang="en" sz="1300" u="none" cap="none" strike="noStrike">
                 <a:solidFill>
                   <a:schemeClr val="lt1"/>
                 </a:solidFill>
@@ -13694,7 +14573,7 @@
               <a:t>Batch Normalization</a:t>
             </a:r>
             <a:r>
-              <a:rPr lang="en" sz="1300">
+              <a:rPr b="0" i="0" lang="en" sz="1300" u="none" cap="none" strike="noStrike">
                 <a:solidFill>
                   <a:schemeClr val="lt1"/>
                 </a:solidFill>
@@ -13705,7 +14584,7 @@
               </a:rPr>
               <a:t>: Normalizes intermediate layer inputs, reducing internal covariate shift and accelerating training convergence in deep neural networks.</a:t>
             </a:r>
-            <a:endParaRPr sz="1300">
+            <a:endParaRPr b="0" i="0" sz="1300" u="none" cap="none" strike="noStrike">
               <a:solidFill>
                 <a:schemeClr val="lt1"/>
               </a:solidFill>
@@ -13716,19 +14595,27 @@
             </a:endParaRPr>
           </a:p>
           <a:p>
-            <a:pPr indent="0" lvl="0" marL="0" rtl="0" algn="l">
-              <a:spcBef>
-                <a:spcPts val="0"/>
-              </a:spcBef>
-              <a:spcAft>
-                <a:spcPts val="0"/>
-              </a:spcAft>
+            <a:pPr indent="0" lvl="0" marL="0" marR="0" rtl="0" algn="l">
+              <a:lnSpc>
+                <a:spcPct val="100000"/>
+              </a:lnSpc>
+              <a:spcBef>
+                <a:spcPts val="0"/>
+              </a:spcBef>
+              <a:spcAft>
+                <a:spcPts val="0"/>
+              </a:spcAft>
+              <a:buClr>
+                <a:srgbClr val="000000"/>
+              </a:buClr>
+              <a:buSzPts val="1300"/>
+              <a:buFont typeface="Arial"/>
               <a:buNone/>
             </a:pPr>
             <a:r>
               <a:t/>
             </a:r>
-            <a:endParaRPr sz="1300">
+            <a:endParaRPr b="0" i="0" sz="1300" u="none" cap="none" strike="noStrike">
               <a:solidFill>
                 <a:schemeClr val="lt1"/>
               </a:solidFill>
@@ -13767,7 +14654,115 @@
       </p:grpSpPr>
       <p:sp>
         <p:nvSpPr>
-          <p:cNvPr id="92" name="Google Shape;92;p22"/>
+          <p:cNvPr id="92" name="Google Shape;92;g271838b21c4_0_0"/>
+          <p:cNvSpPr txBox="1"/>
+          <p:nvPr>
+            <p:ph type="title"/>
+          </p:nvPr>
+        </p:nvSpPr>
+        <p:spPr>
+          <a:xfrm>
+            <a:off x="311700" y="445025"/>
+            <a:ext cx="8520600" cy="572700"/>
+          </a:xfrm>
+          <a:prstGeom prst="rect">
+            <a:avLst/>
+          </a:prstGeom>
+          <a:noFill/>
+          <a:ln>
+            <a:noFill/>
+          </a:ln>
+        </p:spPr>
+        <p:txBody>
+          <a:bodyPr anchorCtr="0" anchor="t" bIns="91425" lIns="91425" spcFirstLastPara="1" rIns="91425" wrap="square" tIns="91425">
+            <a:normAutofit fontScale="90000"/>
+          </a:bodyPr>
+          <a:lstStyle/>
+          <a:p>
+            <a:pPr indent="0" lvl="0" marL="0" rtl="0" algn="l">
+              <a:lnSpc>
+                <a:spcPct val="100000"/>
+              </a:lnSpc>
+              <a:spcBef>
+                <a:spcPts val="0"/>
+              </a:spcBef>
+              <a:spcAft>
+                <a:spcPts val="0"/>
+              </a:spcAft>
+              <a:buSzPct val="111111"/>
+              <a:buNone/>
+            </a:pPr>
+            <a:r>
+              <a:rPr lang="en">
+                <a:solidFill>
+                  <a:schemeClr val="lt1"/>
+                </a:solidFill>
+              </a:rPr>
+              <a:t>Architecture</a:t>
+            </a:r>
+            <a:endParaRPr>
+              <a:solidFill>
+                <a:schemeClr val="lt1"/>
+              </a:solidFill>
+            </a:endParaRPr>
+          </a:p>
+        </p:txBody>
+      </p:sp>
+      <p:pic>
+        <p:nvPicPr>
+          <p:cNvPr id="93" name="Google Shape;93;g271838b21c4_0_0"/>
+          <p:cNvPicPr preferRelativeResize="0"/>
+          <p:nvPr/>
+        </p:nvPicPr>
+        <p:blipFill rotWithShape="1">
+          <a:blip r:embed="rId3">
+            <a:alphaModFix/>
+          </a:blip>
+          <a:srcRect b="0" l="0" r="0" t="0"/>
+          <a:stretch/>
+        </p:blipFill>
+        <p:spPr>
+          <a:xfrm>
+            <a:off x="1230200" y="1017725"/>
+            <a:ext cx="6879749" cy="3982150"/>
+          </a:xfrm>
+          <a:prstGeom prst="rect">
+            <a:avLst/>
+          </a:prstGeom>
+          <a:noFill/>
+          <a:ln>
+            <a:noFill/>
+          </a:ln>
+        </p:spPr>
+      </p:pic>
+    </p:spTree>
+  </p:cSld>
+  <p:clrMapOvr>
+    <a:masterClrMapping/>
+  </p:clrMapOvr>
+</p:sld>
+</file>
+
+<file path=ppt/slides/slide7.xml><?xml version="1.0" encoding="utf-8"?>
+<p:sld xmlns:a="http://schemas.openxmlformats.org/drawingml/2006/main" xmlns:r="http://schemas.openxmlformats.org/officeDocument/2006/relationships" xmlns:mc="http://schemas.openxmlformats.org/markup-compatibility/2006" xmlns:mv="urn:schemas-microsoft-com:mac:vml" xmlns:p="http://schemas.openxmlformats.org/presentationml/2006/main" xmlns:c="http://schemas.openxmlformats.org/drawingml/2006/chart" xmlns:dgm="http://schemas.openxmlformats.org/drawingml/2006/diagram" xmlns:o="urn:schemas-microsoft-com:office:office" xmlns:v="urn:schemas-microsoft-com:vml" xmlns:pvml="urn:schemas-microsoft-com:office:powerpoint" xmlns:com="http://schemas.openxmlformats.org/drawingml/2006/compatibility" xmlns:p14="http://schemas.microsoft.com/office/powerpoint/2010/main" xmlns:p15="http://schemas.microsoft.com/office/powerpoint/2012/main" xmlns:ahyp="http://schemas.microsoft.com/office/drawing/2018/hyperlinkcolor">
+  <p:cSld>
+    <p:spTree>
+      <p:nvGrpSpPr>
+        <p:cNvPr id="97" name="Shape 97"/>
+        <p:cNvGrpSpPr/>
+        <p:nvPr/>
+      </p:nvGrpSpPr>
+      <p:grpSpPr>
+        <a:xfrm>
+          <a:off x="0" y="0"/>
+          <a:ext cx="0" cy="0"/>
+          <a:chOff x="0" y="0"/>
+          <a:chExt cx="0" cy="0"/>
+        </a:xfrm>
+      </p:grpSpPr>
+      <p:sp>
+        <p:nvSpPr>
+          <p:cNvPr id="98" name="Google Shape;98;p22"/>
           <p:cNvSpPr txBox="1"/>
           <p:nvPr>
             <p:ph type="title"/>
@@ -13835,7 +14830,7 @@
       </p:sp>
       <p:sp>
         <p:nvSpPr>
-          <p:cNvPr id="93" name="Google Shape;93;p22"/>
+          <p:cNvPr id="99" name="Google Shape;99;p22"/>
           <p:cNvSpPr txBox="1"/>
           <p:nvPr>
             <p:ph idx="1" type="body"/>
@@ -13861,6 +14856,9 @@
           <a:lstStyle/>
           <a:p>
             <a:pPr indent="0" lvl="0" marL="0" rtl="0" algn="l">
+              <a:lnSpc>
+                <a:spcPct val="115000"/>
+              </a:lnSpc>
               <a:spcBef>
                 <a:spcPts val="0"/>
               </a:spcBef>
@@ -13898,6 +14896,9 @@
           </a:p>
           <a:p>
             <a:pPr indent="0" lvl="0" marL="0" rtl="0" algn="l">
+              <a:lnSpc>
+                <a:spcPct val="115000"/>
+              </a:lnSpc>
               <a:spcBef>
                 <a:spcPts val="1200"/>
               </a:spcBef>
@@ -13959,11 +14960,14 @@
           </a:p>
           <a:p>
             <a:pPr indent="0" lvl="0" marL="0" rtl="0" algn="l">
+              <a:lnSpc>
+                <a:spcPct val="115000"/>
+              </a:lnSpc>
               <a:spcBef>
                 <a:spcPts val="1200"/>
               </a:spcBef>
               <a:spcAft>
-                <a:spcPts val="0"/>
+                <a:spcPts val="1200"/>
               </a:spcAft>
               <a:buClr>
                 <a:schemeClr val="dk1"/>
@@ -14007,33 +15011,6 @@
                 <a:sym typeface="Verdana"/>
               </a:rPr>
               <a:t>: Python</a:t>
-            </a:r>
-            <a:endParaRPr sz="1600">
-              <a:solidFill>
-                <a:schemeClr val="lt1"/>
-              </a:solidFill>
-              <a:latin typeface="Verdana"/>
-              <a:ea typeface="Verdana"/>
-              <a:cs typeface="Verdana"/>
-              <a:sym typeface="Verdana"/>
-            </a:endParaRPr>
-          </a:p>
-          <a:p>
-            <a:pPr indent="0" lvl="0" marL="0" rtl="0" algn="l">
-              <a:lnSpc>
-                <a:spcPct val="115000"/>
-              </a:lnSpc>
-              <a:spcBef>
-                <a:spcPts val="1200"/>
-              </a:spcBef>
-              <a:spcAft>
-                <a:spcPts val="1200"/>
-              </a:spcAft>
-              <a:buSzPts val="1800"/>
-              <a:buNone/>
-            </a:pPr>
-            <a:r>
-              <a:t/>
             </a:r>
             <a:endParaRPr sz="1600">
               <a:solidFill>
@@ -14055,7 +15032,7 @@
 </p:sld>
 </file>
 
-<file path=ppt/slides/slide7.xml><?xml version="1.0" encoding="utf-8"?>
+<file path=ppt/slides/slide8.xml><?xml version="1.0" encoding="utf-8"?>
 <p:sld xmlns:a="http://schemas.openxmlformats.org/drawingml/2006/main" xmlns:r="http://schemas.openxmlformats.org/officeDocument/2006/relationships" xmlns:mc="http://schemas.openxmlformats.org/markup-compatibility/2006" xmlns:mv="urn:schemas-microsoft-com:mac:vml" xmlns:p="http://schemas.openxmlformats.org/presentationml/2006/main" xmlns:c="http://schemas.openxmlformats.org/drawingml/2006/chart" xmlns:dgm="http://schemas.openxmlformats.org/drawingml/2006/diagram" xmlns:o="urn:schemas-microsoft-com:office:office" xmlns:v="urn:schemas-microsoft-com:vml" xmlns:pvml="urn:schemas-microsoft-com:office:powerpoint" xmlns:com="http://schemas.openxmlformats.org/drawingml/2006/compatibility" xmlns:p14="http://schemas.microsoft.com/office/powerpoint/2010/main" xmlns:p15="http://schemas.microsoft.com/office/powerpoint/2012/main" xmlns:ahyp="http://schemas.microsoft.com/office/drawing/2018/hyperlinkcolor">
   <p:cSld>
     <p:bg>
@@ -14067,7 +15044,7 @@
     </p:bg>
     <p:spTree>
       <p:nvGrpSpPr>
-        <p:cNvPr id="97" name="Shape 97"/>
+        <p:cNvPr id="103" name="Shape 103"/>
         <p:cNvGrpSpPr/>
         <p:nvPr/>
       </p:nvGrpSpPr>
@@ -14081,7 +15058,528 @@
       </p:grpSpPr>
       <p:sp>
         <p:nvSpPr>
-          <p:cNvPr id="98" name="Google Shape;98;p3"/>
+          <p:cNvPr id="104" name="Google Shape;104;p3"/>
+          <p:cNvSpPr txBox="1"/>
+          <p:nvPr/>
+        </p:nvSpPr>
+        <p:spPr>
+          <a:xfrm>
+            <a:off x="253350" y="630875"/>
+            <a:ext cx="8637300" cy="4308600"/>
+          </a:xfrm>
+          <a:prstGeom prst="rect">
+            <a:avLst/>
+          </a:prstGeom>
+          <a:noFill/>
+          <a:ln>
+            <a:noFill/>
+          </a:ln>
+        </p:spPr>
+        <p:txBody>
+          <a:bodyPr anchorCtr="0" anchor="t" bIns="91425" lIns="91425" spcFirstLastPara="1" rIns="91425" wrap="square" tIns="91425">
+            <a:noAutofit/>
+          </a:bodyPr>
+          <a:lstStyle/>
+          <a:p>
+            <a:pPr indent="0" lvl="0" marL="0" marR="0" rtl="0" algn="l">
+              <a:lnSpc>
+                <a:spcPct val="115000"/>
+              </a:lnSpc>
+              <a:spcBef>
+                <a:spcPts val="1200"/>
+              </a:spcBef>
+              <a:spcAft>
+                <a:spcPts val="0"/>
+              </a:spcAft>
+              <a:buClr>
+                <a:schemeClr val="dk1"/>
+              </a:buClr>
+              <a:buSzPts val="1100"/>
+              <a:buFont typeface="Arial"/>
+              <a:buNone/>
+            </a:pPr>
+            <a:r>
+              <a:rPr b="1" i="0" lang="en" sz="1300" u="none" cap="none" strike="noStrike">
+                <a:solidFill>
+                  <a:schemeClr val="lt1"/>
+                </a:solidFill>
+                <a:latin typeface="Arial"/>
+                <a:ea typeface="Arial"/>
+                <a:cs typeface="Arial"/>
+                <a:sym typeface="Arial"/>
+              </a:rPr>
+              <a:t>1. Data Preparation</a:t>
+            </a:r>
+            <a:endParaRPr b="1" i="0" sz="1300" u="none" cap="none" strike="noStrike">
+              <a:solidFill>
+                <a:schemeClr val="lt1"/>
+              </a:solidFill>
+              <a:latin typeface="Arial"/>
+              <a:ea typeface="Arial"/>
+              <a:cs typeface="Arial"/>
+              <a:sym typeface="Arial"/>
+            </a:endParaRPr>
+          </a:p>
+          <a:p>
+            <a:pPr indent="-311150" lvl="0" marL="457200" marR="0" rtl="0" algn="l">
+              <a:lnSpc>
+                <a:spcPct val="115000"/>
+              </a:lnSpc>
+              <a:spcBef>
+                <a:spcPts val="1200"/>
+              </a:spcBef>
+              <a:spcAft>
+                <a:spcPts val="0"/>
+              </a:spcAft>
+              <a:buClr>
+                <a:schemeClr val="lt1"/>
+              </a:buClr>
+              <a:buSzPts val="1300"/>
+              <a:buFont typeface="Arial"/>
+              <a:buChar char="●"/>
+            </a:pPr>
+            <a:r>
+              <a:rPr b="0" i="0" lang="en" sz="1300" u="none" cap="none" strike="noStrike">
+                <a:solidFill>
+                  <a:schemeClr val="lt1"/>
+                </a:solidFill>
+                <a:latin typeface="Arial"/>
+                <a:ea typeface="Arial"/>
+                <a:cs typeface="Arial"/>
+                <a:sym typeface="Arial"/>
+              </a:rPr>
+              <a:t>Organized dataset into training, validation, and test sets with real and fake images.</a:t>
+            </a:r>
+            <a:endParaRPr b="0" i="0" sz="1300" u="none" cap="none" strike="noStrike">
+              <a:solidFill>
+                <a:schemeClr val="lt1"/>
+              </a:solidFill>
+              <a:latin typeface="Arial"/>
+              <a:ea typeface="Arial"/>
+              <a:cs typeface="Arial"/>
+              <a:sym typeface="Arial"/>
+            </a:endParaRPr>
+          </a:p>
+          <a:p>
+            <a:pPr indent="-311150" lvl="0" marL="457200" marR="0" rtl="0" algn="l">
+              <a:lnSpc>
+                <a:spcPct val="115000"/>
+              </a:lnSpc>
+              <a:spcBef>
+                <a:spcPts val="0"/>
+              </a:spcBef>
+              <a:spcAft>
+                <a:spcPts val="0"/>
+              </a:spcAft>
+              <a:buClr>
+                <a:schemeClr val="lt1"/>
+              </a:buClr>
+              <a:buSzPts val="1300"/>
+              <a:buFont typeface="Arial"/>
+              <a:buChar char="●"/>
+            </a:pPr>
+            <a:r>
+              <a:rPr b="0" i="0" lang="en" sz="1300" u="none" cap="none" strike="noStrike">
+                <a:solidFill>
+                  <a:schemeClr val="lt1"/>
+                </a:solidFill>
+                <a:latin typeface="Arial"/>
+                <a:ea typeface="Arial"/>
+                <a:cs typeface="Arial"/>
+                <a:sym typeface="Arial"/>
+              </a:rPr>
+              <a:t>Ensured balanced distribution in each dataset split using the </a:t>
+            </a:r>
+            <a:r>
+              <a:rPr b="0" i="0" lang="en" sz="1300" u="none" cap="none" strike="noStrike">
+                <a:solidFill>
+                  <a:schemeClr val="lt1"/>
+                </a:solidFill>
+                <a:latin typeface="Roboto Mono"/>
+                <a:ea typeface="Roboto Mono"/>
+                <a:cs typeface="Roboto Mono"/>
+                <a:sym typeface="Roboto Mono"/>
+              </a:rPr>
+              <a:t>check_dist()</a:t>
+            </a:r>
+            <a:r>
+              <a:rPr b="0" i="0" lang="en" sz="1300" u="none" cap="none" strike="noStrike">
+                <a:solidFill>
+                  <a:schemeClr val="lt1"/>
+                </a:solidFill>
+                <a:latin typeface="Arial"/>
+                <a:ea typeface="Arial"/>
+                <a:cs typeface="Arial"/>
+                <a:sym typeface="Arial"/>
+              </a:rPr>
+              <a:t> function.</a:t>
+            </a:r>
+            <a:endParaRPr b="0" i="0" sz="1300" u="none" cap="none" strike="noStrike">
+              <a:solidFill>
+                <a:schemeClr val="lt1"/>
+              </a:solidFill>
+              <a:latin typeface="Arial"/>
+              <a:ea typeface="Arial"/>
+              <a:cs typeface="Arial"/>
+              <a:sym typeface="Arial"/>
+            </a:endParaRPr>
+          </a:p>
+          <a:p>
+            <a:pPr indent="0" lvl="0" marL="0" marR="0" rtl="0" algn="l">
+              <a:lnSpc>
+                <a:spcPct val="115000"/>
+              </a:lnSpc>
+              <a:spcBef>
+                <a:spcPts val="1200"/>
+              </a:spcBef>
+              <a:spcAft>
+                <a:spcPts val="0"/>
+              </a:spcAft>
+              <a:buClr>
+                <a:schemeClr val="dk1"/>
+              </a:buClr>
+              <a:buSzPts val="1100"/>
+              <a:buFont typeface="Arial"/>
+              <a:buNone/>
+            </a:pPr>
+            <a:r>
+              <a:rPr b="1" i="0" lang="en" sz="1300" u="none" cap="none" strike="noStrike">
+                <a:solidFill>
+                  <a:schemeClr val="lt1"/>
+                </a:solidFill>
+                <a:latin typeface="Arial"/>
+                <a:ea typeface="Arial"/>
+                <a:cs typeface="Arial"/>
+                <a:sym typeface="Arial"/>
+              </a:rPr>
+              <a:t>2. Data Preprocessing</a:t>
+            </a:r>
+            <a:endParaRPr b="1" i="0" sz="1300" u="none" cap="none" strike="noStrike">
+              <a:solidFill>
+                <a:schemeClr val="lt1"/>
+              </a:solidFill>
+              <a:latin typeface="Arial"/>
+              <a:ea typeface="Arial"/>
+              <a:cs typeface="Arial"/>
+              <a:sym typeface="Arial"/>
+            </a:endParaRPr>
+          </a:p>
+          <a:p>
+            <a:pPr indent="-311150" lvl="0" marL="457200" marR="0" rtl="0" algn="l">
+              <a:lnSpc>
+                <a:spcPct val="115000"/>
+              </a:lnSpc>
+              <a:spcBef>
+                <a:spcPts val="1200"/>
+              </a:spcBef>
+              <a:spcAft>
+                <a:spcPts val="0"/>
+              </a:spcAft>
+              <a:buClr>
+                <a:schemeClr val="lt1"/>
+              </a:buClr>
+              <a:buSzPts val="1300"/>
+              <a:buFont typeface="Arial"/>
+              <a:buChar char="●"/>
+            </a:pPr>
+            <a:r>
+              <a:rPr b="0" i="0" lang="en" sz="1300" u="none" cap="none" strike="noStrike">
+                <a:solidFill>
+                  <a:schemeClr val="lt1"/>
+                </a:solidFill>
+                <a:latin typeface="Arial"/>
+                <a:ea typeface="Arial"/>
+                <a:cs typeface="Arial"/>
+                <a:sym typeface="Arial"/>
+              </a:rPr>
+              <a:t>Resized images to 224x224 pixels (IMG_SIZE).</a:t>
+            </a:r>
+            <a:endParaRPr b="0" i="0" sz="1300" u="none" cap="none" strike="noStrike">
+              <a:solidFill>
+                <a:schemeClr val="lt1"/>
+              </a:solidFill>
+              <a:latin typeface="Arial"/>
+              <a:ea typeface="Arial"/>
+              <a:cs typeface="Arial"/>
+              <a:sym typeface="Arial"/>
+            </a:endParaRPr>
+          </a:p>
+          <a:p>
+            <a:pPr indent="-311150" lvl="0" marL="457200" marR="0" rtl="0" algn="l">
+              <a:lnSpc>
+                <a:spcPct val="115000"/>
+              </a:lnSpc>
+              <a:spcBef>
+                <a:spcPts val="0"/>
+              </a:spcBef>
+              <a:spcAft>
+                <a:spcPts val="0"/>
+              </a:spcAft>
+              <a:buClr>
+                <a:schemeClr val="lt1"/>
+              </a:buClr>
+              <a:buSzPts val="1300"/>
+              <a:buFont typeface="Arial"/>
+              <a:buChar char="●"/>
+            </a:pPr>
+            <a:r>
+              <a:rPr b="0" i="0" lang="en" sz="1300" u="none" cap="none" strike="noStrike">
+                <a:solidFill>
+                  <a:schemeClr val="lt1"/>
+                </a:solidFill>
+                <a:latin typeface="Arial"/>
+                <a:ea typeface="Arial"/>
+                <a:cs typeface="Arial"/>
+                <a:sym typeface="Arial"/>
+              </a:rPr>
+              <a:t>Applied data augmentation techniques, including rescaling, using ImageDataGenerator.</a:t>
+            </a:r>
+            <a:endParaRPr b="0" i="0" sz="1300" u="none" cap="none" strike="noStrike">
+              <a:solidFill>
+                <a:schemeClr val="lt1"/>
+              </a:solidFill>
+              <a:latin typeface="Arial"/>
+              <a:ea typeface="Arial"/>
+              <a:cs typeface="Arial"/>
+              <a:sym typeface="Arial"/>
+            </a:endParaRPr>
+          </a:p>
+          <a:p>
+            <a:pPr indent="0" lvl="0" marL="0" marR="0" rtl="0" algn="l">
+              <a:lnSpc>
+                <a:spcPct val="115000"/>
+              </a:lnSpc>
+              <a:spcBef>
+                <a:spcPts val="1200"/>
+              </a:spcBef>
+              <a:spcAft>
+                <a:spcPts val="0"/>
+              </a:spcAft>
+              <a:buClr>
+                <a:schemeClr val="dk1"/>
+              </a:buClr>
+              <a:buSzPts val="1100"/>
+              <a:buFont typeface="Arial"/>
+              <a:buNone/>
+            </a:pPr>
+            <a:r>
+              <a:rPr b="1" i="0" lang="en" sz="1300" u="none" cap="none" strike="noStrike">
+                <a:solidFill>
+                  <a:schemeClr val="lt1"/>
+                </a:solidFill>
+                <a:latin typeface="Arial"/>
+                <a:ea typeface="Arial"/>
+                <a:cs typeface="Arial"/>
+                <a:sym typeface="Arial"/>
+              </a:rPr>
+              <a:t>3. Model Building</a:t>
+            </a:r>
+            <a:endParaRPr b="1" i="0" sz="1300" u="none" cap="none" strike="noStrike">
+              <a:solidFill>
+                <a:schemeClr val="lt1"/>
+              </a:solidFill>
+              <a:latin typeface="Arial"/>
+              <a:ea typeface="Arial"/>
+              <a:cs typeface="Arial"/>
+              <a:sym typeface="Arial"/>
+            </a:endParaRPr>
+          </a:p>
+          <a:p>
+            <a:pPr indent="-311150" lvl="0" marL="457200" marR="0" rtl="0" algn="l">
+              <a:lnSpc>
+                <a:spcPct val="115000"/>
+              </a:lnSpc>
+              <a:spcBef>
+                <a:spcPts val="1200"/>
+              </a:spcBef>
+              <a:spcAft>
+                <a:spcPts val="0"/>
+              </a:spcAft>
+              <a:buClr>
+                <a:schemeClr val="lt1"/>
+              </a:buClr>
+              <a:buSzPts val="1300"/>
+              <a:buFont typeface="Arial"/>
+              <a:buChar char="●"/>
+            </a:pPr>
+            <a:r>
+              <a:rPr b="0" i="0" lang="en" sz="1300" u="none" cap="none" strike="noStrike">
+                <a:solidFill>
+                  <a:schemeClr val="lt1"/>
+                </a:solidFill>
+                <a:latin typeface="Arial"/>
+                <a:ea typeface="Arial"/>
+                <a:cs typeface="Arial"/>
+                <a:sym typeface="Arial"/>
+              </a:rPr>
+              <a:t>Constructed a CNN model using transfer learning with ResNet50 as the base model.</a:t>
+            </a:r>
+            <a:endParaRPr b="0" i="0" sz="1300" u="none" cap="none" strike="noStrike">
+              <a:solidFill>
+                <a:schemeClr val="lt1"/>
+              </a:solidFill>
+              <a:latin typeface="Arial"/>
+              <a:ea typeface="Arial"/>
+              <a:cs typeface="Arial"/>
+              <a:sym typeface="Arial"/>
+            </a:endParaRPr>
+          </a:p>
+          <a:p>
+            <a:pPr indent="-311150" lvl="0" marL="457200" marR="0" rtl="0" algn="l">
+              <a:lnSpc>
+                <a:spcPct val="115000"/>
+              </a:lnSpc>
+              <a:spcBef>
+                <a:spcPts val="0"/>
+              </a:spcBef>
+              <a:spcAft>
+                <a:spcPts val="0"/>
+              </a:spcAft>
+              <a:buClr>
+                <a:schemeClr val="lt1"/>
+              </a:buClr>
+              <a:buSzPts val="1300"/>
+              <a:buFont typeface="Arial"/>
+              <a:buChar char="●"/>
+            </a:pPr>
+            <a:r>
+              <a:rPr b="0" i="0" lang="en" sz="1300" u="none" cap="none" strike="noStrike">
+                <a:solidFill>
+                  <a:schemeClr val="lt1"/>
+                </a:solidFill>
+                <a:latin typeface="Arial"/>
+                <a:ea typeface="Arial"/>
+                <a:cs typeface="Arial"/>
+                <a:sym typeface="Arial"/>
+              </a:rPr>
+              <a:t>Froze base model layers except for the last 150 layers to prevent overfitting and retain pre-trained weights.</a:t>
+            </a:r>
+            <a:endParaRPr b="0" i="0" sz="1300" u="none" cap="none" strike="noStrike">
+              <a:solidFill>
+                <a:schemeClr val="lt1"/>
+              </a:solidFill>
+              <a:latin typeface="Arial"/>
+              <a:ea typeface="Arial"/>
+              <a:cs typeface="Arial"/>
+              <a:sym typeface="Arial"/>
+            </a:endParaRPr>
+          </a:p>
+          <a:p>
+            <a:pPr indent="-311150" lvl="0" marL="457200" marR="0" rtl="0" algn="l">
+              <a:lnSpc>
+                <a:spcPct val="115000"/>
+              </a:lnSpc>
+              <a:spcBef>
+                <a:spcPts val="0"/>
+              </a:spcBef>
+              <a:spcAft>
+                <a:spcPts val="0"/>
+              </a:spcAft>
+              <a:buClr>
+                <a:schemeClr val="lt1"/>
+              </a:buClr>
+              <a:buSzPts val="1300"/>
+              <a:buFont typeface="Arial"/>
+              <a:buChar char="●"/>
+            </a:pPr>
+            <a:r>
+              <a:rPr b="0" i="0" lang="en" sz="1300" u="none" cap="none" strike="noStrike">
+                <a:solidFill>
+                  <a:schemeClr val="lt1"/>
+                </a:solidFill>
+                <a:latin typeface="Arial"/>
+                <a:ea typeface="Arial"/>
+                <a:cs typeface="Arial"/>
+                <a:sym typeface="Arial"/>
+              </a:rPr>
+              <a:t>Added global average pooling, dropout, and dense layers for feature extraction and classification.</a:t>
+            </a:r>
+            <a:endParaRPr b="0" i="0" sz="1300" u="none" cap="none" strike="noStrike">
+              <a:solidFill>
+                <a:schemeClr val="lt1"/>
+              </a:solidFill>
+              <a:latin typeface="Arial"/>
+              <a:ea typeface="Arial"/>
+              <a:cs typeface="Arial"/>
+              <a:sym typeface="Arial"/>
+            </a:endParaRPr>
+          </a:p>
+          <a:p>
+            <a:pPr indent="-311150" lvl="0" marL="457200" marR="0" rtl="0" algn="l">
+              <a:lnSpc>
+                <a:spcPct val="115000"/>
+              </a:lnSpc>
+              <a:spcBef>
+                <a:spcPts val="0"/>
+              </a:spcBef>
+              <a:spcAft>
+                <a:spcPts val="0"/>
+              </a:spcAft>
+              <a:buClr>
+                <a:schemeClr val="lt1"/>
+              </a:buClr>
+              <a:buSzPts val="1300"/>
+              <a:buFont typeface="Arial"/>
+              <a:buChar char="●"/>
+            </a:pPr>
+            <a:r>
+              <a:rPr b="0" i="0" lang="en" sz="1300" u="none" cap="none" strike="noStrike">
+                <a:solidFill>
+                  <a:schemeClr val="lt1"/>
+                </a:solidFill>
+                <a:latin typeface="Arial"/>
+                <a:ea typeface="Arial"/>
+                <a:cs typeface="Arial"/>
+                <a:sym typeface="Arial"/>
+              </a:rPr>
+              <a:t>Compiled the model with Adam optimizer, categorical cross-entropy loss function, and accuracy metric.</a:t>
+            </a:r>
+            <a:endParaRPr b="0" i="0" sz="1300" u="none" cap="none" strike="noStrike">
+              <a:solidFill>
+                <a:schemeClr val="lt1"/>
+              </a:solidFill>
+              <a:latin typeface="Arial"/>
+              <a:ea typeface="Arial"/>
+              <a:cs typeface="Arial"/>
+              <a:sym typeface="Arial"/>
+            </a:endParaRPr>
+          </a:p>
+          <a:p>
+            <a:pPr indent="0" lvl="0" marL="457200" marR="0" rtl="0" algn="l">
+              <a:lnSpc>
+                <a:spcPct val="115000"/>
+              </a:lnSpc>
+              <a:spcBef>
+                <a:spcPts val="1200"/>
+              </a:spcBef>
+              <a:spcAft>
+                <a:spcPts val="1200"/>
+              </a:spcAft>
+              <a:buClr>
+                <a:srgbClr val="000000"/>
+              </a:buClr>
+              <a:buSzPts val="1300"/>
+              <a:buFont typeface="Arial"/>
+              <a:buNone/>
+            </a:pPr>
+            <a:r>
+              <a:t/>
+            </a:r>
+            <a:endParaRPr b="0" i="0" sz="1300" u="none" cap="none" strike="noStrike">
+              <a:solidFill>
+                <a:schemeClr val="lt1"/>
+              </a:solidFill>
+              <a:latin typeface="Arial"/>
+              <a:ea typeface="Arial"/>
+              <a:cs typeface="Arial"/>
+              <a:sym typeface="Arial"/>
+            </a:endParaRPr>
+          </a:p>
+        </p:txBody>
+      </p:sp>
+      <p:sp>
+        <p:nvSpPr>
+          <p:cNvPr id="105" name="Google Shape;105;p3"/>
           <p:cNvSpPr txBox="1"/>
           <p:nvPr>
             <p:ph type="ctrTitle"/>
@@ -14143,9 +15641,41 @@
           </a:p>
         </p:txBody>
       </p:sp>
+    </p:spTree>
+  </p:cSld>
+  <p:clrMapOvr>
+    <a:masterClrMapping/>
+  </p:clrMapOvr>
+</p:sld>
+</file>
+
+<file path=ppt/slides/slide9.xml><?xml version="1.0" encoding="utf-8"?>
+<p:sld xmlns:a="http://schemas.openxmlformats.org/drawingml/2006/main" xmlns:r="http://schemas.openxmlformats.org/officeDocument/2006/relationships" xmlns:mc="http://schemas.openxmlformats.org/markup-compatibility/2006" xmlns:mv="urn:schemas-microsoft-com:mac:vml" xmlns:p="http://schemas.openxmlformats.org/presentationml/2006/main" xmlns:c="http://schemas.openxmlformats.org/drawingml/2006/chart" xmlns:dgm="http://schemas.openxmlformats.org/drawingml/2006/diagram" xmlns:o="urn:schemas-microsoft-com:office:office" xmlns:v="urn:schemas-microsoft-com:vml" xmlns:pvml="urn:schemas-microsoft-com:office:powerpoint" xmlns:com="http://schemas.openxmlformats.org/drawingml/2006/compatibility" xmlns:p14="http://schemas.microsoft.com/office/powerpoint/2010/main" xmlns:p15="http://schemas.microsoft.com/office/powerpoint/2012/main" xmlns:ahyp="http://schemas.microsoft.com/office/drawing/2018/hyperlinkcolor">
+  <p:cSld>
+    <p:bg>
+      <p:bgPr>
+        <a:solidFill>
+          <a:srgbClr val="1C4587"/>
+        </a:solidFill>
+      </p:bgPr>
+    </p:bg>
+    <p:spTree>
+      <p:nvGrpSpPr>
+        <p:cNvPr id="109" name="Shape 109"/>
+        <p:cNvGrpSpPr/>
+        <p:nvPr/>
+      </p:nvGrpSpPr>
+      <p:grpSpPr>
+        <a:xfrm>
+          <a:off x="0" y="0"/>
+          <a:ext cx="0" cy="0"/>
+          <a:chOff x="0" y="0"/>
+          <a:chExt cx="0" cy="0"/>
+        </a:xfrm>
+      </p:grpSpPr>
       <p:sp>
         <p:nvSpPr>
-          <p:cNvPr id="99" name="Google Shape;99;p3"/>
+          <p:cNvPr id="110" name="Google Shape;110;g2717beefc1e_1_1"/>
           <p:cNvSpPr txBox="1"/>
           <p:nvPr/>
         </p:nvSpPr>
@@ -14168,9 +15698,12 @@
           </a:bodyPr>
           <a:lstStyle/>
           <a:p>
-            <a:pPr indent="0" lvl="0" marL="0" rtl="0" algn="l">
-              <a:spcBef>
-                <a:spcPts val="0"/>
+            <a:pPr indent="0" lvl="0" marL="0" marR="0" rtl="0" algn="l">
+              <a:lnSpc>
+                <a:spcPct val="115000"/>
+              </a:lnSpc>
+              <a:spcBef>
+                <a:spcPts val="1200"/>
               </a:spcBef>
               <a:spcAft>
                 <a:spcPts val="0"/>
@@ -14183,55 +15716,34 @@
               <a:buNone/>
             </a:pPr>
             <a:r>
-              <a:rPr lang="en" sz="1200">
+              <a:rPr b="1" i="0" lang="en" sz="1300" u="none" cap="none" strike="noStrike">
                 <a:solidFill>
                   <a:schemeClr val="lt1"/>
                 </a:solidFill>
-                <a:latin typeface="Verdana"/>
-                <a:ea typeface="Verdana"/>
-                <a:cs typeface="Verdana"/>
-                <a:sym typeface="Verdana"/>
+                <a:latin typeface="Arial"/>
+                <a:ea typeface="Arial"/>
+                <a:cs typeface="Arial"/>
+                <a:sym typeface="Arial"/>
               </a:rPr>
-              <a:t>[1] </a:t>
+              <a:t>4. Model Training</a:t>
             </a:r>
-            <a:r>
-              <a:rPr b="1" lang="en" sz="1200">
-                <a:solidFill>
-                  <a:schemeClr val="lt1"/>
-                </a:solidFill>
-                <a:latin typeface="Verdana"/>
-                <a:ea typeface="Verdana"/>
-                <a:cs typeface="Verdana"/>
-                <a:sym typeface="Verdana"/>
-              </a:rPr>
-              <a:t>Data Collection</a:t>
-            </a:r>
-            <a:r>
-              <a:rPr lang="en" sz="1200">
-                <a:solidFill>
-                  <a:schemeClr val="lt1"/>
-                </a:solidFill>
-                <a:latin typeface="Verdana"/>
-                <a:ea typeface="Verdana"/>
-                <a:cs typeface="Verdana"/>
-                <a:sym typeface="Verdana"/>
-              </a:rPr>
-              <a:t>: </a:t>
-            </a:r>
-            <a:endParaRPr sz="1200">
+            <a:endParaRPr b="1" i="0" sz="1300" u="none" cap="none" strike="noStrike">
               <a:solidFill>
                 <a:schemeClr val="lt1"/>
               </a:solidFill>
-              <a:latin typeface="Verdana"/>
-              <a:ea typeface="Verdana"/>
-              <a:cs typeface="Verdana"/>
-              <a:sym typeface="Verdana"/>
+              <a:latin typeface="Arial"/>
+              <a:ea typeface="Arial"/>
+              <a:cs typeface="Arial"/>
+              <a:sym typeface="Arial"/>
             </a:endParaRPr>
           </a:p>
           <a:p>
-            <a:pPr indent="-304800" lvl="0" marL="457200" rtl="0" algn="l">
-              <a:spcBef>
-                <a:spcPts val="0"/>
+            <a:pPr indent="-311150" lvl="0" marL="457200" marR="0" rtl="0" algn="l">
+              <a:lnSpc>
+                <a:spcPct val="115000"/>
+              </a:lnSpc>
+              <a:spcBef>
+                <a:spcPts val="1200"/>
               </a:spcBef>
               <a:spcAft>
                 <a:spcPts val="0"/>
@@ -14239,34 +15751,37 @@
               <a:buClr>
                 <a:schemeClr val="lt1"/>
               </a:buClr>
-              <a:buSzPts val="1200"/>
-              <a:buFont typeface="Verdana"/>
-              <a:buAutoNum type="alphaLcParenR"/>
+              <a:buSzPts val="1300"/>
+              <a:buFont typeface="Arial"/>
+              <a:buChar char="●"/>
             </a:pPr>
             <a:r>
-              <a:rPr lang="en" sz="1200">
+              <a:rPr b="0" i="0" lang="en" sz="1300" u="none" cap="none" strike="noStrike">
                 <a:solidFill>
                   <a:schemeClr val="lt1"/>
                 </a:solidFill>
-                <a:latin typeface="Verdana"/>
-                <a:ea typeface="Verdana"/>
-                <a:cs typeface="Verdana"/>
-                <a:sym typeface="Verdana"/>
+                <a:latin typeface="Arial"/>
+                <a:ea typeface="Arial"/>
+                <a:cs typeface="Arial"/>
+                <a:sym typeface="Arial"/>
               </a:rPr>
-              <a:t>Real images - Gather the relevant real images for testing</a:t>
+              <a:t>Trained the model on training data (train_flow) for 15 epochs, validated on validation data (valid_flow).</a:t>
             </a:r>
-            <a:endParaRPr sz="1200">
+            <a:endParaRPr b="0" i="0" sz="1300" u="none" cap="none" strike="noStrike">
               <a:solidFill>
                 <a:schemeClr val="lt1"/>
               </a:solidFill>
-              <a:latin typeface="Verdana"/>
-              <a:ea typeface="Verdana"/>
-              <a:cs typeface="Verdana"/>
-              <a:sym typeface="Verdana"/>
+              <a:latin typeface="Arial"/>
+              <a:ea typeface="Arial"/>
+              <a:cs typeface="Arial"/>
+              <a:sym typeface="Arial"/>
             </a:endParaRPr>
           </a:p>
           <a:p>
-            <a:pPr indent="-304800" lvl="0" marL="457200" rtl="0" algn="l">
+            <a:pPr indent="-311150" lvl="0" marL="457200" marR="0" rtl="0" algn="l">
+              <a:lnSpc>
+                <a:spcPct val="115000"/>
+              </a:lnSpc>
               <a:spcBef>
                 <a:spcPts val="0"/>
               </a:spcBef>
@@ -14276,205 +15791,179 @@
               <a:buClr>
                 <a:schemeClr val="lt1"/>
               </a:buClr>
-              <a:buSzPts val="1200"/>
-              <a:buFont typeface="Verdana"/>
-              <a:buAutoNum type="alphaLcParenR"/>
+              <a:buSzPts val="1300"/>
+              <a:buFont typeface="Arial"/>
+              <a:buChar char="●"/>
             </a:pPr>
             <a:r>
-              <a:rPr lang="en" sz="1200">
+              <a:rPr b="0" i="0" lang="en" sz="1300" u="none" cap="none" strike="noStrike">
                 <a:solidFill>
                   <a:schemeClr val="lt1"/>
                 </a:solidFill>
-                <a:latin typeface="Verdana"/>
-                <a:ea typeface="Verdana"/>
-                <a:cs typeface="Verdana"/>
-                <a:sym typeface="Verdana"/>
+                <a:latin typeface="Arial"/>
+                <a:ea typeface="Arial"/>
+                <a:cs typeface="Arial"/>
+                <a:sym typeface="Arial"/>
               </a:rPr>
-              <a:t>Artificially Generated images - using some </a:t>
+              <a:t>Used ModelCheckpoint and </a:t>
             </a:r>
             <a:r>
-              <a:rPr lang="en" sz="1200">
+              <a:rPr lang="en" sz="1300">
                 <a:solidFill>
                   <a:schemeClr val="lt1"/>
                 </a:solidFill>
-                <a:latin typeface="Verdana"/>
-                <a:ea typeface="Verdana"/>
-                <a:cs typeface="Verdana"/>
-                <a:sym typeface="Verdana"/>
               </a:rPr>
-              <a:t>method</a:t>
+              <a:t>Early Stopping</a:t>
             </a:r>
             <a:r>
-              <a:rPr lang="en" sz="1200">
+              <a:rPr b="0" i="0" lang="en" sz="1300" u="none" cap="none" strike="noStrike">
                 <a:solidFill>
                   <a:schemeClr val="lt1"/>
                 </a:solidFill>
-                <a:latin typeface="Verdana"/>
-                <a:ea typeface="Verdana"/>
-                <a:cs typeface="Verdana"/>
-                <a:sym typeface="Verdana"/>
+                <a:latin typeface="Arial"/>
+                <a:ea typeface="Arial"/>
+                <a:cs typeface="Arial"/>
+                <a:sym typeface="Arial"/>
               </a:rPr>
-              <a:t> like Dall-E or GAN</a:t>
+              <a:t> callbacks to save the best model and prevent overfitting.</a:t>
             </a:r>
-            <a:endParaRPr sz="1200">
+            <a:endParaRPr b="0" i="0" sz="1300" u="none" cap="none" strike="noStrike">
               <a:solidFill>
                 <a:schemeClr val="lt1"/>
               </a:solidFill>
-              <a:latin typeface="Verdana"/>
-              <a:ea typeface="Verdana"/>
-              <a:cs typeface="Verdana"/>
-              <a:sym typeface="Verdana"/>
+              <a:latin typeface="Arial"/>
+              <a:ea typeface="Arial"/>
+              <a:cs typeface="Arial"/>
+              <a:sym typeface="Arial"/>
             </a:endParaRPr>
           </a:p>
           <a:p>
-            <a:pPr indent="0" lvl="0" marL="0" rtl="0" algn="l">
-              <a:spcBef>
-                <a:spcPts val="0"/>
-              </a:spcBef>
-              <a:spcAft>
-                <a:spcPts val="0"/>
-              </a:spcAft>
+            <a:pPr indent="0" lvl="0" marL="0" marR="0" rtl="0" algn="l">
+              <a:lnSpc>
+                <a:spcPct val="115000"/>
+              </a:lnSpc>
+              <a:spcBef>
+                <a:spcPts val="1200"/>
+              </a:spcBef>
+              <a:spcAft>
+                <a:spcPts val="0"/>
+              </a:spcAft>
+              <a:buClr>
+                <a:schemeClr val="dk1"/>
+              </a:buClr>
+              <a:buSzPts val="1100"/>
+              <a:buFont typeface="Arial"/>
               <a:buNone/>
             </a:pPr>
             <a:r>
-              <a:t/>
+              <a:rPr b="1" i="0" lang="en" sz="1300" u="none" cap="none" strike="noStrike">
+                <a:solidFill>
+                  <a:schemeClr val="lt1"/>
+                </a:solidFill>
+                <a:latin typeface="Arial"/>
+                <a:ea typeface="Arial"/>
+                <a:cs typeface="Arial"/>
+                <a:sym typeface="Arial"/>
+              </a:rPr>
+              <a:t>5. Model Evaluation</a:t>
             </a:r>
-            <a:endParaRPr sz="1200">
+            <a:endParaRPr b="1" i="0" sz="1300" u="none" cap="none" strike="noStrike">
               <a:solidFill>
                 <a:schemeClr val="lt1"/>
               </a:solidFill>
-              <a:latin typeface="Verdana"/>
-              <a:ea typeface="Verdana"/>
-              <a:cs typeface="Verdana"/>
-              <a:sym typeface="Verdana"/>
+              <a:latin typeface="Arial"/>
+              <a:ea typeface="Arial"/>
+              <a:cs typeface="Arial"/>
+              <a:sym typeface="Arial"/>
             </a:endParaRPr>
           </a:p>
           <a:p>
-            <a:pPr indent="0" lvl="0" marL="0" rtl="0" algn="l">
-              <a:spcBef>
-                <a:spcPts val="0"/>
-              </a:spcBef>
-              <a:spcAft>
-                <a:spcPts val="0"/>
-              </a:spcAft>
-              <a:buClr>
-                <a:schemeClr val="dk1"/>
-              </a:buClr>
-              <a:buSzPts val="1100"/>
-              <a:buFont typeface="Arial"/>
-              <a:buNone/>
+            <a:pPr indent="-311150" lvl="0" marL="457200" marR="0" rtl="0" algn="l">
+              <a:lnSpc>
+                <a:spcPct val="115000"/>
+              </a:lnSpc>
+              <a:spcBef>
+                <a:spcPts val="1200"/>
+              </a:spcBef>
+              <a:spcAft>
+                <a:spcPts val="0"/>
+              </a:spcAft>
+              <a:buClr>
+                <a:schemeClr val="lt1"/>
+              </a:buClr>
+              <a:buSzPts val="1300"/>
+              <a:buFont typeface="Arial"/>
+              <a:buChar char="●"/>
             </a:pPr>
             <a:r>
-              <a:rPr lang="en" sz="1200">
+              <a:rPr b="0" i="0" lang="en" sz="1300" u="none" cap="none" strike="noStrike">
                 <a:solidFill>
                   <a:schemeClr val="lt1"/>
                 </a:solidFill>
-                <a:latin typeface="Verdana"/>
-                <a:ea typeface="Verdana"/>
-                <a:cs typeface="Verdana"/>
-                <a:sym typeface="Verdana"/>
+                <a:latin typeface="Arial"/>
+                <a:ea typeface="Arial"/>
+                <a:cs typeface="Arial"/>
+                <a:sym typeface="Arial"/>
               </a:rPr>
-              <a:t>[2] </a:t>
+              <a:t>Evaluated the trained model on test data (test_flow) to obtain test loss and accuracy.</a:t>
             </a:r>
-            <a:r>
-              <a:rPr b="1" lang="en" sz="1200">
-                <a:solidFill>
-                  <a:schemeClr val="lt1"/>
-                </a:solidFill>
-                <a:latin typeface="Verdana"/>
-                <a:ea typeface="Verdana"/>
-                <a:cs typeface="Verdana"/>
-                <a:sym typeface="Verdana"/>
-              </a:rPr>
-              <a:t>Data Preprocessing</a:t>
-            </a:r>
-            <a:r>
-              <a:rPr lang="en" sz="1200">
-                <a:solidFill>
-                  <a:schemeClr val="lt1"/>
-                </a:solidFill>
-                <a:latin typeface="Verdana"/>
-                <a:ea typeface="Verdana"/>
-                <a:cs typeface="Verdana"/>
-                <a:sym typeface="Verdana"/>
-              </a:rPr>
-              <a:t>:</a:t>
-            </a:r>
-            <a:endParaRPr sz="1200">
+            <a:endParaRPr b="0" i="0" sz="1300" u="none" cap="none" strike="noStrike">
               <a:solidFill>
                 <a:schemeClr val="lt1"/>
               </a:solidFill>
-              <a:latin typeface="Verdana"/>
-              <a:ea typeface="Verdana"/>
-              <a:cs typeface="Verdana"/>
-              <a:sym typeface="Verdana"/>
+              <a:latin typeface="Arial"/>
+              <a:ea typeface="Arial"/>
+              <a:cs typeface="Arial"/>
+              <a:sym typeface="Arial"/>
             </a:endParaRPr>
           </a:p>
           <a:p>
-            <a:pPr indent="457200" lvl="0" marL="0" rtl="0" algn="l">
-              <a:spcBef>
-                <a:spcPts val="0"/>
-              </a:spcBef>
-              <a:spcAft>
-                <a:spcPts val="0"/>
-              </a:spcAft>
-              <a:buClr>
-                <a:schemeClr val="dk1"/>
-              </a:buClr>
-              <a:buSzPts val="1100"/>
-              <a:buFont typeface="Arial"/>
-              <a:buNone/>
+            <a:pPr indent="-311150" lvl="0" marL="457200" marR="0" rtl="0" algn="l">
+              <a:lnSpc>
+                <a:spcPct val="115000"/>
+              </a:lnSpc>
+              <a:spcBef>
+                <a:spcPts val="0"/>
+              </a:spcBef>
+              <a:spcAft>
+                <a:spcPts val="0"/>
+              </a:spcAft>
+              <a:buClr>
+                <a:schemeClr val="lt1"/>
+              </a:buClr>
+              <a:buSzPts val="1300"/>
+              <a:buFont typeface="Arial"/>
+              <a:buChar char="●"/>
             </a:pPr>
             <a:r>
-              <a:rPr lang="en" sz="1100">
+              <a:rPr b="0" i="0" lang="en" sz="1300" u="none" cap="none" strike="noStrike">
                 <a:solidFill>
                   <a:schemeClr val="lt1"/>
                 </a:solidFill>
-                <a:latin typeface="Verdana"/>
-                <a:ea typeface="Verdana"/>
-                <a:cs typeface="Verdana"/>
-                <a:sym typeface="Verdana"/>
+                <a:latin typeface="Arial"/>
+                <a:ea typeface="Arial"/>
+                <a:cs typeface="Arial"/>
+                <a:sym typeface="Arial"/>
               </a:rPr>
-              <a:t>Resize all images to a </a:t>
+              <a:t>Computed additional metrics like confusion matrix and classification report using scikit-learn.</a:t>
             </a:r>
-            <a:r>
-              <a:rPr lang="en" sz="1100">
-                <a:solidFill>
-                  <a:schemeClr val="lt1"/>
-                </a:solidFill>
-                <a:latin typeface="Verdana"/>
-                <a:ea typeface="Verdana"/>
-                <a:cs typeface="Verdana"/>
-                <a:sym typeface="Verdana"/>
-              </a:rPr>
-              <a:t>256 x 256 jpg </a:t>
-            </a:r>
-            <a:r>
-              <a:rPr lang="en" sz="1100">
-                <a:solidFill>
-                  <a:schemeClr val="lt1"/>
-                </a:solidFill>
-                <a:latin typeface="Verdana"/>
-                <a:ea typeface="Verdana"/>
-                <a:cs typeface="Verdana"/>
-                <a:sym typeface="Verdana"/>
-              </a:rPr>
-              <a:t>size.</a:t>
-            </a:r>
-            <a:endParaRPr sz="1100">
+            <a:endParaRPr b="0" i="0" sz="1300" u="none" cap="none" strike="noStrike">
               <a:solidFill>
                 <a:schemeClr val="lt1"/>
               </a:solidFill>
-              <a:latin typeface="Verdana"/>
-              <a:ea typeface="Verdana"/>
-              <a:cs typeface="Verdana"/>
-              <a:sym typeface="Verdana"/>
+              <a:latin typeface="Arial"/>
+              <a:ea typeface="Arial"/>
+              <a:cs typeface="Arial"/>
+              <a:sym typeface="Arial"/>
             </a:endParaRPr>
           </a:p>
           <a:p>
-            <a:pPr indent="457200" lvl="0" marL="0" rtl="0" algn="l">
-              <a:spcBef>
-                <a:spcPts val="0"/>
+            <a:pPr indent="0" lvl="0" marL="0" marR="0" rtl="0" algn="l">
+              <a:lnSpc>
+                <a:spcPct val="115000"/>
+              </a:lnSpc>
+              <a:spcBef>
+                <a:spcPts val="1200"/>
               </a:spcBef>
               <a:spcAft>
                 <a:spcPts val="0"/>
@@ -14487,120 +15976,114 @@
               <a:buNone/>
             </a:pPr>
             <a:r>
-              <a:rPr lang="en" sz="1100">
+              <a:rPr b="1" i="0" lang="en" sz="1300" u="none" cap="none" strike="noStrike">
                 <a:solidFill>
                   <a:schemeClr val="lt1"/>
                 </a:solidFill>
-                <a:latin typeface="Verdana"/>
-                <a:ea typeface="Verdana"/>
-                <a:cs typeface="Verdana"/>
-                <a:sym typeface="Verdana"/>
+                <a:latin typeface="Arial"/>
+                <a:ea typeface="Arial"/>
+                <a:cs typeface="Arial"/>
+                <a:sym typeface="Arial"/>
               </a:rPr>
-              <a:t>Normalize pixel values to a common scale (e.g., [0, 1] or [-1, 1]).</a:t>
+              <a:t>6. Reporting</a:t>
             </a:r>
-            <a:endParaRPr sz="1100">
+            <a:endParaRPr b="1" i="0" sz="1300" u="none" cap="none" strike="noStrike">
               <a:solidFill>
                 <a:schemeClr val="lt1"/>
               </a:solidFill>
-              <a:latin typeface="Verdana"/>
-              <a:ea typeface="Verdana"/>
-              <a:cs typeface="Verdana"/>
-              <a:sym typeface="Verdana"/>
+              <a:latin typeface="Arial"/>
+              <a:ea typeface="Arial"/>
+              <a:cs typeface="Arial"/>
+              <a:sym typeface="Arial"/>
             </a:endParaRPr>
           </a:p>
           <a:p>
-            <a:pPr indent="0" lvl="0" marL="0" rtl="0" algn="l">
-              <a:spcBef>
-                <a:spcPts val="0"/>
-              </a:spcBef>
-              <a:spcAft>
-                <a:spcPts val="0"/>
-              </a:spcAft>
-              <a:buClr>
-                <a:schemeClr val="dk1"/>
-              </a:buClr>
-              <a:buSzPts val="1100"/>
-              <a:buFont typeface="Arial"/>
-              <a:buNone/>
+            <a:pPr indent="-311150" lvl="0" marL="457200" marR="0" rtl="0" algn="l">
+              <a:lnSpc>
+                <a:spcPct val="115000"/>
+              </a:lnSpc>
+              <a:spcBef>
+                <a:spcPts val="1200"/>
+              </a:spcBef>
+              <a:spcAft>
+                <a:spcPts val="0"/>
+              </a:spcAft>
+              <a:buClr>
+                <a:schemeClr val="lt1"/>
+              </a:buClr>
+              <a:buSzPts val="1300"/>
+              <a:buFont typeface="Arial"/>
+              <a:buChar char="●"/>
             </a:pPr>
             <a:r>
-              <a:t/>
+              <a:rPr b="0" i="0" lang="en" sz="1300" u="none" cap="none" strike="noStrike">
+                <a:solidFill>
+                  <a:schemeClr val="lt1"/>
+                </a:solidFill>
+                <a:latin typeface="Arial"/>
+                <a:ea typeface="Arial"/>
+                <a:cs typeface="Arial"/>
+                <a:sym typeface="Arial"/>
+              </a:rPr>
+              <a:t>Visualized training history (loss and accuracy over epochs) using Matplotlib.</a:t>
             </a:r>
-            <a:endParaRPr sz="1200">
+            <a:endParaRPr b="0" i="0" sz="1300" u="none" cap="none" strike="noStrike">
               <a:solidFill>
                 <a:schemeClr val="lt1"/>
               </a:solidFill>
-              <a:latin typeface="Verdana"/>
-              <a:ea typeface="Verdana"/>
-              <a:cs typeface="Verdana"/>
-              <a:sym typeface="Verdana"/>
+              <a:latin typeface="Arial"/>
+              <a:ea typeface="Arial"/>
+              <a:cs typeface="Arial"/>
+              <a:sym typeface="Arial"/>
             </a:endParaRPr>
           </a:p>
           <a:p>
-            <a:pPr indent="0" lvl="0" marL="0" rtl="0" algn="l">
-              <a:spcBef>
-                <a:spcPts val="0"/>
-              </a:spcBef>
-              <a:spcAft>
-                <a:spcPts val="0"/>
-              </a:spcAft>
-              <a:buClr>
-                <a:schemeClr val="dk1"/>
-              </a:buClr>
-              <a:buSzPts val="1100"/>
-              <a:buFont typeface="Arial"/>
-              <a:buNone/>
+            <a:pPr indent="-311150" lvl="0" marL="457200" marR="0" rtl="0" algn="l">
+              <a:lnSpc>
+                <a:spcPct val="115000"/>
+              </a:lnSpc>
+              <a:spcBef>
+                <a:spcPts val="0"/>
+              </a:spcBef>
+              <a:spcAft>
+                <a:spcPts val="0"/>
+              </a:spcAft>
+              <a:buClr>
+                <a:schemeClr val="lt1"/>
+              </a:buClr>
+              <a:buSzPts val="1300"/>
+              <a:buFont typeface="Arial"/>
+              <a:buChar char="●"/>
             </a:pPr>
             <a:r>
-              <a:rPr lang="en" sz="1200">
+              <a:rPr b="0" i="0" lang="en" sz="1300" u="none" cap="none" strike="noStrike">
                 <a:solidFill>
                   <a:schemeClr val="lt1"/>
                 </a:solidFill>
-                <a:latin typeface="Verdana"/>
-                <a:ea typeface="Verdana"/>
-                <a:cs typeface="Verdana"/>
-                <a:sym typeface="Verdana"/>
+                <a:latin typeface="Arial"/>
+                <a:ea typeface="Arial"/>
+                <a:cs typeface="Arial"/>
+                <a:sym typeface="Arial"/>
               </a:rPr>
-              <a:t>[3] </a:t>
+              <a:t>Displayed individual image predictions with actual and predicted labels for qualitative analysis.</a:t>
             </a:r>
-            <a:r>
-              <a:rPr b="1" lang="en" sz="1200">
-                <a:solidFill>
-                  <a:schemeClr val="lt1"/>
-                </a:solidFill>
-                <a:latin typeface="Verdana"/>
-                <a:ea typeface="Verdana"/>
-                <a:cs typeface="Verdana"/>
-                <a:sym typeface="Verdana"/>
-              </a:rPr>
-              <a:t>Model Architecture</a:t>
-            </a:r>
-            <a:r>
-              <a:rPr lang="en" sz="1200">
-                <a:solidFill>
-                  <a:schemeClr val="lt1"/>
-                </a:solidFill>
-                <a:latin typeface="Verdana"/>
-                <a:ea typeface="Verdana"/>
-                <a:cs typeface="Verdana"/>
-                <a:sym typeface="Verdana"/>
-              </a:rPr>
-              <a:t>:</a:t>
-            </a:r>
-            <a:endParaRPr sz="1200">
+            <a:endParaRPr b="0" i="0" sz="1300" u="none" cap="none" strike="noStrike">
               <a:solidFill>
                 <a:schemeClr val="lt1"/>
               </a:solidFill>
-              <a:latin typeface="Verdana"/>
-              <a:ea typeface="Verdana"/>
-              <a:cs typeface="Verdana"/>
-              <a:sym typeface="Verdana"/>
+              <a:latin typeface="Arial"/>
+              <a:ea typeface="Arial"/>
+              <a:cs typeface="Arial"/>
+              <a:sym typeface="Arial"/>
             </a:endParaRPr>
           </a:p>
           <a:p>
-            <a:pPr indent="0" lvl="0" marL="0" rtl="0" algn="l">
-              <a:spcBef>
-                <a:spcPts val="0"/>
+            <a:pPr indent="0" lvl="0" marL="0" marR="0" rtl="0" algn="l">
+              <a:lnSpc>
+                <a:spcPct val="115000"/>
+              </a:lnSpc>
+              <a:spcBef>
+                <a:spcPts val="1200"/>
               </a:spcBef>
               <a:spcAft>
                 <a:spcPts val="0"/>
@@ -14613,532 +16096,121 @@
               <a:buNone/>
             </a:pPr>
             <a:r>
-              <a:rPr lang="en" sz="1200">
+              <a:rPr b="1" i="0" lang="en" sz="1300" u="none" cap="none" strike="noStrike">
                 <a:solidFill>
                   <a:schemeClr val="lt1"/>
                 </a:solidFill>
-                <a:latin typeface="Verdana"/>
-                <a:ea typeface="Verdana"/>
-                <a:cs typeface="Verdana"/>
-                <a:sym typeface="Verdana"/>
+                <a:latin typeface="Arial"/>
+                <a:ea typeface="Arial"/>
+                <a:cs typeface="Arial"/>
+                <a:sym typeface="Arial"/>
               </a:rPr>
-              <a:t>We opted for pre-trained ResNet50 and CNNs as our models.</a:t>
+              <a:t>7. Testing</a:t>
             </a:r>
-            <a:endParaRPr sz="1200">
+            <a:endParaRPr b="1" i="0" sz="1300" u="none" cap="none" strike="noStrike">
               <a:solidFill>
                 <a:schemeClr val="lt1"/>
               </a:solidFill>
-              <a:latin typeface="Verdana"/>
-              <a:ea typeface="Verdana"/>
-              <a:cs typeface="Verdana"/>
-              <a:sym typeface="Verdana"/>
+              <a:latin typeface="Arial"/>
+              <a:ea typeface="Arial"/>
+              <a:cs typeface="Arial"/>
+              <a:sym typeface="Arial"/>
             </a:endParaRPr>
           </a:p>
           <a:p>
-            <a:pPr indent="0" lvl="0" marL="0" rtl="0" algn="l">
-              <a:spcBef>
-                <a:spcPts val="0"/>
-              </a:spcBef>
-              <a:spcAft>
-                <a:spcPts val="0"/>
-              </a:spcAft>
-              <a:buClr>
-                <a:schemeClr val="dk1"/>
-              </a:buClr>
-              <a:buSzPts val="1100"/>
-              <a:buFont typeface="Arial"/>
-              <a:buNone/>
+            <a:pPr indent="-311150" lvl="0" marL="457200" marR="0" rtl="0" algn="l">
+              <a:lnSpc>
+                <a:spcPct val="115000"/>
+              </a:lnSpc>
+              <a:spcBef>
+                <a:spcPts val="1200"/>
+              </a:spcBef>
+              <a:spcAft>
+                <a:spcPts val="0"/>
+              </a:spcAft>
+              <a:buClr>
+                <a:schemeClr val="lt1"/>
+              </a:buClr>
+              <a:buSzPts val="1300"/>
+              <a:buFont typeface="Arial"/>
+              <a:buChar char="●"/>
             </a:pPr>
             <a:r>
-              <a:t/>
+              <a:rPr b="0" i="0" lang="en" sz="1300" u="none" cap="none" strike="noStrike">
+                <a:solidFill>
+                  <a:schemeClr val="lt1"/>
+                </a:solidFill>
+                <a:latin typeface="Arial"/>
+                <a:ea typeface="Arial"/>
+                <a:cs typeface="Arial"/>
+                <a:sym typeface="Arial"/>
+              </a:rPr>
+              <a:t>Assessed the fine-tuned model's generalization performance on the held-out testing set.</a:t>
             </a:r>
-            <a:endParaRPr sz="1200">
+            <a:endParaRPr b="0" i="0" sz="1300" u="none" cap="none" strike="noStrike">
               <a:solidFill>
                 <a:schemeClr val="lt1"/>
               </a:solidFill>
-              <a:latin typeface="Verdana"/>
-              <a:ea typeface="Verdana"/>
-              <a:cs typeface="Verdana"/>
-              <a:sym typeface="Verdana"/>
+              <a:latin typeface="Arial"/>
+              <a:ea typeface="Arial"/>
+              <a:cs typeface="Arial"/>
+              <a:sym typeface="Arial"/>
             </a:endParaRPr>
           </a:p>
           <a:p>
-            <a:pPr indent="0" lvl="0" marL="0" rtl="0" algn="l">
-              <a:spcBef>
-                <a:spcPts val="0"/>
-              </a:spcBef>
-              <a:spcAft>
-                <a:spcPts val="0"/>
-              </a:spcAft>
-              <a:buClr>
-                <a:schemeClr val="dk1"/>
-              </a:buClr>
-              <a:buSzPts val="1100"/>
-              <a:buFont typeface="Arial"/>
-              <a:buNone/>
+            <a:pPr indent="-311150" lvl="0" marL="457200" marR="0" rtl="0" algn="l">
+              <a:lnSpc>
+                <a:spcPct val="115000"/>
+              </a:lnSpc>
+              <a:spcBef>
+                <a:spcPts val="0"/>
+              </a:spcBef>
+              <a:spcAft>
+                <a:spcPts val="0"/>
+              </a:spcAft>
+              <a:buClr>
+                <a:schemeClr val="lt1"/>
+              </a:buClr>
+              <a:buSzPts val="1300"/>
+              <a:buFont typeface="Arial"/>
+              <a:buChar char="●"/>
             </a:pPr>
             <a:r>
-              <a:rPr lang="en" sz="1200">
+              <a:rPr b="0" i="0" lang="en" sz="1300" u="none" cap="none" strike="noStrike">
                 <a:solidFill>
                   <a:schemeClr val="lt1"/>
                 </a:solidFill>
-                <a:latin typeface="Verdana"/>
-                <a:ea typeface="Verdana"/>
-                <a:cs typeface="Verdana"/>
-                <a:sym typeface="Verdana"/>
+                <a:latin typeface="Arial"/>
+                <a:ea typeface="Arial"/>
+                <a:cs typeface="Arial"/>
+                <a:sym typeface="Arial"/>
               </a:rPr>
-              <a:t>[4] </a:t>
+              <a:t>Achieved 77% accuracy, 75% recall, and 74% F1 score on the testing set.</a:t>
             </a:r>
-            <a:r>
-              <a:rPr b="1" lang="en" sz="1200">
-                <a:solidFill>
-                  <a:schemeClr val="lt1"/>
-                </a:solidFill>
-                <a:latin typeface="Verdana"/>
-                <a:ea typeface="Verdana"/>
-                <a:cs typeface="Verdana"/>
-                <a:sym typeface="Verdana"/>
-              </a:rPr>
-              <a:t>Data Partitioning:</a:t>
-            </a:r>
-            <a:endParaRPr b="1" sz="1200">
+            <a:endParaRPr b="0" i="0" sz="1300" u="none" cap="none" strike="noStrike">
               <a:solidFill>
                 <a:schemeClr val="lt1"/>
               </a:solidFill>
-              <a:latin typeface="Verdana"/>
-              <a:ea typeface="Verdana"/>
-              <a:cs typeface="Verdana"/>
-              <a:sym typeface="Verdana"/>
-            </a:endParaRPr>
-          </a:p>
-          <a:p>
-            <a:pPr indent="0" lvl="0" marL="0" rtl="0" algn="l">
-              <a:spcBef>
-                <a:spcPts val="0"/>
-              </a:spcBef>
-              <a:spcAft>
-                <a:spcPts val="0"/>
-              </a:spcAft>
-              <a:buClr>
-                <a:schemeClr val="dk1"/>
-              </a:buClr>
-              <a:buSzPts val="1100"/>
-              <a:buFont typeface="Arial"/>
-              <a:buNone/>
-            </a:pPr>
-            <a:r>
-              <a:rPr lang="en" sz="1200">
-                <a:solidFill>
-                  <a:schemeClr val="lt1"/>
-                </a:solidFill>
-                <a:latin typeface="Verdana"/>
-                <a:ea typeface="Verdana"/>
-                <a:cs typeface="Verdana"/>
-                <a:sym typeface="Verdana"/>
-              </a:rPr>
-              <a:t>The dataset is divided into test (18k images) , validation(7k Images ), training sets(44k Images).</a:t>
-            </a:r>
-            <a:endParaRPr sz="1200">
-              <a:solidFill>
-                <a:schemeClr val="lt1"/>
-              </a:solidFill>
-              <a:latin typeface="Verdana"/>
-              <a:ea typeface="Verdana"/>
-              <a:cs typeface="Verdana"/>
-              <a:sym typeface="Verdana"/>
-            </a:endParaRPr>
-          </a:p>
-          <a:p>
-            <a:pPr indent="0" lvl="0" marL="0" rtl="0" algn="l">
-              <a:spcBef>
-                <a:spcPts val="0"/>
-              </a:spcBef>
-              <a:spcAft>
-                <a:spcPts val="0"/>
-              </a:spcAft>
-              <a:buClr>
-                <a:schemeClr val="dk1"/>
-              </a:buClr>
-              <a:buSzPts val="1100"/>
-              <a:buFont typeface="Arial"/>
-              <a:buNone/>
-            </a:pPr>
-            <a:r>
-              <a:t/>
-            </a:r>
-            <a:endParaRPr sz="1200">
-              <a:solidFill>
-                <a:schemeClr val="lt1"/>
-              </a:solidFill>
-              <a:latin typeface="Verdana"/>
-              <a:ea typeface="Verdana"/>
-              <a:cs typeface="Verdana"/>
-              <a:sym typeface="Verdana"/>
-            </a:endParaRPr>
-          </a:p>
-          <a:p>
-            <a:pPr indent="0" lvl="0" marL="0" rtl="0" algn="l">
-              <a:spcBef>
-                <a:spcPts val="0"/>
-              </a:spcBef>
-              <a:spcAft>
-                <a:spcPts val="0"/>
-              </a:spcAft>
-              <a:buClr>
-                <a:schemeClr val="dk1"/>
-              </a:buClr>
-              <a:buSzPts val="1100"/>
-              <a:buFont typeface="Arial"/>
-              <a:buNone/>
-            </a:pPr>
-            <a:r>
-              <a:rPr lang="en" sz="1200">
-                <a:solidFill>
-                  <a:schemeClr val="lt1"/>
-                </a:solidFill>
-                <a:latin typeface="Verdana"/>
-                <a:ea typeface="Verdana"/>
-                <a:cs typeface="Verdana"/>
-                <a:sym typeface="Verdana"/>
-              </a:rPr>
-              <a:t>[5] </a:t>
-            </a:r>
-            <a:r>
-              <a:rPr b="1" lang="en" sz="1200">
-                <a:solidFill>
-                  <a:schemeClr val="lt1"/>
-                </a:solidFill>
-                <a:latin typeface="Verdana"/>
-                <a:ea typeface="Verdana"/>
-                <a:cs typeface="Verdana"/>
-                <a:sym typeface="Verdana"/>
-              </a:rPr>
-              <a:t>Model Training:</a:t>
-            </a:r>
-            <a:endParaRPr b="1" sz="1200">
-              <a:solidFill>
-                <a:schemeClr val="lt1"/>
-              </a:solidFill>
-              <a:latin typeface="Verdana"/>
-              <a:ea typeface="Verdana"/>
-              <a:cs typeface="Verdana"/>
-              <a:sym typeface="Verdana"/>
-            </a:endParaRPr>
-          </a:p>
-          <a:p>
-            <a:pPr indent="0" lvl="0" marL="0" rtl="0" algn="l">
-              <a:spcBef>
-                <a:spcPts val="0"/>
-              </a:spcBef>
-              <a:spcAft>
-                <a:spcPts val="0"/>
-              </a:spcAft>
-              <a:buClr>
-                <a:schemeClr val="dk1"/>
-              </a:buClr>
-              <a:buSzPts val="1100"/>
-              <a:buFont typeface="Arial"/>
-              <a:buNone/>
-            </a:pPr>
-            <a:r>
-              <a:rPr lang="en" sz="1200">
-                <a:solidFill>
-                  <a:schemeClr val="lt1"/>
-                </a:solidFill>
-                <a:latin typeface="Verdana"/>
-                <a:ea typeface="Verdana"/>
-                <a:cs typeface="Verdana"/>
-                <a:sym typeface="Verdana"/>
-              </a:rPr>
-              <a:t>Train the </a:t>
-            </a:r>
-            <a:r>
-              <a:rPr lang="en" sz="1200">
-                <a:solidFill>
-                  <a:schemeClr val="lt1"/>
-                </a:solidFill>
-                <a:latin typeface="Verdana"/>
-                <a:ea typeface="Verdana"/>
-                <a:cs typeface="Verdana"/>
-                <a:sym typeface="Verdana"/>
-              </a:rPr>
-              <a:t>model </a:t>
-            </a:r>
-            <a:r>
-              <a:rPr lang="en" sz="1200">
-                <a:solidFill>
-                  <a:schemeClr val="lt1"/>
-                </a:solidFill>
-                <a:latin typeface="Verdana"/>
-                <a:ea typeface="Verdana"/>
-                <a:cs typeface="Verdana"/>
-                <a:sym typeface="Verdana"/>
-              </a:rPr>
-              <a:t>on the real and generated images</a:t>
-            </a:r>
-            <a:endParaRPr sz="1200">
-              <a:solidFill>
-                <a:schemeClr val="lt1"/>
-              </a:solidFill>
-              <a:latin typeface="Verdana"/>
-              <a:ea typeface="Verdana"/>
-              <a:cs typeface="Verdana"/>
-              <a:sym typeface="Verdana"/>
-            </a:endParaRPr>
-          </a:p>
-          <a:p>
-            <a:pPr indent="0" lvl="0" marL="0" rtl="0" algn="l">
-              <a:spcBef>
-                <a:spcPts val="0"/>
-              </a:spcBef>
-              <a:spcAft>
-                <a:spcPts val="0"/>
-              </a:spcAft>
-              <a:buClr>
-                <a:schemeClr val="dk1"/>
-              </a:buClr>
-              <a:buSzPts val="1100"/>
-              <a:buFont typeface="Arial"/>
-              <a:buNone/>
-            </a:pPr>
-            <a:r>
-              <a:rPr lang="en" sz="1200">
-                <a:solidFill>
-                  <a:schemeClr val="lt1"/>
-                </a:solidFill>
-                <a:latin typeface="Verdana"/>
-                <a:ea typeface="Verdana"/>
-                <a:cs typeface="Verdana"/>
-                <a:sym typeface="Verdana"/>
-              </a:rPr>
-              <a:t>Using binary cross-entropy loss since it is a binary classification task.</a:t>
-            </a:r>
-            <a:endParaRPr sz="1200">
-              <a:solidFill>
-                <a:schemeClr val="lt1"/>
-              </a:solidFill>
-              <a:latin typeface="Verdana"/>
-              <a:ea typeface="Verdana"/>
-              <a:cs typeface="Verdana"/>
-              <a:sym typeface="Verdana"/>
-            </a:endParaRPr>
-          </a:p>
-          <a:p>
-            <a:pPr indent="0" lvl="0" marL="0" rtl="0" algn="l">
-              <a:spcBef>
-                <a:spcPts val="0"/>
-              </a:spcBef>
-              <a:spcAft>
-                <a:spcPts val="0"/>
-              </a:spcAft>
-              <a:buClr>
-                <a:schemeClr val="dk1"/>
-              </a:buClr>
-              <a:buSzPts val="1100"/>
-              <a:buFont typeface="Arial"/>
-              <a:buNone/>
-            </a:pPr>
-            <a:r>
-              <a:t/>
-            </a:r>
-            <a:endParaRPr sz="1200">
-              <a:solidFill>
-                <a:schemeClr val="lt1"/>
-              </a:solidFill>
-              <a:latin typeface="Verdana"/>
-              <a:ea typeface="Verdana"/>
-              <a:cs typeface="Verdana"/>
-              <a:sym typeface="Verdana"/>
-            </a:endParaRPr>
-          </a:p>
-          <a:p>
-            <a:pPr indent="0" lvl="0" marL="0" rtl="0" algn="l">
-              <a:spcBef>
-                <a:spcPts val="0"/>
-              </a:spcBef>
-              <a:spcAft>
-                <a:spcPts val="0"/>
-              </a:spcAft>
-              <a:buClr>
-                <a:schemeClr val="dk1"/>
-              </a:buClr>
-              <a:buSzPts val="1100"/>
-              <a:buFont typeface="Arial"/>
-              <a:buNone/>
-            </a:pPr>
-            <a:r>
-              <a:rPr lang="en" sz="1200">
-                <a:solidFill>
-                  <a:schemeClr val="lt1"/>
-                </a:solidFill>
-                <a:latin typeface="Verdana"/>
-                <a:ea typeface="Verdana"/>
-                <a:cs typeface="Verdana"/>
-                <a:sym typeface="Verdana"/>
-              </a:rPr>
-              <a:t>[6] </a:t>
-            </a:r>
-            <a:r>
-              <a:rPr b="1" lang="en" sz="1200">
-                <a:solidFill>
-                  <a:schemeClr val="lt1"/>
-                </a:solidFill>
-                <a:latin typeface="Verdana"/>
-                <a:ea typeface="Verdana"/>
-                <a:cs typeface="Verdana"/>
-                <a:sym typeface="Verdana"/>
-              </a:rPr>
-              <a:t>Evaluation of Model:</a:t>
-            </a:r>
-            <a:endParaRPr b="1" sz="1200">
-              <a:solidFill>
-                <a:schemeClr val="lt1"/>
-              </a:solidFill>
-              <a:latin typeface="Verdana"/>
-              <a:ea typeface="Verdana"/>
-              <a:cs typeface="Verdana"/>
-              <a:sym typeface="Verdana"/>
-            </a:endParaRPr>
-          </a:p>
-          <a:p>
-            <a:pPr indent="0" lvl="0" marL="0" rtl="0" algn="l">
-              <a:spcBef>
-                <a:spcPts val="0"/>
-              </a:spcBef>
-              <a:spcAft>
-                <a:spcPts val="0"/>
-              </a:spcAft>
-              <a:buClr>
-                <a:schemeClr val="dk1"/>
-              </a:buClr>
-              <a:buSzPts val="1100"/>
-              <a:buFont typeface="Arial"/>
-              <a:buNone/>
-            </a:pPr>
-            <a:r>
-              <a:rPr lang="en" sz="1200">
-                <a:solidFill>
-                  <a:schemeClr val="lt1"/>
-                </a:solidFill>
-                <a:latin typeface="Verdana"/>
-                <a:ea typeface="Verdana"/>
-                <a:cs typeface="Verdana"/>
-                <a:sym typeface="Verdana"/>
-              </a:rPr>
-              <a:t>We tested the model on separated test dataset for </a:t>
-            </a:r>
-            <a:r>
-              <a:rPr lang="en" sz="1200">
-                <a:solidFill>
-                  <a:schemeClr val="lt1"/>
-                </a:solidFill>
-                <a:latin typeface="Verdana"/>
-                <a:ea typeface="Verdana"/>
-                <a:cs typeface="Verdana"/>
-                <a:sym typeface="Verdana"/>
-              </a:rPr>
-              <a:t>evaluation refer the below sides for performance metric</a:t>
-            </a:r>
-            <a:endParaRPr sz="1200">
-              <a:solidFill>
-                <a:schemeClr val="lt1"/>
-              </a:solidFill>
-              <a:latin typeface="Verdana"/>
-              <a:ea typeface="Verdana"/>
-              <a:cs typeface="Verdana"/>
-              <a:sym typeface="Verdana"/>
-            </a:endParaRPr>
-          </a:p>
-          <a:p>
-            <a:pPr indent="0" lvl="0" marL="0" rtl="0" algn="l">
-              <a:spcBef>
-                <a:spcPts val="0"/>
-              </a:spcBef>
-              <a:spcAft>
-                <a:spcPts val="0"/>
-              </a:spcAft>
-              <a:buClr>
-                <a:schemeClr val="dk1"/>
-              </a:buClr>
-              <a:buSzPts val="1100"/>
-              <a:buFont typeface="Arial"/>
-              <a:buNone/>
-            </a:pPr>
-            <a:r>
-              <a:t/>
-            </a:r>
-            <a:endParaRPr sz="1200">
-              <a:solidFill>
-                <a:schemeClr val="lt1"/>
-              </a:solidFill>
-              <a:latin typeface="Verdana"/>
-              <a:ea typeface="Verdana"/>
-              <a:cs typeface="Verdana"/>
-              <a:sym typeface="Verdana"/>
-            </a:endParaRPr>
-          </a:p>
-          <a:p>
-            <a:pPr indent="0" lvl="0" marL="0" rtl="0" algn="l">
-              <a:spcBef>
-                <a:spcPts val="0"/>
-              </a:spcBef>
-              <a:spcAft>
-                <a:spcPts val="0"/>
-              </a:spcAft>
-              <a:buNone/>
-            </a:pPr>
-            <a:r>
-              <a:t/>
-            </a:r>
-            <a:endParaRPr sz="1200">
-              <a:solidFill>
-                <a:schemeClr val="lt1"/>
-              </a:solidFill>
-              <a:latin typeface="Verdana"/>
-              <a:ea typeface="Verdana"/>
-              <a:cs typeface="Verdana"/>
-              <a:sym typeface="Verdana"/>
+              <a:latin typeface="Arial"/>
+              <a:ea typeface="Arial"/>
+              <a:cs typeface="Arial"/>
+              <a:sym typeface="Arial"/>
             </a:endParaRPr>
           </a:p>
         </p:txBody>
       </p:sp>
-    </p:spTree>
-  </p:cSld>
-  <p:clrMapOvr>
-    <a:masterClrMapping/>
-  </p:clrMapOvr>
-</p:sld>
-</file>
-
-<file path=ppt/slides/slide8.xml><?xml version="1.0" encoding="utf-8"?>
-<p:sld xmlns:a="http://schemas.openxmlformats.org/drawingml/2006/main" xmlns:r="http://schemas.openxmlformats.org/officeDocument/2006/relationships" xmlns:mc="http://schemas.openxmlformats.org/markup-compatibility/2006" xmlns:mv="urn:schemas-microsoft-com:mac:vml" xmlns:p="http://schemas.openxmlformats.org/presentationml/2006/main" xmlns:c="http://schemas.openxmlformats.org/drawingml/2006/chart" xmlns:dgm="http://schemas.openxmlformats.org/drawingml/2006/diagram" xmlns:o="urn:schemas-microsoft-com:office:office" xmlns:v="urn:schemas-microsoft-com:vml" xmlns:pvml="urn:schemas-microsoft-com:office:powerpoint" xmlns:com="http://schemas.openxmlformats.org/drawingml/2006/compatibility" xmlns:p14="http://schemas.microsoft.com/office/powerpoint/2010/main" xmlns:p15="http://schemas.microsoft.com/office/powerpoint/2012/main" xmlns:ahyp="http://schemas.microsoft.com/office/drawing/2018/hyperlinkcolor">
-  <p:cSld>
-    <p:spTree>
-      <p:nvGrpSpPr>
-        <p:cNvPr id="103" name="Shape 103"/>
-        <p:cNvGrpSpPr/>
-        <p:nvPr/>
-      </p:nvGrpSpPr>
-      <p:grpSpPr>
-        <a:xfrm>
-          <a:off x="0" y="0"/>
-          <a:ext cx="0" cy="0"/>
-          <a:chOff x="0" y="0"/>
-          <a:chExt cx="0" cy="0"/>
-        </a:xfrm>
-      </p:grpSpPr>
       <p:sp>
         <p:nvSpPr>
-          <p:cNvPr id="104" name="Google Shape;104;g2622dd681ea_0_17"/>
+          <p:cNvPr id="111" name="Google Shape;111;g2717beefc1e_1_1"/>
           <p:cNvSpPr txBox="1"/>
           <p:nvPr>
-            <p:ph type="title"/>
+            <p:ph type="ctrTitle"/>
           </p:nvPr>
         </p:nvSpPr>
         <p:spPr>
           <a:xfrm>
-            <a:off x="1268100" y="206050"/>
-            <a:ext cx="6607800" cy="572700"/>
+            <a:off x="2329654" y="0"/>
+            <a:ext cx="4484700" cy="566100"/>
           </a:xfrm>
           <a:prstGeom prst="rect">
             <a:avLst/>
@@ -15164,11 +16236,7 @@
               <a:spcAft>
                 <a:spcPts val="0"/>
               </a:spcAft>
-              <a:buClr>
-                <a:schemeClr val="dk1"/>
-              </a:buClr>
-              <a:buSzPts val="1100"/>
-              <a:buFont typeface="Arial"/>
+              <a:buSzPts val="5200"/>
               <a:buNone/>
             </a:pPr>
             <a:r>
@@ -15181,337 +16249,11 @@
                 <a:cs typeface="Verdana"/>
                 <a:sym typeface="Verdana"/>
               </a:rPr>
-              <a:t>Results and Analysis</a:t>
+              <a:t>Methodology</a:t>
             </a:r>
             <a:endParaRPr b="1" sz="3000">
               <a:solidFill>
                 <a:srgbClr val="00D9FD"/>
-              </a:solidFill>
-              <a:latin typeface="Verdana"/>
-              <a:ea typeface="Verdana"/>
-              <a:cs typeface="Verdana"/>
-              <a:sym typeface="Verdana"/>
-            </a:endParaRPr>
-          </a:p>
-        </p:txBody>
-      </p:sp>
-      <p:pic>
-        <p:nvPicPr>
-          <p:cNvPr id="105" name="Google Shape;105;g2622dd681ea_0_17"/>
-          <p:cNvPicPr preferRelativeResize="0"/>
-          <p:nvPr/>
-        </p:nvPicPr>
-        <p:blipFill rotWithShape="1">
-          <a:blip r:embed="rId3">
-            <a:alphaModFix/>
-          </a:blip>
-          <a:srcRect b="0" l="0" r="0" t="34789"/>
-          <a:stretch/>
-        </p:blipFill>
-        <p:spPr>
-          <a:xfrm>
-            <a:off x="1025788" y="1094160"/>
-            <a:ext cx="7092425" cy="2955183"/>
-          </a:xfrm>
-          <a:prstGeom prst="rect">
-            <a:avLst/>
-          </a:prstGeom>
-          <a:noFill/>
-          <a:ln>
-            <a:noFill/>
-          </a:ln>
-        </p:spPr>
-      </p:pic>
-    </p:spTree>
-  </p:cSld>
-  <p:clrMapOvr>
-    <a:masterClrMapping/>
-  </p:clrMapOvr>
-</p:sld>
-</file>
-
-<file path=ppt/slides/slide9.xml><?xml version="1.0" encoding="utf-8"?>
-<p:sld xmlns:a="http://schemas.openxmlformats.org/drawingml/2006/main" xmlns:r="http://schemas.openxmlformats.org/officeDocument/2006/relationships" xmlns:mc="http://schemas.openxmlformats.org/markup-compatibility/2006" xmlns:mv="urn:schemas-microsoft-com:mac:vml" xmlns:p="http://schemas.openxmlformats.org/presentationml/2006/main" xmlns:c="http://schemas.openxmlformats.org/drawingml/2006/chart" xmlns:dgm="http://schemas.openxmlformats.org/drawingml/2006/diagram" xmlns:o="urn:schemas-microsoft-com:office:office" xmlns:v="urn:schemas-microsoft-com:vml" xmlns:pvml="urn:schemas-microsoft-com:office:powerpoint" xmlns:com="http://schemas.openxmlformats.org/drawingml/2006/compatibility" xmlns:p14="http://schemas.microsoft.com/office/powerpoint/2010/main" xmlns:p15="http://schemas.microsoft.com/office/powerpoint/2012/main" xmlns:ahyp="http://schemas.microsoft.com/office/drawing/2018/hyperlinkcolor">
-  <p:cSld>
-    <p:spTree>
-      <p:nvGrpSpPr>
-        <p:cNvPr id="109" name="Shape 109"/>
-        <p:cNvGrpSpPr/>
-        <p:nvPr/>
-      </p:nvGrpSpPr>
-      <p:grpSpPr>
-        <a:xfrm>
-          <a:off x="0" y="0"/>
-          <a:ext cx="0" cy="0"/>
-          <a:chOff x="0" y="0"/>
-          <a:chExt cx="0" cy="0"/>
-        </a:xfrm>
-      </p:grpSpPr>
-      <p:sp>
-        <p:nvSpPr>
-          <p:cNvPr id="110" name="Google Shape;110;g29eacb4cd58_6_280"/>
-          <p:cNvSpPr txBox="1"/>
-          <p:nvPr>
-            <p:ph type="title"/>
-          </p:nvPr>
-        </p:nvSpPr>
-        <p:spPr>
-          <a:xfrm>
-            <a:off x="116375" y="254850"/>
-            <a:ext cx="8520600" cy="572700"/>
-          </a:xfrm>
-          <a:prstGeom prst="rect">
-            <a:avLst/>
-          </a:prstGeom>
-          <a:noFill/>
-          <a:ln>
-            <a:noFill/>
-          </a:ln>
-        </p:spPr>
-        <p:txBody>
-          <a:bodyPr anchorCtr="0" anchor="ctr" bIns="91425" lIns="91425" spcFirstLastPara="1" rIns="91425" wrap="square" tIns="91425">
-            <a:noAutofit/>
-          </a:bodyPr>
-          <a:lstStyle/>
-          <a:p>
-            <a:pPr indent="0" lvl="0" marL="0" rtl="0" algn="ctr">
-              <a:lnSpc>
-                <a:spcPct val="100000"/>
-              </a:lnSpc>
-              <a:spcBef>
-                <a:spcPts val="0"/>
-              </a:spcBef>
-              <a:spcAft>
-                <a:spcPts val="0"/>
-              </a:spcAft>
-              <a:buClr>
-                <a:schemeClr val="dk1"/>
-              </a:buClr>
-              <a:buSzPts val="1100"/>
-              <a:buFont typeface="Arial"/>
-              <a:buNone/>
-            </a:pPr>
-            <a:r>
-              <a:rPr b="1" lang="en" sz="3000">
-                <a:solidFill>
-                  <a:srgbClr val="00D9FD"/>
-                </a:solidFill>
-                <a:latin typeface="Verdana"/>
-                <a:ea typeface="Verdana"/>
-                <a:cs typeface="Verdana"/>
-                <a:sym typeface="Verdana"/>
-              </a:rPr>
-              <a:t>Results and Analysis</a:t>
-            </a:r>
-            <a:endParaRPr b="1" sz="3000">
-              <a:solidFill>
-                <a:srgbClr val="00D9FD"/>
-              </a:solidFill>
-              <a:latin typeface="Verdana"/>
-              <a:ea typeface="Verdana"/>
-              <a:cs typeface="Verdana"/>
-              <a:sym typeface="Verdana"/>
-            </a:endParaRPr>
-          </a:p>
-        </p:txBody>
-      </p:sp>
-      <p:sp>
-        <p:nvSpPr>
-          <p:cNvPr id="111" name="Google Shape;111;g29eacb4cd58_6_280"/>
-          <p:cNvSpPr txBox="1"/>
-          <p:nvPr/>
-        </p:nvSpPr>
-        <p:spPr>
-          <a:xfrm>
-            <a:off x="368650" y="1059675"/>
-            <a:ext cx="7274100" cy="2262600"/>
-          </a:xfrm>
-          <a:prstGeom prst="rect">
-            <a:avLst/>
-          </a:prstGeom>
-          <a:noFill/>
-          <a:ln>
-            <a:noFill/>
-          </a:ln>
-        </p:spPr>
-        <p:txBody>
-          <a:bodyPr anchorCtr="0" anchor="t" bIns="91425" lIns="91425" spcFirstLastPara="1" rIns="91425" wrap="square" tIns="91425">
-            <a:noAutofit/>
-          </a:bodyPr>
-          <a:lstStyle/>
-          <a:p>
-            <a:pPr indent="-349250" lvl="0" marL="457200" rtl="0" algn="l">
-              <a:spcBef>
-                <a:spcPts val="0"/>
-              </a:spcBef>
-              <a:spcAft>
-                <a:spcPts val="0"/>
-              </a:spcAft>
-              <a:buClr>
-                <a:schemeClr val="lt1"/>
-              </a:buClr>
-              <a:buSzPts val="1900"/>
-              <a:buFont typeface="Verdana"/>
-              <a:buChar char="●"/>
-            </a:pPr>
-            <a:r>
-              <a:rPr lang="en" sz="1900">
-                <a:solidFill>
-                  <a:schemeClr val="lt1"/>
-                </a:solidFill>
-                <a:latin typeface="Verdana"/>
-                <a:ea typeface="Verdana"/>
-                <a:cs typeface="Verdana"/>
-                <a:sym typeface="Verdana"/>
-              </a:rPr>
-              <a:t>The accuracy of our model stands at a noteworthy 77%, showcasing its proficiency in predictions.</a:t>
-            </a:r>
-            <a:endParaRPr sz="1900">
-              <a:solidFill>
-                <a:schemeClr val="lt1"/>
-              </a:solidFill>
-              <a:latin typeface="Verdana"/>
-              <a:ea typeface="Verdana"/>
-              <a:cs typeface="Verdana"/>
-              <a:sym typeface="Verdana"/>
-            </a:endParaRPr>
-          </a:p>
-          <a:p>
-            <a:pPr indent="0" lvl="0" marL="457200" rtl="0" algn="l">
-              <a:spcBef>
-                <a:spcPts val="0"/>
-              </a:spcBef>
-              <a:spcAft>
-                <a:spcPts val="0"/>
-              </a:spcAft>
-              <a:buNone/>
-            </a:pPr>
-            <a:r>
-              <a:t/>
-            </a:r>
-            <a:endParaRPr sz="1900">
-              <a:solidFill>
-                <a:schemeClr val="lt1"/>
-              </a:solidFill>
-              <a:latin typeface="Verdana"/>
-              <a:ea typeface="Verdana"/>
-              <a:cs typeface="Verdana"/>
-              <a:sym typeface="Verdana"/>
-            </a:endParaRPr>
-          </a:p>
-          <a:p>
-            <a:pPr indent="-349250" lvl="0" marL="457200" rtl="0" algn="l">
-              <a:spcBef>
-                <a:spcPts val="0"/>
-              </a:spcBef>
-              <a:spcAft>
-                <a:spcPts val="0"/>
-              </a:spcAft>
-              <a:buClr>
-                <a:schemeClr val="lt1"/>
-              </a:buClr>
-              <a:buSzPts val="1900"/>
-              <a:buFont typeface="Verdana"/>
-              <a:buChar char="●"/>
-            </a:pPr>
-            <a:r>
-              <a:rPr lang="en" sz="1900">
-                <a:solidFill>
-                  <a:schemeClr val="lt1"/>
-                </a:solidFill>
-                <a:latin typeface="Verdana"/>
-                <a:ea typeface="Verdana"/>
-                <a:cs typeface="Verdana"/>
-                <a:sym typeface="Verdana"/>
-              </a:rPr>
-              <a:t>With a precision of 86%, our model excels in correctly identifying positive instances with accuracy.</a:t>
-            </a:r>
-            <a:endParaRPr sz="1900">
-              <a:solidFill>
-                <a:schemeClr val="lt1"/>
-              </a:solidFill>
-              <a:latin typeface="Verdana"/>
-              <a:ea typeface="Verdana"/>
-              <a:cs typeface="Verdana"/>
-              <a:sym typeface="Verdana"/>
-            </a:endParaRPr>
-          </a:p>
-          <a:p>
-            <a:pPr indent="0" lvl="0" marL="457200" rtl="0" algn="l">
-              <a:spcBef>
-                <a:spcPts val="0"/>
-              </a:spcBef>
-              <a:spcAft>
-                <a:spcPts val="0"/>
-              </a:spcAft>
-              <a:buNone/>
-            </a:pPr>
-            <a:r>
-              <a:t/>
-            </a:r>
-            <a:endParaRPr sz="1900">
-              <a:solidFill>
-                <a:schemeClr val="lt1"/>
-              </a:solidFill>
-              <a:latin typeface="Verdana"/>
-              <a:ea typeface="Verdana"/>
-              <a:cs typeface="Verdana"/>
-              <a:sym typeface="Verdana"/>
-            </a:endParaRPr>
-          </a:p>
-          <a:p>
-            <a:pPr indent="-349250" lvl="0" marL="457200" rtl="0" algn="l">
-              <a:spcBef>
-                <a:spcPts val="0"/>
-              </a:spcBef>
-              <a:spcAft>
-                <a:spcPts val="0"/>
-              </a:spcAft>
-              <a:buClr>
-                <a:schemeClr val="lt1"/>
-              </a:buClr>
-              <a:buSzPts val="1900"/>
-              <a:buFont typeface="Verdana"/>
-              <a:buChar char="●"/>
-            </a:pPr>
-            <a:r>
-              <a:rPr lang="en" sz="1900">
-                <a:solidFill>
-                  <a:schemeClr val="lt1"/>
-                </a:solidFill>
-                <a:latin typeface="Verdana"/>
-                <a:ea typeface="Verdana"/>
-                <a:cs typeface="Verdana"/>
-                <a:sym typeface="Verdana"/>
-              </a:rPr>
-              <a:t>The F1-score, a balanced metric at 0.71, underscores our model's effectiveness in minimizing false predictions.</a:t>
-            </a:r>
-            <a:endParaRPr sz="1900">
-              <a:solidFill>
-                <a:schemeClr val="lt1"/>
-              </a:solidFill>
-              <a:latin typeface="Verdana"/>
-              <a:ea typeface="Verdana"/>
-              <a:cs typeface="Verdana"/>
-              <a:sym typeface="Verdana"/>
-            </a:endParaRPr>
-          </a:p>
-          <a:p>
-            <a:pPr indent="0" lvl="0" marL="457200" rtl="0" algn="l">
-              <a:spcBef>
-                <a:spcPts val="0"/>
-              </a:spcBef>
-              <a:spcAft>
-                <a:spcPts val="0"/>
-              </a:spcAft>
-              <a:buNone/>
-            </a:pPr>
-            <a:r>
-              <a:t/>
-            </a:r>
-            <a:endParaRPr sz="1900">
-              <a:solidFill>
-                <a:schemeClr val="lt1"/>
               </a:solidFill>
               <a:latin typeface="Verdana"/>
               <a:ea typeface="Verdana"/>
@@ -15530,6 +16272,285 @@
 </file>
 
 <file path=ppt/theme/theme1.xml><?xml version="1.0" encoding="utf-8"?>
+<a:theme xmlns:a="http://schemas.openxmlformats.org/drawingml/2006/main" xmlns:r="http://schemas.openxmlformats.org/officeDocument/2006/relationships" name="Simple Light">
+  <a:themeElements>
+    <a:clrScheme name="Simple Light">
+      <a:dk1>
+        <a:srgbClr val="000000"/>
+      </a:dk1>
+      <a:lt1>
+        <a:srgbClr val="F3F3F3"/>
+      </a:lt1>
+      <a:dk2>
+        <a:srgbClr val="595959"/>
+      </a:dk2>
+      <a:lt2>
+        <a:srgbClr val="F1E2E2"/>
+      </a:lt2>
+      <a:accent1>
+        <a:srgbClr val="4285F4"/>
+      </a:accent1>
+      <a:accent2>
+        <a:srgbClr val="212121"/>
+      </a:accent2>
+      <a:accent3>
+        <a:srgbClr val="78909C"/>
+      </a:accent3>
+      <a:accent4>
+        <a:srgbClr val="FFAB40"/>
+      </a:accent4>
+      <a:accent5>
+        <a:srgbClr val="0097A7"/>
+      </a:accent5>
+      <a:accent6>
+        <a:srgbClr val="EEFF41"/>
+      </a:accent6>
+      <a:hlink>
+        <a:srgbClr val="0097A7"/>
+      </a:hlink>
+      <a:folHlink>
+        <a:srgbClr val="0097A7"/>
+      </a:folHlink>
+    </a:clrScheme>
+    <a:fontScheme name="Office">
+      <a:majorFont>
+        <a:latin typeface="Arial"/>
+        <a:ea typeface=""/>
+        <a:cs typeface=""/>
+        <a:font script="Jpan" typeface="ＭＳ Ｐゴシック"/>
+        <a:font script="Hang" typeface="맑은 고딕"/>
+        <a:font script="Hans" typeface="宋体"/>
+        <a:font script="Hant" typeface="新細明體"/>
+        <a:font script="Arab" typeface="Times New Roman"/>
+        <a:font script="Hebr" typeface="Times New Roman"/>
+        <a:font script="Thai" typeface="Angsana New"/>
+        <a:font script="Ethi" typeface="Nyala"/>
+        <a:font script="Beng" typeface="Vrinda"/>
+        <a:font script="Gujr" typeface="Shruti"/>
+        <a:font script="Khmr" typeface="MoolBoran"/>
+        <a:font script="Knda" typeface="Tunga"/>
+        <a:font script="Guru" typeface="Raavi"/>
+        <a:font script="Cans" typeface="Euphemia"/>
+        <a:font script="Cher" typeface="Plantagenet Cherokee"/>
+        <a:font script="Yiii" typeface="Microsoft Yi Baiti"/>
+        <a:font script="Tibt" typeface="Microsoft Himalaya"/>
+        <a:font script="Thaa" typeface="MV Boli"/>
+        <a:font script="Deva" typeface="Mangal"/>
+        <a:font script="Telu" typeface="Gautami"/>
+        <a:font script="Taml" typeface="Latha"/>
+        <a:font script="Syrc" typeface="Estrangelo Edessa"/>
+        <a:font script="Orya" typeface="Kalinga"/>
+        <a:font script="Mlym" typeface="Kartika"/>
+        <a:font script="Laoo" typeface="DokChampa"/>
+        <a:font script="Sinh" typeface="Iskoola Pota"/>
+        <a:font script="Mong" typeface="Mongolian Baiti"/>
+        <a:font script="Viet" typeface="Times New Roman"/>
+        <a:font script="Uigh" typeface="Microsoft Uighur"/>
+        <a:font script="Geor" typeface="Sylfaen"/>
+      </a:majorFont>
+      <a:minorFont>
+        <a:latin typeface="Arial"/>
+        <a:ea typeface=""/>
+        <a:cs typeface=""/>
+        <a:font script="Jpan" typeface="ＭＳ Ｐゴシック"/>
+        <a:font script="Hang" typeface="맑은 고딕"/>
+        <a:font script="Hans" typeface="宋体"/>
+        <a:font script="Hant" typeface="新細明體"/>
+        <a:font script="Arab" typeface="Arial"/>
+        <a:font script="Hebr" typeface="Arial"/>
+        <a:font script="Thai" typeface="Cordia New"/>
+        <a:font script="Ethi" typeface="Nyala"/>
+        <a:font script="Beng" typeface="Vrinda"/>
+        <a:font script="Gujr" typeface="Shruti"/>
+        <a:font script="Khmr" typeface="DaunPenh"/>
+        <a:font script="Knda" typeface="Tunga"/>
+        <a:font script="Guru" typeface="Raavi"/>
+        <a:font script="Cans" typeface="Euphemia"/>
+        <a:font script="Cher" typeface="Plantagenet Cherokee"/>
+        <a:font script="Yiii" typeface="Microsoft Yi Baiti"/>
+        <a:font script="Tibt" typeface="Microsoft Himalaya"/>
+        <a:font script="Thaa" typeface="MV Boli"/>
+        <a:font script="Deva" typeface="Mangal"/>
+        <a:font script="Telu" typeface="Gautami"/>
+        <a:font script="Taml" typeface="Latha"/>
+        <a:font script="Syrc" typeface="Estrangelo Edessa"/>
+        <a:font script="Orya" typeface="Kalinga"/>
+        <a:font script="Mlym" typeface="Kartika"/>
+        <a:font script="Laoo" typeface="DokChampa"/>
+        <a:font script="Sinh" typeface="Iskoola Pota"/>
+        <a:font script="Mong" typeface="Mongolian Baiti"/>
+        <a:font script="Viet" typeface="Arial"/>
+        <a:font script="Uigh" typeface="Microsoft Uighur"/>
+        <a:font script="Geor" typeface="Sylfaen"/>
+      </a:minorFont>
+    </a:fontScheme>
+    <a:fmtScheme name="Office">
+      <a:fillStyleLst>
+        <a:solidFill>
+          <a:schemeClr val="phClr"/>
+        </a:solidFill>
+        <a:gradFill rotWithShape="1">
+          <a:gsLst>
+            <a:gs pos="0">
+              <a:schemeClr val="phClr">
+                <a:tint val="50000"/>
+                <a:satMod val="300000"/>
+              </a:schemeClr>
+            </a:gs>
+            <a:gs pos="35000">
+              <a:schemeClr val="phClr">
+                <a:tint val="37000"/>
+                <a:satMod val="300000"/>
+              </a:schemeClr>
+            </a:gs>
+            <a:gs pos="100000">
+              <a:schemeClr val="phClr">
+                <a:tint val="15000"/>
+                <a:satMod val="350000"/>
+              </a:schemeClr>
+            </a:gs>
+          </a:gsLst>
+          <a:lin ang="16200000" scaled="1"/>
+        </a:gradFill>
+        <a:gradFill rotWithShape="1">
+          <a:gsLst>
+            <a:gs pos="0">
+              <a:schemeClr val="phClr">
+                <a:tint val="100000"/>
+                <a:shade val="100000"/>
+                <a:satMod val="130000"/>
+              </a:schemeClr>
+            </a:gs>
+            <a:gs pos="100000">
+              <a:schemeClr val="phClr">
+                <a:tint val="50000"/>
+                <a:shade val="100000"/>
+                <a:satMod val="350000"/>
+              </a:schemeClr>
+            </a:gs>
+          </a:gsLst>
+          <a:lin ang="16200000" scaled="0"/>
+        </a:gradFill>
+      </a:fillStyleLst>
+      <a:lnStyleLst>
+        <a:ln w="9525" cap="flat" cmpd="sng" algn="ctr">
+          <a:solidFill>
+            <a:schemeClr val="phClr">
+              <a:shade val="95000"/>
+              <a:satMod val="105000"/>
+            </a:schemeClr>
+          </a:solidFill>
+          <a:prstDash val="solid"/>
+        </a:ln>
+        <a:ln w="25400" cap="flat" cmpd="sng" algn="ctr">
+          <a:solidFill>
+            <a:schemeClr val="phClr"/>
+          </a:solidFill>
+          <a:prstDash val="solid"/>
+        </a:ln>
+        <a:ln w="38100" cap="flat" cmpd="sng" algn="ctr">
+          <a:solidFill>
+            <a:schemeClr val="phClr"/>
+          </a:solidFill>
+          <a:prstDash val="solid"/>
+        </a:ln>
+      </a:lnStyleLst>
+      <a:effectStyleLst>
+        <a:effectStyle>
+          <a:effectLst>
+            <a:outerShdw blurRad="40000" dist="20000" dir="5400000" rotWithShape="0">
+              <a:srgbClr val="000000">
+                <a:alpha val="38000"/>
+              </a:srgbClr>
+            </a:outerShdw>
+          </a:effectLst>
+        </a:effectStyle>
+        <a:effectStyle>
+          <a:effectLst>
+            <a:outerShdw blurRad="40000" dist="23000" dir="5400000" rotWithShape="0">
+              <a:srgbClr val="000000">
+                <a:alpha val="35000"/>
+              </a:srgbClr>
+            </a:outerShdw>
+          </a:effectLst>
+        </a:effectStyle>
+        <a:effectStyle>
+          <a:effectLst>
+            <a:outerShdw blurRad="40000" dist="23000" dir="5400000" rotWithShape="0">
+              <a:srgbClr val="000000">
+                <a:alpha val="35000"/>
+              </a:srgbClr>
+            </a:outerShdw>
+          </a:effectLst>
+          <a:scene3d>
+            <a:camera prst="orthographicFront">
+              <a:rot lat="0" lon="0" rev="0"/>
+            </a:camera>
+            <a:lightRig rig="threePt" dir="t">
+              <a:rot lat="0" lon="0" rev="1200000"/>
+            </a:lightRig>
+          </a:scene3d>
+          <a:sp3d>
+            <a:bevelT w="63500" h="25400"/>
+          </a:sp3d>
+        </a:effectStyle>
+      </a:effectStyleLst>
+      <a:bgFillStyleLst>
+        <a:solidFill>
+          <a:schemeClr val="phClr"/>
+        </a:solidFill>
+        <a:gradFill rotWithShape="1">
+          <a:gsLst>
+            <a:gs pos="0">
+              <a:schemeClr val="phClr">
+                <a:tint val="40000"/>
+                <a:satMod val="350000"/>
+              </a:schemeClr>
+            </a:gs>
+            <a:gs pos="40000">
+              <a:schemeClr val="phClr">
+                <a:tint val="45000"/>
+                <a:shade val="99000"/>
+                <a:satMod val="350000"/>
+              </a:schemeClr>
+            </a:gs>
+            <a:gs pos="100000">
+              <a:schemeClr val="phClr">
+                <a:shade val="20000"/>
+                <a:satMod val="255000"/>
+              </a:schemeClr>
+            </a:gs>
+          </a:gsLst>
+          <a:path path="circle">
+            <a:fillToRect l="50000" t="-80000" r="50000" b="180000"/>
+          </a:path>
+        </a:gradFill>
+        <a:gradFill rotWithShape="1">
+          <a:gsLst>
+            <a:gs pos="0">
+              <a:schemeClr val="phClr">
+                <a:tint val="80000"/>
+                <a:satMod val="300000"/>
+              </a:schemeClr>
+            </a:gs>
+            <a:gs pos="100000">
+              <a:schemeClr val="phClr">
+                <a:shade val="30000"/>
+                <a:satMod val="200000"/>
+              </a:schemeClr>
+            </a:gs>
+          </a:gsLst>
+          <a:path path="circle">
+            <a:fillToRect l="50000" t="50000" r="50000" b="50000"/>
+          </a:path>
+        </a:gradFill>
+      </a:bgFillStyleLst>
+    </a:fmtScheme>
+  </a:themeElements>
+</a:theme>
+</file>
+
+<file path=ppt/theme/theme2.xml><?xml version="1.0" encoding="utf-8"?>
 <a:theme xmlns:a="http://schemas.openxmlformats.org/drawingml/2006/main" xmlns:r="http://schemas.openxmlformats.org/officeDocument/2006/relationships">
   <a:themeElements>
     <a:clrScheme name="Default">
@@ -15806,283 +16827,4 @@
     </a:fmtScheme>
   </a:themeElements>
 </a:theme>
-</file>
-
-<file path=ppt/theme/theme2.xml><?xml version="1.0" encoding="utf-8"?>
-<a:theme xmlns:a="http://schemas.openxmlformats.org/drawingml/2006/main" xmlns:r="http://schemas.openxmlformats.org/officeDocument/2006/relationships" name="Simple Light">
-  <a:themeElements>
-    <a:clrScheme name="Simple Light">
-      <a:dk1>
-        <a:srgbClr val="000000"/>
-      </a:dk1>
-      <a:lt1>
-        <a:srgbClr val="F3F3F3"/>
-      </a:lt1>
-      <a:dk2>
-        <a:srgbClr val="595959"/>
-      </a:dk2>
-      <a:lt2>
-        <a:srgbClr val="F1E2E2"/>
-      </a:lt2>
-      <a:accent1>
-        <a:srgbClr val="4285F4"/>
-      </a:accent1>
-      <a:accent2>
-        <a:srgbClr val="212121"/>
-      </a:accent2>
-      <a:accent3>
-        <a:srgbClr val="78909C"/>
-      </a:accent3>
-      <a:accent4>
-        <a:srgbClr val="FFAB40"/>
-      </a:accent4>
-      <a:accent5>
-        <a:srgbClr val="0097A7"/>
-      </a:accent5>
-      <a:accent6>
-        <a:srgbClr val="EEFF41"/>
-      </a:accent6>
-      <a:hlink>
-        <a:srgbClr val="0097A7"/>
-      </a:hlink>
-      <a:folHlink>
-        <a:srgbClr val="0097A7"/>
-      </a:folHlink>
-    </a:clrScheme>
-    <a:fontScheme name="Office">
-      <a:majorFont>
-        <a:latin typeface="Arial"/>
-        <a:ea typeface=""/>
-        <a:cs typeface=""/>
-        <a:font script="Jpan" typeface="ＭＳ Ｐゴシック"/>
-        <a:font script="Hang" typeface="맑은 고딕"/>
-        <a:font script="Hans" typeface="宋体"/>
-        <a:font script="Hant" typeface="新細明體"/>
-        <a:font script="Arab" typeface="Times New Roman"/>
-        <a:font script="Hebr" typeface="Times New Roman"/>
-        <a:font script="Thai" typeface="Angsana New"/>
-        <a:font script="Ethi" typeface="Nyala"/>
-        <a:font script="Beng" typeface="Vrinda"/>
-        <a:font script="Gujr" typeface="Shruti"/>
-        <a:font script="Khmr" typeface="MoolBoran"/>
-        <a:font script="Knda" typeface="Tunga"/>
-        <a:font script="Guru" typeface="Raavi"/>
-        <a:font script="Cans" typeface="Euphemia"/>
-        <a:font script="Cher" typeface="Plantagenet Cherokee"/>
-        <a:font script="Yiii" typeface="Microsoft Yi Baiti"/>
-        <a:font script="Tibt" typeface="Microsoft Himalaya"/>
-        <a:font script="Thaa" typeface="MV Boli"/>
-        <a:font script="Deva" typeface="Mangal"/>
-        <a:font script="Telu" typeface="Gautami"/>
-        <a:font script="Taml" typeface="Latha"/>
-        <a:font script="Syrc" typeface="Estrangelo Edessa"/>
-        <a:font script="Orya" typeface="Kalinga"/>
-        <a:font script="Mlym" typeface="Kartika"/>
-        <a:font script="Laoo" typeface="DokChampa"/>
-        <a:font script="Sinh" typeface="Iskoola Pota"/>
-        <a:font script="Mong" typeface="Mongolian Baiti"/>
-        <a:font script="Viet" typeface="Times New Roman"/>
-        <a:font script="Uigh" typeface="Microsoft Uighur"/>
-        <a:font script="Geor" typeface="Sylfaen"/>
-      </a:majorFont>
-      <a:minorFont>
-        <a:latin typeface="Arial"/>
-        <a:ea typeface=""/>
-        <a:cs typeface=""/>
-        <a:font script="Jpan" typeface="ＭＳ Ｐゴシック"/>
-        <a:font script="Hang" typeface="맑은 고딕"/>
-        <a:font script="Hans" typeface="宋体"/>
-        <a:font script="Hant" typeface="新細明體"/>
-        <a:font script="Arab" typeface="Arial"/>
-        <a:font script="Hebr" typeface="Arial"/>
-        <a:font script="Thai" typeface="Cordia New"/>
-        <a:font script="Ethi" typeface="Nyala"/>
-        <a:font script="Beng" typeface="Vrinda"/>
-        <a:font script="Gujr" typeface="Shruti"/>
-        <a:font script="Khmr" typeface="DaunPenh"/>
-        <a:font script="Knda" typeface="Tunga"/>
-        <a:font script="Guru" typeface="Raavi"/>
-        <a:font script="Cans" typeface="Euphemia"/>
-        <a:font script="Cher" typeface="Plantagenet Cherokee"/>
-        <a:font script="Yiii" typeface="Microsoft Yi Baiti"/>
-        <a:font script="Tibt" typeface="Microsoft Himalaya"/>
-        <a:font script="Thaa" typeface="MV Boli"/>
-        <a:font script="Deva" typeface="Mangal"/>
-        <a:font script="Telu" typeface="Gautami"/>
-        <a:font script="Taml" typeface="Latha"/>
-        <a:font script="Syrc" typeface="Estrangelo Edessa"/>
-        <a:font script="Orya" typeface="Kalinga"/>
-        <a:font script="Mlym" typeface="Kartika"/>
-        <a:font script="Laoo" typeface="DokChampa"/>
-        <a:font script="Sinh" typeface="Iskoola Pota"/>
-        <a:font script="Mong" typeface="Mongolian Baiti"/>
-        <a:font script="Viet" typeface="Arial"/>
-        <a:font script="Uigh" typeface="Microsoft Uighur"/>
-        <a:font script="Geor" typeface="Sylfaen"/>
-      </a:minorFont>
-    </a:fontScheme>
-    <a:fmtScheme name="Office">
-      <a:fillStyleLst>
-        <a:solidFill>
-          <a:schemeClr val="phClr"/>
-        </a:solidFill>
-        <a:gradFill rotWithShape="1">
-          <a:gsLst>
-            <a:gs pos="0">
-              <a:schemeClr val="phClr">
-                <a:tint val="50000"/>
-                <a:satMod val="300000"/>
-              </a:schemeClr>
-            </a:gs>
-            <a:gs pos="35000">
-              <a:schemeClr val="phClr">
-                <a:tint val="37000"/>
-                <a:satMod val="300000"/>
-              </a:schemeClr>
-            </a:gs>
-            <a:gs pos="100000">
-              <a:schemeClr val="phClr">
-                <a:tint val="15000"/>
-                <a:satMod val="350000"/>
-              </a:schemeClr>
-            </a:gs>
-          </a:gsLst>
-          <a:lin ang="16200000" scaled="1"/>
-        </a:gradFill>
-        <a:gradFill rotWithShape="1">
-          <a:gsLst>
-            <a:gs pos="0">
-              <a:schemeClr val="phClr">
-                <a:tint val="100000"/>
-                <a:shade val="100000"/>
-                <a:satMod val="130000"/>
-              </a:schemeClr>
-            </a:gs>
-            <a:gs pos="100000">
-              <a:schemeClr val="phClr">
-                <a:tint val="50000"/>
-                <a:shade val="100000"/>
-                <a:satMod val="350000"/>
-              </a:schemeClr>
-            </a:gs>
-          </a:gsLst>
-          <a:lin ang="16200000" scaled="0"/>
-        </a:gradFill>
-      </a:fillStyleLst>
-      <a:lnStyleLst>
-        <a:ln w="9525" cap="flat" cmpd="sng" algn="ctr">
-          <a:solidFill>
-            <a:schemeClr val="phClr">
-              <a:shade val="95000"/>
-              <a:satMod val="105000"/>
-            </a:schemeClr>
-          </a:solidFill>
-          <a:prstDash val="solid"/>
-        </a:ln>
-        <a:ln w="25400" cap="flat" cmpd="sng" algn="ctr">
-          <a:solidFill>
-            <a:schemeClr val="phClr"/>
-          </a:solidFill>
-          <a:prstDash val="solid"/>
-        </a:ln>
-        <a:ln w="38100" cap="flat" cmpd="sng" algn="ctr">
-          <a:solidFill>
-            <a:schemeClr val="phClr"/>
-          </a:solidFill>
-          <a:prstDash val="solid"/>
-        </a:ln>
-      </a:lnStyleLst>
-      <a:effectStyleLst>
-        <a:effectStyle>
-          <a:effectLst>
-            <a:outerShdw blurRad="40000" dist="20000" dir="5400000" rotWithShape="0">
-              <a:srgbClr val="000000">
-                <a:alpha val="38000"/>
-              </a:srgbClr>
-            </a:outerShdw>
-          </a:effectLst>
-        </a:effectStyle>
-        <a:effectStyle>
-          <a:effectLst>
-            <a:outerShdw blurRad="40000" dist="23000" dir="5400000" rotWithShape="0">
-              <a:srgbClr val="000000">
-                <a:alpha val="35000"/>
-              </a:srgbClr>
-            </a:outerShdw>
-          </a:effectLst>
-        </a:effectStyle>
-        <a:effectStyle>
-          <a:effectLst>
-            <a:outerShdw blurRad="40000" dist="23000" dir="5400000" rotWithShape="0">
-              <a:srgbClr val="000000">
-                <a:alpha val="35000"/>
-              </a:srgbClr>
-            </a:outerShdw>
-          </a:effectLst>
-          <a:scene3d>
-            <a:camera prst="orthographicFront">
-              <a:rot lat="0" lon="0" rev="0"/>
-            </a:camera>
-            <a:lightRig rig="threePt" dir="t">
-              <a:rot lat="0" lon="0" rev="1200000"/>
-            </a:lightRig>
-          </a:scene3d>
-          <a:sp3d>
-            <a:bevelT w="63500" h="25400"/>
-          </a:sp3d>
-        </a:effectStyle>
-      </a:effectStyleLst>
-      <a:bgFillStyleLst>
-        <a:solidFill>
-          <a:schemeClr val="phClr"/>
-        </a:solidFill>
-        <a:gradFill rotWithShape="1">
-          <a:gsLst>
-            <a:gs pos="0">
-              <a:schemeClr val="phClr">
-                <a:tint val="40000"/>
-                <a:satMod val="350000"/>
-              </a:schemeClr>
-            </a:gs>
-            <a:gs pos="40000">
-              <a:schemeClr val="phClr">
-                <a:tint val="45000"/>
-                <a:shade val="99000"/>
-                <a:satMod val="350000"/>
-              </a:schemeClr>
-            </a:gs>
-            <a:gs pos="100000">
-              <a:schemeClr val="phClr">
-                <a:shade val="20000"/>
-                <a:satMod val="255000"/>
-              </a:schemeClr>
-            </a:gs>
-          </a:gsLst>
-          <a:path path="circle">
-            <a:fillToRect l="50000" t="-80000" r="50000" b="180000"/>
-          </a:path>
-        </a:gradFill>
-        <a:gradFill rotWithShape="1">
-          <a:gsLst>
-            <a:gs pos="0">
-              <a:schemeClr val="phClr">
-                <a:tint val="80000"/>
-                <a:satMod val="300000"/>
-              </a:schemeClr>
-            </a:gs>
-            <a:gs pos="100000">
-              <a:schemeClr val="phClr">
-                <a:shade val="30000"/>
-                <a:satMod val="200000"/>
-              </a:schemeClr>
-            </a:gs>
-          </a:gsLst>
-          <a:path path="circle">
-            <a:fillToRect l="50000" t="50000" r="50000" b="50000"/>
-          </a:path>
-        </a:gradFill>
-      </a:bgFillStyleLst>
-    </a:fmtScheme>
-  </a:themeElements>
-</a:theme>
 </file>